--- a/프로젝트/조별과제 카테고리 분류 방안(예시).pptx
+++ b/프로젝트/조별과제 카테고리 분류 방안(예시).pptx
@@ -109,6 +109,11 @@
       </a:defRPr>
     </a:lvl9pPr>
   </p:defaultTextStyle>
+  <p:extLst>
+    <p:ext uri="{EFAFB233-063F-42B5-8137-9DF3F51BA10A}">
+      <p15:sldGuideLst xmlns:p15="http://schemas.microsoft.com/office/powerpoint/2012/main"/>
+    </p:ext>
+  </p:extLst>
 </p:presentation>
 </file>
 
@@ -259,7 +264,7 @@
           <a:p>
             <a:fld id="{72D06881-E12F-4FB7-8DFB-2CFD27D570A7}" type="datetimeFigureOut">
               <a:rPr lang="ko-KR" altLang="en-US" smtClean="0"/>
-              <a:t>2021-10-08</a:t>
+              <a:t>2021-10-09</a:t>
             </a:fld>
             <a:endParaRPr lang="ko-KR" altLang="en-US"/>
           </a:p>
@@ -457,7 +462,7 @@
           <a:p>
             <a:fld id="{72D06881-E12F-4FB7-8DFB-2CFD27D570A7}" type="datetimeFigureOut">
               <a:rPr lang="ko-KR" altLang="en-US" smtClean="0"/>
-              <a:t>2021-10-08</a:t>
+              <a:t>2021-10-09</a:t>
             </a:fld>
             <a:endParaRPr lang="ko-KR" altLang="en-US"/>
           </a:p>
@@ -665,7 +670,7 @@
           <a:p>
             <a:fld id="{72D06881-E12F-4FB7-8DFB-2CFD27D570A7}" type="datetimeFigureOut">
               <a:rPr lang="ko-KR" altLang="en-US" smtClean="0"/>
-              <a:t>2021-10-08</a:t>
+              <a:t>2021-10-09</a:t>
             </a:fld>
             <a:endParaRPr lang="ko-KR" altLang="en-US"/>
           </a:p>
@@ -863,7 +868,7 @@
           <a:p>
             <a:fld id="{72D06881-E12F-4FB7-8DFB-2CFD27D570A7}" type="datetimeFigureOut">
               <a:rPr lang="ko-KR" altLang="en-US" smtClean="0"/>
-              <a:t>2021-10-08</a:t>
+              <a:t>2021-10-09</a:t>
             </a:fld>
             <a:endParaRPr lang="ko-KR" altLang="en-US"/>
           </a:p>
@@ -1138,7 +1143,7 @@
           <a:p>
             <a:fld id="{72D06881-E12F-4FB7-8DFB-2CFD27D570A7}" type="datetimeFigureOut">
               <a:rPr lang="ko-KR" altLang="en-US" smtClean="0"/>
-              <a:t>2021-10-08</a:t>
+              <a:t>2021-10-09</a:t>
             </a:fld>
             <a:endParaRPr lang="ko-KR" altLang="en-US"/>
           </a:p>
@@ -1403,7 +1408,7 @@
           <a:p>
             <a:fld id="{72D06881-E12F-4FB7-8DFB-2CFD27D570A7}" type="datetimeFigureOut">
               <a:rPr lang="ko-KR" altLang="en-US" smtClean="0"/>
-              <a:t>2021-10-08</a:t>
+              <a:t>2021-10-09</a:t>
             </a:fld>
             <a:endParaRPr lang="ko-KR" altLang="en-US"/>
           </a:p>
@@ -1815,7 +1820,7 @@
           <a:p>
             <a:fld id="{72D06881-E12F-4FB7-8DFB-2CFD27D570A7}" type="datetimeFigureOut">
               <a:rPr lang="ko-KR" altLang="en-US" smtClean="0"/>
-              <a:t>2021-10-08</a:t>
+              <a:t>2021-10-09</a:t>
             </a:fld>
             <a:endParaRPr lang="ko-KR" altLang="en-US"/>
           </a:p>
@@ -1956,7 +1961,7 @@
           <a:p>
             <a:fld id="{72D06881-E12F-4FB7-8DFB-2CFD27D570A7}" type="datetimeFigureOut">
               <a:rPr lang="ko-KR" altLang="en-US" smtClean="0"/>
-              <a:t>2021-10-08</a:t>
+              <a:t>2021-10-09</a:t>
             </a:fld>
             <a:endParaRPr lang="ko-KR" altLang="en-US"/>
           </a:p>
@@ -2069,7 +2074,7 @@
           <a:p>
             <a:fld id="{72D06881-E12F-4FB7-8DFB-2CFD27D570A7}" type="datetimeFigureOut">
               <a:rPr lang="ko-KR" altLang="en-US" smtClean="0"/>
-              <a:t>2021-10-08</a:t>
+              <a:t>2021-10-09</a:t>
             </a:fld>
             <a:endParaRPr lang="ko-KR" altLang="en-US"/>
           </a:p>
@@ -2380,7 +2385,7 @@
           <a:p>
             <a:fld id="{72D06881-E12F-4FB7-8DFB-2CFD27D570A7}" type="datetimeFigureOut">
               <a:rPr lang="ko-KR" altLang="en-US" smtClean="0"/>
-              <a:t>2021-10-08</a:t>
+              <a:t>2021-10-09</a:t>
             </a:fld>
             <a:endParaRPr lang="ko-KR" altLang="en-US"/>
           </a:p>
@@ -2668,7 +2673,7 @@
           <a:p>
             <a:fld id="{72D06881-E12F-4FB7-8DFB-2CFD27D570A7}" type="datetimeFigureOut">
               <a:rPr lang="ko-KR" altLang="en-US" smtClean="0"/>
-              <a:t>2021-10-08</a:t>
+              <a:t>2021-10-09</a:t>
             </a:fld>
             <a:endParaRPr lang="ko-KR" altLang="en-US"/>
           </a:p>
@@ -2909,7 +2914,7 @@
           <a:p>
             <a:fld id="{72D06881-E12F-4FB7-8DFB-2CFD27D570A7}" type="datetimeFigureOut">
               <a:rPr lang="ko-KR" altLang="en-US" smtClean="0"/>
-              <a:t>2021-10-08</a:t>
+              <a:t>2021-10-09</a:t>
             </a:fld>
             <a:endParaRPr lang="ko-KR" altLang="en-US"/>
           </a:p>
@@ -3811,6 +3816,11 @@
           <a:solidFill>
             <a:schemeClr val="bg1"/>
           </a:solidFill>
+          <a:ln>
+            <a:solidFill>
+              <a:srgbClr val="FF0000"/>
+            </a:solidFill>
+          </a:ln>
         </p:spPr>
         <p:style>
           <a:lnRef idx="2">
@@ -3867,6 +3877,11 @@
           <a:solidFill>
             <a:schemeClr val="bg1"/>
           </a:solidFill>
+          <a:ln>
+            <a:solidFill>
+              <a:srgbClr val="FF0000"/>
+            </a:solidFill>
+          </a:ln>
         </p:spPr>
         <p:style>
           <a:lnRef idx="2">
@@ -3905,78 +3920,6 @@
           </a:p>
         </p:txBody>
       </p:sp>
-      <p:sp>
-        <p:nvSpPr>
-          <p:cNvPr id="13" name="직사각형 12">
-            <a:extLst>
-              <a:ext uri="{FF2B5EF4-FFF2-40B4-BE49-F238E27FC236}">
-                <a16:creationId xmlns:a16="http://schemas.microsoft.com/office/drawing/2014/main" id="{1A1351FA-D291-4D75-8886-157D739FF2EE}"/>
-              </a:ext>
-            </a:extLst>
-          </p:cNvPr>
-          <p:cNvSpPr/>
-          <p:nvPr/>
-        </p:nvSpPr>
-        <p:spPr>
-          <a:xfrm>
-            <a:off x="10844628" y="1667689"/>
-            <a:ext cx="1025434" cy="505098"/>
-          </a:xfrm>
-          <a:prstGeom prst="rect">
-            <a:avLst/>
-          </a:prstGeom>
-          <a:solidFill>
-            <a:schemeClr val="bg1"/>
-          </a:solidFill>
-        </p:spPr>
-        <p:style>
-          <a:lnRef idx="2">
-            <a:schemeClr val="accent1">
-              <a:shade val="50000"/>
-            </a:schemeClr>
-          </a:lnRef>
-          <a:fillRef idx="1">
-            <a:schemeClr val="accent1"/>
-          </a:fillRef>
-          <a:effectRef idx="0">
-            <a:schemeClr val="accent1"/>
-          </a:effectRef>
-          <a:fontRef idx="minor">
-            <a:schemeClr val="lt1"/>
-          </a:fontRef>
-        </p:style>
-        <p:txBody>
-          <a:bodyPr rtlCol="0" anchor="ctr"/>
-          <a:lstStyle/>
-          <a:p>
-            <a:pPr algn="ctr"/>
-            <a:r>
-              <a:rPr lang="ko-KR" altLang="en-US" dirty="0">
-                <a:solidFill>
-                  <a:schemeClr val="tx1"/>
-                </a:solidFill>
-              </a:rPr>
-              <a:t>디</a:t>
-            </a:r>
-            <a:r>
-              <a:rPr lang="en-US" altLang="ko-KR" dirty="0">
-                <a:solidFill>
-                  <a:schemeClr val="tx1"/>
-                </a:solidFill>
-              </a:rPr>
-              <a:t>*</a:t>
-            </a:r>
-            <a:r>
-              <a:rPr lang="ko-KR" altLang="en-US" dirty="0">
-                <a:solidFill>
-                  <a:schemeClr val="tx1"/>
-                </a:solidFill>
-              </a:rPr>
-              <a:t>카</a:t>
-            </a:r>
-          </a:p>
-        </p:txBody>
-      </p:sp>
       <p:cxnSp>
         <p:nvCxnSpPr>
           <p:cNvPr id="15" name="연결선: 꺾임 14">
@@ -4167,7 +4110,6 @@
           <p:cNvCxnSpPr>
             <a:cxnSpLocks/>
             <a:stCxn id="4" idx="2"/>
-            <a:endCxn id="13" idx="0"/>
           </p:cNvCxnSpPr>
           <p:nvPr/>
         </p:nvCxnSpPr>
@@ -4284,6 +4226,11 @@
           <a:solidFill>
             <a:schemeClr val="bg1"/>
           </a:solidFill>
+          <a:ln>
+            <a:solidFill>
+              <a:srgbClr val="FF0000"/>
+            </a:solidFill>
+          </a:ln>
         </p:spPr>
         <p:style>
           <a:lnRef idx="2">
@@ -4340,6 +4287,11 @@
           <a:solidFill>
             <a:schemeClr val="bg1"/>
           </a:solidFill>
+          <a:ln>
+            <a:solidFill>
+              <a:srgbClr val="FF0000"/>
+            </a:solidFill>
+          </a:ln>
         </p:spPr>
         <p:style>
           <a:lnRef idx="2">
@@ -4396,6 +4348,11 @@
           <a:solidFill>
             <a:schemeClr val="bg1"/>
           </a:solidFill>
+          <a:ln>
+            <a:solidFill>
+              <a:srgbClr val="FF0000"/>
+            </a:solidFill>
+          </a:ln>
         </p:spPr>
         <p:style>
           <a:lnRef idx="2">
@@ -4692,6 +4649,11 @@
           <a:solidFill>
             <a:schemeClr val="bg1"/>
           </a:solidFill>
+          <a:ln>
+            <a:solidFill>
+              <a:srgbClr val="FF0000"/>
+            </a:solidFill>
+          </a:ln>
         </p:spPr>
         <p:style>
           <a:lnRef idx="2">
@@ -4748,6 +4710,11 @@
           <a:solidFill>
             <a:schemeClr val="bg1"/>
           </a:solidFill>
+          <a:ln>
+            <a:solidFill>
+              <a:srgbClr val="FF0000"/>
+            </a:solidFill>
+          </a:ln>
         </p:spPr>
         <p:style>
           <a:lnRef idx="2">
@@ -4804,6 +4771,11 @@
           <a:solidFill>
             <a:schemeClr val="bg1"/>
           </a:solidFill>
+          <a:ln>
+            <a:solidFill>
+              <a:srgbClr val="FF0000"/>
+            </a:solidFill>
+          </a:ln>
         </p:spPr>
         <p:style>
           <a:lnRef idx="2">
@@ -4860,6 +4832,1705 @@
           <a:solidFill>
             <a:schemeClr val="bg1"/>
           </a:solidFill>
+          <a:ln>
+            <a:solidFill>
+              <a:srgbClr val="FF0000"/>
+            </a:solidFill>
+          </a:ln>
+        </p:spPr>
+        <p:style>
+          <a:lnRef idx="2">
+            <a:schemeClr val="accent1">
+              <a:shade val="50000"/>
+            </a:schemeClr>
+          </a:lnRef>
+          <a:fillRef idx="1">
+            <a:schemeClr val="accent1"/>
+          </a:fillRef>
+          <a:effectRef idx="0">
+            <a:schemeClr val="accent1"/>
+          </a:effectRef>
+          <a:fontRef idx="minor">
+            <a:schemeClr val="lt1"/>
+          </a:fontRef>
+        </p:style>
+        <p:txBody>
+          <a:bodyPr rtlCol="0" anchor="ctr"/>
+          <a:lstStyle/>
+          <a:p>
+            <a:pPr algn="ctr"/>
+            <a:r>
+              <a:rPr lang="ko-KR" altLang="en-US" sz="1400" dirty="0">
+                <a:solidFill>
+                  <a:schemeClr val="tx1"/>
+                </a:solidFill>
+              </a:rPr>
+              <a:t>전기밥솥</a:t>
+            </a:r>
+          </a:p>
+        </p:txBody>
+      </p:sp>
+      <p:sp>
+        <p:nvSpPr>
+          <p:cNvPr id="67" name="직사각형 66">
+            <a:extLst>
+              <a:ext uri="{FF2B5EF4-FFF2-40B4-BE49-F238E27FC236}">
+                <a16:creationId xmlns:a16="http://schemas.microsoft.com/office/drawing/2014/main" id="{469B6F73-8DB7-4705-B28D-F48229B01E20}"/>
+              </a:ext>
+            </a:extLst>
+          </p:cNvPr>
+          <p:cNvSpPr/>
+          <p:nvPr/>
+        </p:nvSpPr>
+        <p:spPr>
+          <a:xfrm>
+            <a:off x="1511751" y="3779724"/>
+            <a:ext cx="1025434" cy="237546"/>
+          </a:xfrm>
+          <a:prstGeom prst="rect">
+            <a:avLst/>
+          </a:prstGeom>
+          <a:solidFill>
+            <a:schemeClr val="bg1"/>
+          </a:solidFill>
+          <a:ln>
+            <a:solidFill>
+              <a:srgbClr val="FF0000"/>
+            </a:solidFill>
+          </a:ln>
+        </p:spPr>
+        <p:style>
+          <a:lnRef idx="2">
+            <a:schemeClr val="accent1">
+              <a:shade val="50000"/>
+            </a:schemeClr>
+          </a:lnRef>
+          <a:fillRef idx="1">
+            <a:schemeClr val="accent1"/>
+          </a:fillRef>
+          <a:effectRef idx="0">
+            <a:schemeClr val="accent1"/>
+          </a:effectRef>
+          <a:fontRef idx="minor">
+            <a:schemeClr val="lt1"/>
+          </a:fontRef>
+        </p:style>
+        <p:txBody>
+          <a:bodyPr rtlCol="0" anchor="ctr"/>
+          <a:lstStyle/>
+          <a:p>
+            <a:pPr algn="ctr"/>
+            <a:r>
+              <a:rPr lang="ko-KR" altLang="en-US" sz="1400" dirty="0">
+                <a:solidFill>
+                  <a:schemeClr val="tx1"/>
+                </a:solidFill>
+              </a:rPr>
+              <a:t>에어프라</a:t>
+            </a:r>
+          </a:p>
+        </p:txBody>
+      </p:sp>
+      <p:sp>
+        <p:nvSpPr>
+          <p:cNvPr id="68" name="직사각형 67">
+            <a:extLst>
+              <a:ext uri="{FF2B5EF4-FFF2-40B4-BE49-F238E27FC236}">
+                <a16:creationId xmlns:a16="http://schemas.microsoft.com/office/drawing/2014/main" id="{D8FBF562-D883-4BC1-AAE1-1293EBE24ED6}"/>
+              </a:ext>
+            </a:extLst>
+          </p:cNvPr>
+          <p:cNvSpPr/>
+          <p:nvPr/>
+        </p:nvSpPr>
+        <p:spPr>
+          <a:xfrm>
+            <a:off x="1511751" y="3313584"/>
+            <a:ext cx="1025434" cy="237546"/>
+          </a:xfrm>
+          <a:prstGeom prst="rect">
+            <a:avLst/>
+          </a:prstGeom>
+          <a:solidFill>
+            <a:schemeClr val="bg1"/>
+          </a:solidFill>
+          <a:ln>
+            <a:solidFill>
+              <a:srgbClr val="FF0000"/>
+            </a:solidFill>
+          </a:ln>
+        </p:spPr>
+        <p:style>
+          <a:lnRef idx="2">
+            <a:schemeClr val="accent1">
+              <a:shade val="50000"/>
+            </a:schemeClr>
+          </a:lnRef>
+          <a:fillRef idx="1">
+            <a:schemeClr val="accent1"/>
+          </a:fillRef>
+          <a:effectRef idx="0">
+            <a:schemeClr val="accent1"/>
+          </a:effectRef>
+          <a:fontRef idx="minor">
+            <a:schemeClr val="lt1"/>
+          </a:fontRef>
+        </p:style>
+        <p:txBody>
+          <a:bodyPr rtlCol="0" anchor="ctr"/>
+          <a:lstStyle/>
+          <a:p>
+            <a:pPr algn="ctr"/>
+            <a:r>
+              <a:rPr lang="ko-KR" altLang="en-US" sz="1400" dirty="0">
+                <a:solidFill>
+                  <a:schemeClr val="tx1"/>
+                </a:solidFill>
+              </a:rPr>
+              <a:t>냉장고</a:t>
+            </a:r>
+          </a:p>
+        </p:txBody>
+      </p:sp>
+      <p:sp>
+        <p:nvSpPr>
+          <p:cNvPr id="69" name="직사각형 68">
+            <a:extLst>
+              <a:ext uri="{FF2B5EF4-FFF2-40B4-BE49-F238E27FC236}">
+                <a16:creationId xmlns:a16="http://schemas.microsoft.com/office/drawing/2014/main" id="{0CB2ACF5-886A-4D15-8DBE-129362C605BB}"/>
+              </a:ext>
+            </a:extLst>
+          </p:cNvPr>
+          <p:cNvSpPr/>
+          <p:nvPr/>
+        </p:nvSpPr>
+        <p:spPr>
+          <a:xfrm>
+            <a:off x="1511751" y="4514835"/>
+            <a:ext cx="1025434" cy="237546"/>
+          </a:xfrm>
+          <a:prstGeom prst="rect">
+            <a:avLst/>
+          </a:prstGeom>
+          <a:solidFill>
+            <a:schemeClr val="bg1"/>
+          </a:solidFill>
+          <a:ln>
+            <a:solidFill>
+              <a:srgbClr val="FF0000"/>
+            </a:solidFill>
+          </a:ln>
+        </p:spPr>
+        <p:style>
+          <a:lnRef idx="2">
+            <a:schemeClr val="accent1">
+              <a:shade val="50000"/>
+            </a:schemeClr>
+          </a:lnRef>
+          <a:fillRef idx="1">
+            <a:schemeClr val="accent1"/>
+          </a:fillRef>
+          <a:effectRef idx="0">
+            <a:schemeClr val="accent1"/>
+          </a:effectRef>
+          <a:fontRef idx="minor">
+            <a:schemeClr val="lt1"/>
+          </a:fontRef>
+        </p:style>
+        <p:txBody>
+          <a:bodyPr rtlCol="0" anchor="ctr"/>
+          <a:lstStyle/>
+          <a:p>
+            <a:pPr algn="ctr"/>
+            <a:r>
+              <a:rPr lang="ko-KR" altLang="en-US" sz="1400" dirty="0">
+                <a:solidFill>
+                  <a:schemeClr val="tx1"/>
+                </a:solidFill>
+              </a:rPr>
+              <a:t>건조기</a:t>
+            </a:r>
+          </a:p>
+        </p:txBody>
+      </p:sp>
+      <p:sp>
+        <p:nvSpPr>
+          <p:cNvPr id="70" name="직사각형 69">
+            <a:extLst>
+              <a:ext uri="{FF2B5EF4-FFF2-40B4-BE49-F238E27FC236}">
+                <a16:creationId xmlns:a16="http://schemas.microsoft.com/office/drawing/2014/main" id="{DC74B013-B76A-4995-B89C-D7D3345251FD}"/>
+              </a:ext>
+            </a:extLst>
+          </p:cNvPr>
+          <p:cNvSpPr/>
+          <p:nvPr/>
+        </p:nvSpPr>
+        <p:spPr>
+          <a:xfrm>
+            <a:off x="1511751" y="4752318"/>
+            <a:ext cx="1025434" cy="237546"/>
+          </a:xfrm>
+          <a:prstGeom prst="rect">
+            <a:avLst/>
+          </a:prstGeom>
+          <a:solidFill>
+            <a:schemeClr val="bg1"/>
+          </a:solidFill>
+          <a:ln>
+            <a:solidFill>
+              <a:srgbClr val="FF0000"/>
+            </a:solidFill>
+          </a:ln>
+        </p:spPr>
+        <p:style>
+          <a:lnRef idx="2">
+            <a:schemeClr val="accent1">
+              <a:shade val="50000"/>
+            </a:schemeClr>
+          </a:lnRef>
+          <a:fillRef idx="1">
+            <a:schemeClr val="accent1"/>
+          </a:fillRef>
+          <a:effectRef idx="0">
+            <a:schemeClr val="accent1"/>
+          </a:effectRef>
+          <a:fontRef idx="minor">
+            <a:schemeClr val="lt1"/>
+          </a:fontRef>
+        </p:style>
+        <p:txBody>
+          <a:bodyPr rtlCol="0" anchor="ctr"/>
+          <a:lstStyle/>
+          <a:p>
+            <a:pPr algn="ctr"/>
+            <a:r>
+              <a:rPr lang="ko-KR" altLang="en-US" sz="1400" dirty="0">
+                <a:solidFill>
+                  <a:schemeClr val="tx1"/>
+                </a:solidFill>
+              </a:rPr>
+              <a:t>청소기</a:t>
+            </a:r>
+          </a:p>
+        </p:txBody>
+      </p:sp>
+      <p:sp>
+        <p:nvSpPr>
+          <p:cNvPr id="71" name="직사각형 70">
+            <a:extLst>
+              <a:ext uri="{FF2B5EF4-FFF2-40B4-BE49-F238E27FC236}">
+                <a16:creationId xmlns:a16="http://schemas.microsoft.com/office/drawing/2014/main" id="{62B83816-30F6-443F-B997-4E8E874F6932}"/>
+              </a:ext>
+            </a:extLst>
+          </p:cNvPr>
+          <p:cNvSpPr/>
+          <p:nvPr/>
+        </p:nvSpPr>
+        <p:spPr>
+          <a:xfrm>
+            <a:off x="1511751" y="4277289"/>
+            <a:ext cx="1025434" cy="237546"/>
+          </a:xfrm>
+          <a:prstGeom prst="rect">
+            <a:avLst/>
+          </a:prstGeom>
+          <a:solidFill>
+            <a:schemeClr val="bg1"/>
+          </a:solidFill>
+          <a:ln>
+            <a:solidFill>
+              <a:srgbClr val="FF0000"/>
+            </a:solidFill>
+          </a:ln>
+        </p:spPr>
+        <p:style>
+          <a:lnRef idx="2">
+            <a:schemeClr val="accent1">
+              <a:shade val="50000"/>
+            </a:schemeClr>
+          </a:lnRef>
+          <a:fillRef idx="1">
+            <a:schemeClr val="accent1"/>
+          </a:fillRef>
+          <a:effectRef idx="0">
+            <a:schemeClr val="accent1"/>
+          </a:effectRef>
+          <a:fontRef idx="minor">
+            <a:schemeClr val="lt1"/>
+          </a:fontRef>
+        </p:style>
+        <p:txBody>
+          <a:bodyPr rtlCol="0" anchor="ctr"/>
+          <a:lstStyle/>
+          <a:p>
+            <a:pPr algn="ctr"/>
+            <a:r>
+              <a:rPr lang="ko-KR" altLang="en-US" sz="1400" dirty="0">
+                <a:solidFill>
+                  <a:schemeClr val="tx1"/>
+                </a:solidFill>
+              </a:rPr>
+              <a:t>세탁기</a:t>
+            </a:r>
+          </a:p>
+        </p:txBody>
+      </p:sp>
+      <p:sp>
+        <p:nvSpPr>
+          <p:cNvPr id="72" name="직사각형 71">
+            <a:extLst>
+              <a:ext uri="{FF2B5EF4-FFF2-40B4-BE49-F238E27FC236}">
+                <a16:creationId xmlns:a16="http://schemas.microsoft.com/office/drawing/2014/main" id="{0F8F9896-26AA-4BDD-BC20-91812559D2CF}"/>
+              </a:ext>
+            </a:extLst>
+          </p:cNvPr>
+          <p:cNvSpPr/>
+          <p:nvPr/>
+        </p:nvSpPr>
+        <p:spPr>
+          <a:xfrm>
+            <a:off x="1511751" y="5479958"/>
+            <a:ext cx="1025434" cy="237546"/>
+          </a:xfrm>
+          <a:prstGeom prst="rect">
+            <a:avLst/>
+          </a:prstGeom>
+          <a:solidFill>
+            <a:schemeClr val="bg1"/>
+          </a:solidFill>
+        </p:spPr>
+        <p:style>
+          <a:lnRef idx="2">
+            <a:schemeClr val="accent1">
+              <a:shade val="50000"/>
+            </a:schemeClr>
+          </a:lnRef>
+          <a:fillRef idx="1">
+            <a:schemeClr val="accent1"/>
+          </a:fillRef>
+          <a:effectRef idx="0">
+            <a:schemeClr val="accent1"/>
+          </a:effectRef>
+          <a:fontRef idx="minor">
+            <a:schemeClr val="lt1"/>
+          </a:fontRef>
+        </p:style>
+        <p:txBody>
+          <a:bodyPr rtlCol="0" anchor="ctr"/>
+          <a:lstStyle/>
+          <a:p>
+            <a:pPr algn="ctr"/>
+            <a:r>
+              <a:rPr lang="ko-KR" altLang="en-US" sz="1400" dirty="0" err="1">
+                <a:solidFill>
+                  <a:schemeClr val="tx1"/>
+                </a:solidFill>
+              </a:rPr>
+              <a:t>헤어기기</a:t>
+            </a:r>
+            <a:endParaRPr lang="ko-KR" altLang="en-US" sz="1400" dirty="0">
+              <a:solidFill>
+                <a:schemeClr val="tx1"/>
+              </a:solidFill>
+            </a:endParaRPr>
+          </a:p>
+        </p:txBody>
+      </p:sp>
+      <p:sp>
+        <p:nvSpPr>
+          <p:cNvPr id="73" name="직사각형 72">
+            <a:extLst>
+              <a:ext uri="{FF2B5EF4-FFF2-40B4-BE49-F238E27FC236}">
+                <a16:creationId xmlns:a16="http://schemas.microsoft.com/office/drawing/2014/main" id="{DC1EA971-6DFB-4BAE-BEEE-313EE717061F}"/>
+              </a:ext>
+            </a:extLst>
+          </p:cNvPr>
+          <p:cNvSpPr/>
+          <p:nvPr/>
+        </p:nvSpPr>
+        <p:spPr>
+          <a:xfrm>
+            <a:off x="1511751" y="5717830"/>
+            <a:ext cx="1025434" cy="237546"/>
+          </a:xfrm>
+          <a:prstGeom prst="rect">
+            <a:avLst/>
+          </a:prstGeom>
+          <a:solidFill>
+            <a:schemeClr val="bg1"/>
+          </a:solidFill>
+        </p:spPr>
+        <p:style>
+          <a:lnRef idx="2">
+            <a:schemeClr val="accent1">
+              <a:shade val="50000"/>
+            </a:schemeClr>
+          </a:lnRef>
+          <a:fillRef idx="1">
+            <a:schemeClr val="accent1"/>
+          </a:fillRef>
+          <a:effectRef idx="0">
+            <a:schemeClr val="accent1"/>
+          </a:effectRef>
+          <a:fontRef idx="minor">
+            <a:schemeClr val="lt1"/>
+          </a:fontRef>
+        </p:style>
+        <p:txBody>
+          <a:bodyPr rtlCol="0" anchor="ctr"/>
+          <a:lstStyle/>
+          <a:p>
+            <a:pPr algn="ctr"/>
+            <a:r>
+              <a:rPr lang="ko-KR" altLang="en-US" sz="1400" dirty="0">
+                <a:solidFill>
+                  <a:schemeClr val="tx1"/>
+                </a:solidFill>
+              </a:rPr>
+              <a:t>면도기</a:t>
+            </a:r>
+          </a:p>
+        </p:txBody>
+      </p:sp>
+      <p:sp>
+        <p:nvSpPr>
+          <p:cNvPr id="74" name="직사각형 73">
+            <a:extLst>
+              <a:ext uri="{FF2B5EF4-FFF2-40B4-BE49-F238E27FC236}">
+                <a16:creationId xmlns:a16="http://schemas.microsoft.com/office/drawing/2014/main" id="{CBE99D3F-732A-44FC-8C8A-2945D8C09A54}"/>
+              </a:ext>
+            </a:extLst>
+          </p:cNvPr>
+          <p:cNvSpPr/>
+          <p:nvPr/>
+        </p:nvSpPr>
+        <p:spPr>
+          <a:xfrm>
+            <a:off x="1511751" y="5242412"/>
+            <a:ext cx="1025434" cy="237546"/>
+          </a:xfrm>
+          <a:prstGeom prst="rect">
+            <a:avLst/>
+          </a:prstGeom>
+          <a:solidFill>
+            <a:schemeClr val="bg1"/>
+          </a:solidFill>
+        </p:spPr>
+        <p:style>
+          <a:lnRef idx="2">
+            <a:schemeClr val="accent1">
+              <a:shade val="50000"/>
+            </a:schemeClr>
+          </a:lnRef>
+          <a:fillRef idx="1">
+            <a:schemeClr val="accent1"/>
+          </a:fillRef>
+          <a:effectRef idx="0">
+            <a:schemeClr val="accent1"/>
+          </a:effectRef>
+          <a:fontRef idx="minor">
+            <a:schemeClr val="lt1"/>
+          </a:fontRef>
+        </p:style>
+        <p:txBody>
+          <a:bodyPr rtlCol="0" anchor="ctr"/>
+          <a:lstStyle/>
+          <a:p>
+            <a:pPr algn="ctr"/>
+            <a:r>
+              <a:rPr lang="ko-KR" altLang="en-US" sz="1400" dirty="0">
+                <a:solidFill>
+                  <a:schemeClr val="tx1"/>
+                </a:solidFill>
+              </a:rPr>
+              <a:t>비데</a:t>
+            </a:r>
+          </a:p>
+        </p:txBody>
+      </p:sp>
+      <p:cxnSp>
+        <p:nvCxnSpPr>
+          <p:cNvPr id="76" name="연결선: 꺾임 75">
+            <a:extLst>
+              <a:ext uri="{FF2B5EF4-FFF2-40B4-BE49-F238E27FC236}">
+                <a16:creationId xmlns:a16="http://schemas.microsoft.com/office/drawing/2014/main" id="{C0D53609-6E3B-488D-9C02-050FBB12AB64}"/>
+              </a:ext>
+            </a:extLst>
+          </p:cNvPr>
+          <p:cNvCxnSpPr>
+            <a:cxnSpLocks/>
+            <a:stCxn id="30" idx="3"/>
+          </p:cNvCxnSpPr>
+          <p:nvPr/>
+        </p:nvCxnSpPr>
+        <p:spPr>
+          <a:xfrm flipV="1">
+            <a:off x="1347370" y="2450814"/>
+            <a:ext cx="160838" cy="252549"/>
+          </a:xfrm>
+          <a:prstGeom prst="bentConnector3">
+            <a:avLst/>
+          </a:prstGeom>
+          <a:ln>
+            <a:tailEnd type="triangle"/>
+          </a:ln>
+        </p:spPr>
+        <p:style>
+          <a:lnRef idx="1">
+            <a:schemeClr val="accent1"/>
+          </a:lnRef>
+          <a:fillRef idx="0">
+            <a:schemeClr val="accent1"/>
+          </a:fillRef>
+          <a:effectRef idx="0">
+            <a:schemeClr val="accent1"/>
+          </a:effectRef>
+          <a:fontRef idx="minor">
+            <a:schemeClr val="tx1"/>
+          </a:fontRef>
+        </p:style>
+      </p:cxnSp>
+      <p:cxnSp>
+        <p:nvCxnSpPr>
+          <p:cNvPr id="77" name="연결선: 꺾임 76">
+            <a:extLst>
+              <a:ext uri="{FF2B5EF4-FFF2-40B4-BE49-F238E27FC236}">
+                <a16:creationId xmlns:a16="http://schemas.microsoft.com/office/drawing/2014/main" id="{4A5F1BD5-3BE0-4395-A997-92EFFEB7C7C1}"/>
+              </a:ext>
+            </a:extLst>
+          </p:cNvPr>
+          <p:cNvCxnSpPr>
+            <a:cxnSpLocks/>
+            <a:stCxn id="30" idx="3"/>
+          </p:cNvCxnSpPr>
+          <p:nvPr/>
+        </p:nvCxnSpPr>
+        <p:spPr>
+          <a:xfrm flipV="1">
+            <a:off x="1347370" y="2703362"/>
+            <a:ext cx="160838" cy="1"/>
+          </a:xfrm>
+          <a:prstGeom prst="bentConnector3">
+            <a:avLst/>
+          </a:prstGeom>
+          <a:ln>
+            <a:tailEnd type="triangle"/>
+          </a:ln>
+        </p:spPr>
+        <p:style>
+          <a:lnRef idx="1">
+            <a:schemeClr val="accent1"/>
+          </a:lnRef>
+          <a:fillRef idx="0">
+            <a:schemeClr val="accent1"/>
+          </a:fillRef>
+          <a:effectRef idx="0">
+            <a:schemeClr val="accent1"/>
+          </a:effectRef>
+          <a:fontRef idx="minor">
+            <a:schemeClr val="tx1"/>
+          </a:fontRef>
+        </p:style>
+      </p:cxnSp>
+      <p:cxnSp>
+        <p:nvCxnSpPr>
+          <p:cNvPr id="78" name="연결선: 꺾임 77">
+            <a:extLst>
+              <a:ext uri="{FF2B5EF4-FFF2-40B4-BE49-F238E27FC236}">
+                <a16:creationId xmlns:a16="http://schemas.microsoft.com/office/drawing/2014/main" id="{3FCFC119-6513-439F-BC78-0E9985FDC266}"/>
+              </a:ext>
+            </a:extLst>
+          </p:cNvPr>
+          <p:cNvCxnSpPr>
+            <a:cxnSpLocks/>
+            <a:stCxn id="30" idx="3"/>
+          </p:cNvCxnSpPr>
+          <p:nvPr/>
+        </p:nvCxnSpPr>
+        <p:spPr>
+          <a:xfrm>
+            <a:off x="1347370" y="2703363"/>
+            <a:ext cx="160838" cy="252549"/>
+          </a:xfrm>
+          <a:prstGeom prst="bentConnector3">
+            <a:avLst/>
+          </a:prstGeom>
+          <a:ln>
+            <a:tailEnd type="triangle"/>
+          </a:ln>
+        </p:spPr>
+        <p:style>
+          <a:lnRef idx="1">
+            <a:schemeClr val="accent1"/>
+          </a:lnRef>
+          <a:fillRef idx="0">
+            <a:schemeClr val="accent1"/>
+          </a:fillRef>
+          <a:effectRef idx="0">
+            <a:schemeClr val="accent1"/>
+          </a:effectRef>
+          <a:fontRef idx="minor">
+            <a:schemeClr val="tx1"/>
+          </a:fontRef>
+        </p:style>
+      </p:cxnSp>
+      <p:cxnSp>
+        <p:nvCxnSpPr>
+          <p:cNvPr id="83" name="연결선: 꺾임 82">
+            <a:extLst>
+              <a:ext uri="{FF2B5EF4-FFF2-40B4-BE49-F238E27FC236}">
+                <a16:creationId xmlns:a16="http://schemas.microsoft.com/office/drawing/2014/main" id="{9EAB41BC-56A0-4D3E-8CE1-516E84422124}"/>
+              </a:ext>
+            </a:extLst>
+          </p:cNvPr>
+          <p:cNvCxnSpPr>
+            <a:cxnSpLocks/>
+            <a:stCxn id="31" idx="3"/>
+          </p:cNvCxnSpPr>
+          <p:nvPr/>
+        </p:nvCxnSpPr>
+        <p:spPr>
+          <a:xfrm flipV="1">
+            <a:off x="1347369" y="3432357"/>
+            <a:ext cx="160839" cy="236129"/>
+          </a:xfrm>
+          <a:prstGeom prst="bentConnector3">
+            <a:avLst/>
+          </a:prstGeom>
+          <a:ln>
+            <a:tailEnd type="triangle"/>
+          </a:ln>
+        </p:spPr>
+        <p:style>
+          <a:lnRef idx="1">
+            <a:schemeClr val="accent1"/>
+          </a:lnRef>
+          <a:fillRef idx="0">
+            <a:schemeClr val="accent1"/>
+          </a:fillRef>
+          <a:effectRef idx="0">
+            <a:schemeClr val="accent1"/>
+          </a:effectRef>
+          <a:fontRef idx="minor">
+            <a:schemeClr val="tx1"/>
+          </a:fontRef>
+        </p:style>
+      </p:cxnSp>
+      <p:cxnSp>
+        <p:nvCxnSpPr>
+          <p:cNvPr id="84" name="연결선: 꺾임 83">
+            <a:extLst>
+              <a:ext uri="{FF2B5EF4-FFF2-40B4-BE49-F238E27FC236}">
+                <a16:creationId xmlns:a16="http://schemas.microsoft.com/office/drawing/2014/main" id="{95D231BA-E083-4A48-B3D5-22217E8145D6}"/>
+              </a:ext>
+            </a:extLst>
+          </p:cNvPr>
+          <p:cNvCxnSpPr>
+            <a:cxnSpLocks/>
+            <a:stCxn id="31" idx="3"/>
+          </p:cNvCxnSpPr>
+          <p:nvPr/>
+        </p:nvCxnSpPr>
+        <p:spPr>
+          <a:xfrm flipV="1">
+            <a:off x="1347369" y="3665427"/>
+            <a:ext cx="160839" cy="3059"/>
+          </a:xfrm>
+          <a:prstGeom prst="bentConnector3">
+            <a:avLst>
+              <a:gd name="adj1" fmla="val 50000"/>
+            </a:avLst>
+          </a:prstGeom>
+          <a:ln>
+            <a:tailEnd type="triangle"/>
+          </a:ln>
+        </p:spPr>
+        <p:style>
+          <a:lnRef idx="1">
+            <a:schemeClr val="accent1"/>
+          </a:lnRef>
+          <a:fillRef idx="0">
+            <a:schemeClr val="accent1"/>
+          </a:fillRef>
+          <a:effectRef idx="0">
+            <a:schemeClr val="accent1"/>
+          </a:effectRef>
+          <a:fontRef idx="minor">
+            <a:schemeClr val="tx1"/>
+          </a:fontRef>
+        </p:style>
+      </p:cxnSp>
+      <p:cxnSp>
+        <p:nvCxnSpPr>
+          <p:cNvPr id="85" name="연결선: 꺾임 84">
+            <a:extLst>
+              <a:ext uri="{FF2B5EF4-FFF2-40B4-BE49-F238E27FC236}">
+                <a16:creationId xmlns:a16="http://schemas.microsoft.com/office/drawing/2014/main" id="{81438545-63DE-4F31-A4EE-2A7B787F587E}"/>
+              </a:ext>
+            </a:extLst>
+          </p:cNvPr>
+          <p:cNvCxnSpPr>
+            <a:cxnSpLocks/>
+            <a:stCxn id="31" idx="3"/>
+          </p:cNvCxnSpPr>
+          <p:nvPr/>
+        </p:nvCxnSpPr>
+        <p:spPr>
+          <a:xfrm>
+            <a:off x="1347369" y="3668486"/>
+            <a:ext cx="160839" cy="230011"/>
+          </a:xfrm>
+          <a:prstGeom prst="bentConnector3">
+            <a:avLst>
+              <a:gd name="adj1" fmla="val 50000"/>
+            </a:avLst>
+          </a:prstGeom>
+          <a:ln>
+            <a:tailEnd type="triangle"/>
+          </a:ln>
+        </p:spPr>
+        <p:style>
+          <a:lnRef idx="1">
+            <a:schemeClr val="accent1"/>
+          </a:lnRef>
+          <a:fillRef idx="0">
+            <a:schemeClr val="accent1"/>
+          </a:fillRef>
+          <a:effectRef idx="0">
+            <a:schemeClr val="accent1"/>
+          </a:effectRef>
+          <a:fontRef idx="minor">
+            <a:schemeClr val="tx1"/>
+          </a:fontRef>
+        </p:style>
+      </p:cxnSp>
+      <p:cxnSp>
+        <p:nvCxnSpPr>
+          <p:cNvPr id="92" name="연결선: 꺾임 91">
+            <a:extLst>
+              <a:ext uri="{FF2B5EF4-FFF2-40B4-BE49-F238E27FC236}">
+                <a16:creationId xmlns:a16="http://schemas.microsoft.com/office/drawing/2014/main" id="{010940E9-063C-4972-A33D-82C625023022}"/>
+              </a:ext>
+            </a:extLst>
+          </p:cNvPr>
+          <p:cNvCxnSpPr>
+            <a:cxnSpLocks/>
+            <a:stCxn id="32" idx="3"/>
+          </p:cNvCxnSpPr>
+          <p:nvPr/>
+        </p:nvCxnSpPr>
+        <p:spPr>
+          <a:xfrm flipV="1">
+            <a:off x="1347369" y="4396062"/>
+            <a:ext cx="160839" cy="237547"/>
+          </a:xfrm>
+          <a:prstGeom prst="bentConnector3">
+            <a:avLst>
+              <a:gd name="adj1" fmla="val 50000"/>
+            </a:avLst>
+          </a:prstGeom>
+          <a:ln>
+            <a:tailEnd type="triangle"/>
+          </a:ln>
+        </p:spPr>
+        <p:style>
+          <a:lnRef idx="1">
+            <a:schemeClr val="accent1"/>
+          </a:lnRef>
+          <a:fillRef idx="0">
+            <a:schemeClr val="accent1"/>
+          </a:fillRef>
+          <a:effectRef idx="0">
+            <a:schemeClr val="accent1"/>
+          </a:effectRef>
+          <a:fontRef idx="minor">
+            <a:schemeClr val="tx1"/>
+          </a:fontRef>
+        </p:style>
+      </p:cxnSp>
+      <p:cxnSp>
+        <p:nvCxnSpPr>
+          <p:cNvPr id="93" name="연결선: 꺾임 92">
+            <a:extLst>
+              <a:ext uri="{FF2B5EF4-FFF2-40B4-BE49-F238E27FC236}">
+                <a16:creationId xmlns:a16="http://schemas.microsoft.com/office/drawing/2014/main" id="{ED6C7787-B21F-46A2-A63C-BD14CA960147}"/>
+              </a:ext>
+            </a:extLst>
+          </p:cNvPr>
+          <p:cNvCxnSpPr>
+            <a:cxnSpLocks/>
+            <a:stCxn id="32" idx="3"/>
+          </p:cNvCxnSpPr>
+          <p:nvPr/>
+        </p:nvCxnSpPr>
+        <p:spPr>
+          <a:xfrm flipV="1">
+            <a:off x="1347369" y="4633608"/>
+            <a:ext cx="160839" cy="1"/>
+          </a:xfrm>
+          <a:prstGeom prst="bentConnector3">
+            <a:avLst>
+              <a:gd name="adj1" fmla="val 50000"/>
+            </a:avLst>
+          </a:prstGeom>
+          <a:ln>
+            <a:tailEnd type="triangle"/>
+          </a:ln>
+        </p:spPr>
+        <p:style>
+          <a:lnRef idx="1">
+            <a:schemeClr val="accent1"/>
+          </a:lnRef>
+          <a:fillRef idx="0">
+            <a:schemeClr val="accent1"/>
+          </a:fillRef>
+          <a:effectRef idx="0">
+            <a:schemeClr val="accent1"/>
+          </a:effectRef>
+          <a:fontRef idx="minor">
+            <a:schemeClr val="tx1"/>
+          </a:fontRef>
+        </p:style>
+      </p:cxnSp>
+      <p:cxnSp>
+        <p:nvCxnSpPr>
+          <p:cNvPr id="94" name="연결선: 꺾임 93">
+            <a:extLst>
+              <a:ext uri="{FF2B5EF4-FFF2-40B4-BE49-F238E27FC236}">
+                <a16:creationId xmlns:a16="http://schemas.microsoft.com/office/drawing/2014/main" id="{4A2A0D8F-44C3-473F-8A78-6431214104BA}"/>
+              </a:ext>
+            </a:extLst>
+          </p:cNvPr>
+          <p:cNvCxnSpPr>
+            <a:cxnSpLocks/>
+            <a:stCxn id="32" idx="3"/>
+          </p:cNvCxnSpPr>
+          <p:nvPr/>
+        </p:nvCxnSpPr>
+        <p:spPr>
+          <a:xfrm>
+            <a:off x="1347369" y="4633609"/>
+            <a:ext cx="160839" cy="237482"/>
+          </a:xfrm>
+          <a:prstGeom prst="bentConnector3">
+            <a:avLst>
+              <a:gd name="adj1" fmla="val 50000"/>
+            </a:avLst>
+          </a:prstGeom>
+          <a:ln>
+            <a:tailEnd type="triangle"/>
+          </a:ln>
+        </p:spPr>
+        <p:style>
+          <a:lnRef idx="1">
+            <a:schemeClr val="accent1"/>
+          </a:lnRef>
+          <a:fillRef idx="0">
+            <a:schemeClr val="accent1"/>
+          </a:fillRef>
+          <a:effectRef idx="0">
+            <a:schemeClr val="accent1"/>
+          </a:effectRef>
+          <a:fontRef idx="minor">
+            <a:schemeClr val="tx1"/>
+          </a:fontRef>
+        </p:style>
+      </p:cxnSp>
+      <p:cxnSp>
+        <p:nvCxnSpPr>
+          <p:cNvPr id="101" name="연결선: 꺾임 100">
+            <a:extLst>
+              <a:ext uri="{FF2B5EF4-FFF2-40B4-BE49-F238E27FC236}">
+                <a16:creationId xmlns:a16="http://schemas.microsoft.com/office/drawing/2014/main" id="{FF7284B6-0D2E-4C23-B0E8-D2996F9EFC20}"/>
+              </a:ext>
+            </a:extLst>
+          </p:cNvPr>
+          <p:cNvCxnSpPr>
+            <a:cxnSpLocks/>
+            <a:stCxn id="33" idx="3"/>
+          </p:cNvCxnSpPr>
+          <p:nvPr/>
+        </p:nvCxnSpPr>
+        <p:spPr>
+          <a:xfrm flipV="1">
+            <a:off x="1347372" y="5361185"/>
+            <a:ext cx="160836" cy="237547"/>
+          </a:xfrm>
+          <a:prstGeom prst="bentConnector3">
+            <a:avLst>
+              <a:gd name="adj1" fmla="val 50000"/>
+            </a:avLst>
+          </a:prstGeom>
+          <a:ln>
+            <a:tailEnd type="triangle"/>
+          </a:ln>
+        </p:spPr>
+        <p:style>
+          <a:lnRef idx="1">
+            <a:schemeClr val="accent1"/>
+          </a:lnRef>
+          <a:fillRef idx="0">
+            <a:schemeClr val="accent1"/>
+          </a:fillRef>
+          <a:effectRef idx="0">
+            <a:schemeClr val="accent1"/>
+          </a:effectRef>
+          <a:fontRef idx="minor">
+            <a:schemeClr val="tx1"/>
+          </a:fontRef>
+        </p:style>
+      </p:cxnSp>
+      <p:cxnSp>
+        <p:nvCxnSpPr>
+          <p:cNvPr id="102" name="연결선: 꺾임 101">
+            <a:extLst>
+              <a:ext uri="{FF2B5EF4-FFF2-40B4-BE49-F238E27FC236}">
+                <a16:creationId xmlns:a16="http://schemas.microsoft.com/office/drawing/2014/main" id="{F80DB7F9-51C3-475A-9940-EF77E84506F6}"/>
+              </a:ext>
+            </a:extLst>
+          </p:cNvPr>
+          <p:cNvCxnSpPr>
+            <a:cxnSpLocks/>
+          </p:cNvCxnSpPr>
+          <p:nvPr/>
+        </p:nvCxnSpPr>
+        <p:spPr>
+          <a:xfrm>
+            <a:off x="1415132" y="5598731"/>
+            <a:ext cx="93076" cy="12700"/>
+          </a:xfrm>
+          <a:prstGeom prst="bentConnector3">
+            <a:avLst/>
+          </a:prstGeom>
+          <a:ln>
+            <a:tailEnd type="triangle"/>
+          </a:ln>
+        </p:spPr>
+        <p:style>
+          <a:lnRef idx="1">
+            <a:schemeClr val="accent1"/>
+          </a:lnRef>
+          <a:fillRef idx="0">
+            <a:schemeClr val="accent1"/>
+          </a:fillRef>
+          <a:effectRef idx="0">
+            <a:schemeClr val="accent1"/>
+          </a:effectRef>
+          <a:fontRef idx="minor">
+            <a:schemeClr val="tx1"/>
+          </a:fontRef>
+        </p:style>
+      </p:cxnSp>
+      <p:cxnSp>
+        <p:nvCxnSpPr>
+          <p:cNvPr id="103" name="연결선: 꺾임 102">
+            <a:extLst>
+              <a:ext uri="{FF2B5EF4-FFF2-40B4-BE49-F238E27FC236}">
+                <a16:creationId xmlns:a16="http://schemas.microsoft.com/office/drawing/2014/main" id="{6FAA8A1F-7334-426A-8D53-E0A62ED97A58}"/>
+              </a:ext>
+            </a:extLst>
+          </p:cNvPr>
+          <p:cNvCxnSpPr>
+            <a:cxnSpLocks/>
+            <a:stCxn id="33" idx="3"/>
+          </p:cNvCxnSpPr>
+          <p:nvPr/>
+        </p:nvCxnSpPr>
+        <p:spPr>
+          <a:xfrm>
+            <a:off x="1347372" y="5598732"/>
+            <a:ext cx="160836" cy="237871"/>
+          </a:xfrm>
+          <a:prstGeom prst="bentConnector3">
+            <a:avLst>
+              <a:gd name="adj1" fmla="val 50000"/>
+            </a:avLst>
+          </a:prstGeom>
+          <a:ln>
+            <a:tailEnd type="triangle"/>
+          </a:ln>
+        </p:spPr>
+        <p:style>
+          <a:lnRef idx="1">
+            <a:schemeClr val="accent1"/>
+          </a:lnRef>
+          <a:fillRef idx="0">
+            <a:schemeClr val="accent1"/>
+          </a:fillRef>
+          <a:effectRef idx="0">
+            <a:schemeClr val="accent1"/>
+          </a:effectRef>
+          <a:fontRef idx="minor">
+            <a:schemeClr val="tx1"/>
+          </a:fontRef>
+        </p:style>
+      </p:cxnSp>
+      <p:sp>
+        <p:nvSpPr>
+          <p:cNvPr id="110" name="직사각형 109">
+            <a:extLst>
+              <a:ext uri="{FF2B5EF4-FFF2-40B4-BE49-F238E27FC236}">
+                <a16:creationId xmlns:a16="http://schemas.microsoft.com/office/drawing/2014/main" id="{E4E4FE8F-D830-4294-A7A3-F11683E37CFE}"/>
+              </a:ext>
+            </a:extLst>
+          </p:cNvPr>
+          <p:cNvSpPr/>
+          <p:nvPr/>
+        </p:nvSpPr>
+        <p:spPr>
+          <a:xfrm>
+            <a:off x="2855311" y="2491941"/>
+            <a:ext cx="1025434" cy="505098"/>
+          </a:xfrm>
+          <a:prstGeom prst="rect">
+            <a:avLst/>
+          </a:prstGeom>
+          <a:solidFill>
+            <a:schemeClr val="bg1"/>
+          </a:solidFill>
+          <a:ln>
+            <a:solidFill>
+              <a:srgbClr val="FF0000"/>
+            </a:solidFill>
+          </a:ln>
+        </p:spPr>
+        <p:style>
+          <a:lnRef idx="2">
+            <a:schemeClr val="accent1">
+              <a:shade val="50000"/>
+            </a:schemeClr>
+          </a:lnRef>
+          <a:fillRef idx="1">
+            <a:schemeClr val="accent1"/>
+          </a:fillRef>
+          <a:effectRef idx="0">
+            <a:schemeClr val="accent1"/>
+          </a:effectRef>
+          <a:fontRef idx="minor">
+            <a:schemeClr val="lt1"/>
+          </a:fontRef>
+        </p:style>
+        <p:txBody>
+          <a:bodyPr rtlCol="0" anchor="ctr"/>
+          <a:lstStyle/>
+          <a:p>
+            <a:pPr algn="ctr"/>
+            <a:r>
+              <a:rPr lang="en-US" altLang="ko-KR" sz="1400" dirty="0">
+                <a:solidFill>
+                  <a:schemeClr val="tx1"/>
+                </a:solidFill>
+              </a:rPr>
+              <a:t>TV</a:t>
+            </a:r>
+            <a:endParaRPr lang="ko-KR" altLang="en-US" sz="1400" dirty="0">
+              <a:solidFill>
+                <a:schemeClr val="tx1"/>
+              </a:solidFill>
+            </a:endParaRPr>
+          </a:p>
+        </p:txBody>
+      </p:sp>
+      <p:sp>
+        <p:nvSpPr>
+          <p:cNvPr id="111" name="직사각형 110">
+            <a:extLst>
+              <a:ext uri="{FF2B5EF4-FFF2-40B4-BE49-F238E27FC236}">
+                <a16:creationId xmlns:a16="http://schemas.microsoft.com/office/drawing/2014/main" id="{D6204B05-A8E1-4ABC-9184-F62C01EBF1E3}"/>
+              </a:ext>
+            </a:extLst>
+          </p:cNvPr>
+          <p:cNvSpPr/>
+          <p:nvPr/>
+        </p:nvSpPr>
+        <p:spPr>
+          <a:xfrm>
+            <a:off x="2855310" y="3457064"/>
+            <a:ext cx="1025434" cy="505098"/>
+          </a:xfrm>
+          <a:prstGeom prst="rect">
+            <a:avLst/>
+          </a:prstGeom>
+          <a:solidFill>
+            <a:schemeClr val="bg1"/>
+          </a:solidFill>
+          <a:ln>
+            <a:solidFill>
+              <a:schemeClr val="tx1"/>
+            </a:solidFill>
+          </a:ln>
+        </p:spPr>
+        <p:style>
+          <a:lnRef idx="2">
+            <a:schemeClr val="accent1">
+              <a:shade val="50000"/>
+            </a:schemeClr>
+          </a:lnRef>
+          <a:fillRef idx="1">
+            <a:schemeClr val="accent1"/>
+          </a:fillRef>
+          <a:effectRef idx="0">
+            <a:schemeClr val="accent1"/>
+          </a:effectRef>
+          <a:fontRef idx="minor">
+            <a:schemeClr val="lt1"/>
+          </a:fontRef>
+        </p:style>
+        <p:txBody>
+          <a:bodyPr rtlCol="0" anchor="ctr"/>
+          <a:lstStyle/>
+          <a:p>
+            <a:pPr algn="ctr"/>
+            <a:r>
+              <a:rPr lang="ko-KR" altLang="en-US" sz="1400" dirty="0">
+                <a:solidFill>
+                  <a:schemeClr val="tx1"/>
+                </a:solidFill>
+              </a:rPr>
+              <a:t>프로젝터</a:t>
+            </a:r>
+          </a:p>
+        </p:txBody>
+      </p:sp>
+      <p:sp>
+        <p:nvSpPr>
+          <p:cNvPr id="112" name="직사각형 111">
+            <a:extLst>
+              <a:ext uri="{FF2B5EF4-FFF2-40B4-BE49-F238E27FC236}">
+                <a16:creationId xmlns:a16="http://schemas.microsoft.com/office/drawing/2014/main" id="{2656BBE9-D41C-4EBE-9232-193C84160BFC}"/>
+              </a:ext>
+            </a:extLst>
+          </p:cNvPr>
+          <p:cNvSpPr/>
+          <p:nvPr/>
+        </p:nvSpPr>
+        <p:spPr>
+          <a:xfrm>
+            <a:off x="2855310" y="4422187"/>
+            <a:ext cx="1025434" cy="505098"/>
+          </a:xfrm>
+          <a:prstGeom prst="rect">
+            <a:avLst/>
+          </a:prstGeom>
+          <a:solidFill>
+            <a:schemeClr val="bg1"/>
+          </a:solidFill>
+          <a:ln>
+            <a:solidFill>
+              <a:schemeClr val="tx1"/>
+            </a:solidFill>
+          </a:ln>
+        </p:spPr>
+        <p:style>
+          <a:lnRef idx="2">
+            <a:schemeClr val="accent1">
+              <a:shade val="50000"/>
+            </a:schemeClr>
+          </a:lnRef>
+          <a:fillRef idx="1">
+            <a:schemeClr val="accent1"/>
+          </a:fillRef>
+          <a:effectRef idx="0">
+            <a:schemeClr val="accent1"/>
+          </a:effectRef>
+          <a:fontRef idx="minor">
+            <a:schemeClr val="lt1"/>
+          </a:fontRef>
+        </p:style>
+        <p:txBody>
+          <a:bodyPr rtlCol="0" anchor="ctr"/>
+          <a:lstStyle/>
+          <a:p>
+            <a:pPr algn="ctr"/>
+            <a:r>
+              <a:rPr lang="ko-KR" altLang="en-US" sz="1400" dirty="0" err="1">
+                <a:solidFill>
+                  <a:schemeClr val="tx1"/>
+                </a:solidFill>
+              </a:rPr>
+              <a:t>홈시어터</a:t>
+            </a:r>
+            <a:endParaRPr lang="ko-KR" altLang="en-US" sz="1400" dirty="0">
+              <a:solidFill>
+                <a:schemeClr val="tx1"/>
+              </a:solidFill>
+            </a:endParaRPr>
+          </a:p>
+        </p:txBody>
+      </p:sp>
+      <p:sp>
+        <p:nvSpPr>
+          <p:cNvPr id="113" name="직사각형 112">
+            <a:extLst>
+              <a:ext uri="{FF2B5EF4-FFF2-40B4-BE49-F238E27FC236}">
+                <a16:creationId xmlns:a16="http://schemas.microsoft.com/office/drawing/2014/main" id="{481F8F95-3C94-488C-B294-DB6D414063B0}"/>
+              </a:ext>
+            </a:extLst>
+          </p:cNvPr>
+          <p:cNvSpPr/>
+          <p:nvPr/>
+        </p:nvSpPr>
+        <p:spPr>
+          <a:xfrm>
+            <a:off x="2855313" y="5387310"/>
+            <a:ext cx="1025434" cy="505098"/>
+          </a:xfrm>
+          <a:prstGeom prst="rect">
+            <a:avLst/>
+          </a:prstGeom>
+          <a:solidFill>
+            <a:schemeClr val="bg1"/>
+          </a:solidFill>
+        </p:spPr>
+        <p:style>
+          <a:lnRef idx="2">
+            <a:schemeClr val="accent1">
+              <a:shade val="50000"/>
+            </a:schemeClr>
+          </a:lnRef>
+          <a:fillRef idx="1">
+            <a:schemeClr val="accent1"/>
+          </a:fillRef>
+          <a:effectRef idx="0">
+            <a:schemeClr val="accent1"/>
+          </a:effectRef>
+          <a:fontRef idx="minor">
+            <a:schemeClr val="lt1"/>
+          </a:fontRef>
+        </p:style>
+        <p:txBody>
+          <a:bodyPr rtlCol="0" anchor="ctr"/>
+          <a:lstStyle/>
+          <a:p>
+            <a:pPr algn="ctr"/>
+            <a:r>
+              <a:rPr lang="ko-KR" altLang="en-US" sz="1400" dirty="0" err="1">
+                <a:solidFill>
+                  <a:schemeClr val="tx1"/>
+                </a:solidFill>
+              </a:rPr>
+              <a:t>영상가전엑세서리</a:t>
+            </a:r>
+            <a:endParaRPr lang="ko-KR" altLang="en-US" sz="1400" dirty="0">
+              <a:solidFill>
+                <a:schemeClr val="tx1"/>
+              </a:solidFill>
+            </a:endParaRPr>
+          </a:p>
+        </p:txBody>
+      </p:sp>
+      <p:cxnSp>
+        <p:nvCxnSpPr>
+          <p:cNvPr id="114" name="연결선: 꺾임 113">
+            <a:extLst>
+              <a:ext uri="{FF2B5EF4-FFF2-40B4-BE49-F238E27FC236}">
+                <a16:creationId xmlns:a16="http://schemas.microsoft.com/office/drawing/2014/main" id="{904ADDAF-1A0F-4F55-A178-86DBB41357AD}"/>
+              </a:ext>
+            </a:extLst>
+          </p:cNvPr>
+          <p:cNvCxnSpPr>
+            <a:endCxn id="110" idx="1"/>
+          </p:cNvCxnSpPr>
+          <p:nvPr/>
+        </p:nvCxnSpPr>
+        <p:spPr>
+          <a:xfrm rot="10800000" flipV="1">
+            <a:off x="2855311" y="1961366"/>
+            <a:ext cx="2" cy="783123"/>
+          </a:xfrm>
+          <a:prstGeom prst="bentConnector3">
+            <a:avLst>
+              <a:gd name="adj1" fmla="val 11430100000"/>
+            </a:avLst>
+          </a:prstGeom>
+          <a:ln>
+            <a:tailEnd type="triangle"/>
+          </a:ln>
+        </p:spPr>
+        <p:style>
+          <a:lnRef idx="1">
+            <a:schemeClr val="accent1"/>
+          </a:lnRef>
+          <a:fillRef idx="0">
+            <a:schemeClr val="accent1"/>
+          </a:fillRef>
+          <a:effectRef idx="0">
+            <a:schemeClr val="accent1"/>
+          </a:effectRef>
+          <a:fontRef idx="minor">
+            <a:schemeClr val="tx1"/>
+          </a:fontRef>
+        </p:style>
+      </p:cxnSp>
+      <p:cxnSp>
+        <p:nvCxnSpPr>
+          <p:cNvPr id="115" name="연결선: 꺾임 114">
+            <a:extLst>
+              <a:ext uri="{FF2B5EF4-FFF2-40B4-BE49-F238E27FC236}">
+                <a16:creationId xmlns:a16="http://schemas.microsoft.com/office/drawing/2014/main" id="{038A4B4C-9B8E-4DCA-AE29-84D68795FEF3}"/>
+              </a:ext>
+            </a:extLst>
+          </p:cNvPr>
+          <p:cNvCxnSpPr>
+            <a:cxnSpLocks/>
+            <a:endCxn id="111" idx="1"/>
+          </p:cNvCxnSpPr>
+          <p:nvPr/>
+        </p:nvCxnSpPr>
+        <p:spPr>
+          <a:xfrm rot="10800000" flipV="1">
+            <a:off x="2855311" y="1961367"/>
+            <a:ext cx="3" cy="1748246"/>
+          </a:xfrm>
+          <a:prstGeom prst="bentConnector3">
+            <a:avLst>
+              <a:gd name="adj1" fmla="val 7620100000"/>
+            </a:avLst>
+          </a:prstGeom>
+          <a:ln>
+            <a:tailEnd type="triangle"/>
+          </a:ln>
+        </p:spPr>
+        <p:style>
+          <a:lnRef idx="1">
+            <a:schemeClr val="accent1"/>
+          </a:lnRef>
+          <a:fillRef idx="0">
+            <a:schemeClr val="accent1"/>
+          </a:fillRef>
+          <a:effectRef idx="0">
+            <a:schemeClr val="accent1"/>
+          </a:effectRef>
+          <a:fontRef idx="minor">
+            <a:schemeClr val="tx1"/>
+          </a:fontRef>
+        </p:style>
+      </p:cxnSp>
+      <p:cxnSp>
+        <p:nvCxnSpPr>
+          <p:cNvPr id="116" name="연결선: 꺾임 115">
+            <a:extLst>
+              <a:ext uri="{FF2B5EF4-FFF2-40B4-BE49-F238E27FC236}">
+                <a16:creationId xmlns:a16="http://schemas.microsoft.com/office/drawing/2014/main" id="{A5C9B47D-93AD-4E13-A47B-CE6B9DFE475F}"/>
+              </a:ext>
+            </a:extLst>
+          </p:cNvPr>
+          <p:cNvCxnSpPr>
+            <a:cxnSpLocks/>
+            <a:endCxn id="112" idx="1"/>
+          </p:cNvCxnSpPr>
+          <p:nvPr/>
+        </p:nvCxnSpPr>
+        <p:spPr>
+          <a:xfrm rot="10800000" flipV="1">
+            <a:off x="2855311" y="1961366"/>
+            <a:ext cx="3" cy="2713369"/>
+          </a:xfrm>
+          <a:prstGeom prst="bentConnector3">
+            <a:avLst>
+              <a:gd name="adj1" fmla="val 7620100000"/>
+            </a:avLst>
+          </a:prstGeom>
+          <a:ln>
+            <a:tailEnd type="triangle"/>
+          </a:ln>
+        </p:spPr>
+        <p:style>
+          <a:lnRef idx="1">
+            <a:schemeClr val="accent1"/>
+          </a:lnRef>
+          <a:fillRef idx="0">
+            <a:schemeClr val="accent1"/>
+          </a:fillRef>
+          <a:effectRef idx="0">
+            <a:schemeClr val="accent1"/>
+          </a:effectRef>
+          <a:fontRef idx="minor">
+            <a:schemeClr val="tx1"/>
+          </a:fontRef>
+        </p:style>
+      </p:cxnSp>
+      <p:cxnSp>
+        <p:nvCxnSpPr>
+          <p:cNvPr id="117" name="연결선: 꺾임 116">
+            <a:extLst>
+              <a:ext uri="{FF2B5EF4-FFF2-40B4-BE49-F238E27FC236}">
+                <a16:creationId xmlns:a16="http://schemas.microsoft.com/office/drawing/2014/main" id="{AA90BAA3-F7A1-4C1F-B6BF-FF5337962FBB}"/>
+              </a:ext>
+            </a:extLst>
+          </p:cNvPr>
+          <p:cNvCxnSpPr>
+            <a:cxnSpLocks/>
+            <a:endCxn id="113" idx="1"/>
+          </p:cNvCxnSpPr>
+          <p:nvPr/>
+        </p:nvCxnSpPr>
+        <p:spPr>
+          <a:xfrm rot="10800000" flipV="1">
+            <a:off x="2855313" y="1961367"/>
+            <a:ext cx="12700" cy="3678492"/>
+          </a:xfrm>
+          <a:prstGeom prst="bentConnector3">
+            <a:avLst>
+              <a:gd name="adj1" fmla="val 1800000"/>
+            </a:avLst>
+          </a:prstGeom>
+          <a:ln>
+            <a:tailEnd type="triangle"/>
+          </a:ln>
+        </p:spPr>
+        <p:style>
+          <a:lnRef idx="1">
+            <a:schemeClr val="accent1"/>
+          </a:lnRef>
+          <a:fillRef idx="0">
+            <a:schemeClr val="accent1"/>
+          </a:fillRef>
+          <a:effectRef idx="0">
+            <a:schemeClr val="accent1"/>
+          </a:effectRef>
+          <a:fontRef idx="minor">
+            <a:schemeClr val="tx1"/>
+          </a:fontRef>
+        </p:style>
+      </p:cxnSp>
+      <p:sp>
+        <p:nvSpPr>
+          <p:cNvPr id="118" name="직사각형 117">
+            <a:extLst>
+              <a:ext uri="{FF2B5EF4-FFF2-40B4-BE49-F238E27FC236}">
+                <a16:creationId xmlns:a16="http://schemas.microsoft.com/office/drawing/2014/main" id="{B098163F-1C93-43AB-ACC6-41C3C9D8BF93}"/>
+              </a:ext>
+            </a:extLst>
+          </p:cNvPr>
+          <p:cNvSpPr/>
+          <p:nvPr/>
+        </p:nvSpPr>
+        <p:spPr>
+          <a:xfrm>
+            <a:off x="4041583" y="2625716"/>
+            <a:ext cx="1025434" cy="237546"/>
+          </a:xfrm>
+          <a:prstGeom prst="rect">
+            <a:avLst/>
+          </a:prstGeom>
+          <a:solidFill>
+            <a:schemeClr val="bg1"/>
+          </a:solidFill>
+          <a:ln>
+            <a:solidFill>
+              <a:srgbClr val="FF0000"/>
+            </a:solidFill>
+          </a:ln>
+        </p:spPr>
+        <p:style>
+          <a:lnRef idx="2">
+            <a:schemeClr val="accent1">
+              <a:shade val="50000"/>
+            </a:schemeClr>
+          </a:lnRef>
+          <a:fillRef idx="1">
+            <a:schemeClr val="accent1"/>
+          </a:fillRef>
+          <a:effectRef idx="0">
+            <a:schemeClr val="accent1"/>
+          </a:effectRef>
+          <a:fontRef idx="minor">
+            <a:schemeClr val="lt1"/>
+          </a:fontRef>
+        </p:style>
+        <p:txBody>
+          <a:bodyPr rtlCol="0" anchor="ctr"/>
+          <a:lstStyle/>
+          <a:p>
+            <a:pPr algn="ctr"/>
+            <a:r>
+              <a:rPr lang="ko-KR" altLang="en-US" sz="1400" dirty="0">
+                <a:solidFill>
+                  <a:schemeClr val="tx1"/>
+                </a:solidFill>
+              </a:rPr>
+              <a:t>미니</a:t>
+            </a:r>
+            <a:r>
+              <a:rPr lang="en-US" altLang="ko-KR" sz="1400" dirty="0">
+                <a:solidFill>
+                  <a:schemeClr val="tx1"/>
+                </a:solidFill>
+              </a:rPr>
+              <a:t>LED</a:t>
+            </a:r>
+            <a:endParaRPr lang="ko-KR" altLang="en-US" sz="1400" dirty="0">
+              <a:solidFill>
+                <a:schemeClr val="tx1"/>
+              </a:solidFill>
+            </a:endParaRPr>
+          </a:p>
+        </p:txBody>
+      </p:sp>
+      <p:sp>
+        <p:nvSpPr>
+          <p:cNvPr id="119" name="직사각형 118">
+            <a:extLst>
+              <a:ext uri="{FF2B5EF4-FFF2-40B4-BE49-F238E27FC236}">
+                <a16:creationId xmlns:a16="http://schemas.microsoft.com/office/drawing/2014/main" id="{6FCB33CC-E094-442C-9069-FF87244ED7CF}"/>
+              </a:ext>
+            </a:extLst>
+          </p:cNvPr>
+          <p:cNvSpPr/>
+          <p:nvPr/>
+        </p:nvSpPr>
+        <p:spPr>
+          <a:xfrm>
+            <a:off x="4041583" y="2878266"/>
+            <a:ext cx="1025434" cy="237546"/>
+          </a:xfrm>
+          <a:prstGeom prst="rect">
+            <a:avLst/>
+          </a:prstGeom>
+          <a:solidFill>
+            <a:schemeClr val="bg1"/>
+          </a:solidFill>
+          <a:ln>
+            <a:solidFill>
+              <a:srgbClr val="FF0000"/>
+            </a:solidFill>
+          </a:ln>
+        </p:spPr>
+        <p:style>
+          <a:lnRef idx="2">
+            <a:schemeClr val="accent1">
+              <a:shade val="50000"/>
+            </a:schemeClr>
+          </a:lnRef>
+          <a:fillRef idx="1">
+            <a:schemeClr val="accent1"/>
+          </a:fillRef>
+          <a:effectRef idx="0">
+            <a:schemeClr val="accent1"/>
+          </a:effectRef>
+          <a:fontRef idx="minor">
+            <a:schemeClr val="lt1"/>
+          </a:fontRef>
+        </p:style>
+        <p:txBody>
+          <a:bodyPr rtlCol="0" anchor="ctr"/>
+          <a:lstStyle/>
+          <a:p>
+            <a:pPr algn="ctr"/>
+            <a:r>
+              <a:rPr lang="ko-KR" altLang="en-US" sz="1400" dirty="0" err="1">
+                <a:solidFill>
+                  <a:schemeClr val="tx1"/>
+                </a:solidFill>
+              </a:rPr>
+              <a:t>올레드</a:t>
+            </a:r>
+            <a:endParaRPr lang="ko-KR" altLang="en-US" sz="1400" dirty="0">
+              <a:solidFill>
+                <a:schemeClr val="tx1"/>
+              </a:solidFill>
+            </a:endParaRPr>
+          </a:p>
+        </p:txBody>
+      </p:sp>
+      <p:sp>
+        <p:nvSpPr>
+          <p:cNvPr id="120" name="직사각형 119">
+            <a:extLst>
+              <a:ext uri="{FF2B5EF4-FFF2-40B4-BE49-F238E27FC236}">
+                <a16:creationId xmlns:a16="http://schemas.microsoft.com/office/drawing/2014/main" id="{B3FF4B76-0BCF-4123-9B9E-8119E4815A51}"/>
+              </a:ext>
+            </a:extLst>
+          </p:cNvPr>
+          <p:cNvSpPr/>
+          <p:nvPr/>
+        </p:nvSpPr>
+        <p:spPr>
+          <a:xfrm>
+            <a:off x="4041583" y="2373168"/>
+            <a:ext cx="1025434" cy="237546"/>
+          </a:xfrm>
+          <a:prstGeom prst="rect">
+            <a:avLst/>
+          </a:prstGeom>
+          <a:solidFill>
+            <a:schemeClr val="bg1"/>
+          </a:solidFill>
+          <a:ln>
+            <a:solidFill>
+              <a:srgbClr val="FF0000"/>
+            </a:solidFill>
+          </a:ln>
+        </p:spPr>
+        <p:style>
+          <a:lnRef idx="2">
+            <a:schemeClr val="accent1">
+              <a:shade val="50000"/>
+            </a:schemeClr>
+          </a:lnRef>
+          <a:fillRef idx="1">
+            <a:schemeClr val="accent1"/>
+          </a:fillRef>
+          <a:effectRef idx="0">
+            <a:schemeClr val="accent1"/>
+          </a:effectRef>
+          <a:fontRef idx="minor">
+            <a:schemeClr val="lt1"/>
+          </a:fontRef>
+        </p:style>
+        <p:txBody>
+          <a:bodyPr rtlCol="0" anchor="ctr"/>
+          <a:lstStyle/>
+          <a:p>
+            <a:pPr algn="ctr"/>
+            <a:r>
+              <a:rPr lang="en-US" altLang="ko-KR" sz="1400" dirty="0">
+                <a:solidFill>
+                  <a:schemeClr val="tx1"/>
+                </a:solidFill>
+              </a:rPr>
+              <a:t>QLED</a:t>
+            </a:r>
+            <a:r>
+              <a:rPr lang="ko-KR" altLang="en-US" sz="1400" dirty="0" err="1">
+                <a:solidFill>
+                  <a:schemeClr val="tx1"/>
+                </a:solidFill>
+              </a:rPr>
+              <a:t>티비</a:t>
+            </a:r>
+            <a:endParaRPr lang="ko-KR" altLang="en-US" sz="1400" dirty="0">
+              <a:solidFill>
+                <a:schemeClr val="tx1"/>
+              </a:solidFill>
+            </a:endParaRPr>
+          </a:p>
+        </p:txBody>
+      </p:sp>
+      <p:sp>
+        <p:nvSpPr>
+          <p:cNvPr id="121" name="직사각형 120">
+            <a:extLst>
+              <a:ext uri="{FF2B5EF4-FFF2-40B4-BE49-F238E27FC236}">
+                <a16:creationId xmlns:a16="http://schemas.microsoft.com/office/drawing/2014/main" id="{BF3EC12D-4A0D-4CF5-A618-42482844097C}"/>
+              </a:ext>
+            </a:extLst>
+          </p:cNvPr>
+          <p:cNvSpPr/>
+          <p:nvPr/>
+        </p:nvSpPr>
+        <p:spPr>
+          <a:xfrm>
+            <a:off x="4041583" y="3587781"/>
+            <a:ext cx="1025434" cy="237546"/>
+          </a:xfrm>
+          <a:prstGeom prst="rect">
+            <a:avLst/>
+          </a:prstGeom>
+          <a:solidFill>
+            <a:schemeClr val="bg1"/>
+          </a:solidFill>
         </p:spPr>
         <p:style>
           <a:lnRef idx="2">
@@ -4900,10 +6571,10 @@
       </p:sp>
       <p:sp>
         <p:nvSpPr>
-          <p:cNvPr id="67" name="직사각형 66">
-            <a:extLst>
-              <a:ext uri="{FF2B5EF4-FFF2-40B4-BE49-F238E27FC236}">
-                <a16:creationId xmlns:a16="http://schemas.microsoft.com/office/drawing/2014/main" id="{469B6F73-8DB7-4705-B28D-F48229B01E20}"/>
+          <p:cNvPr id="122" name="직사각형 121">
+            <a:extLst>
+              <a:ext uri="{FF2B5EF4-FFF2-40B4-BE49-F238E27FC236}">
+                <a16:creationId xmlns:a16="http://schemas.microsoft.com/office/drawing/2014/main" id="{2387A2F9-0CDA-46C1-AE28-8B5681627744}"/>
               </a:ext>
             </a:extLst>
           </p:cNvPr>
@@ -4912,7 +6583,7 @@
         </p:nvSpPr>
         <p:spPr>
           <a:xfrm>
-            <a:off x="1511751" y="3779724"/>
+            <a:off x="4041583" y="3820851"/>
             <a:ext cx="1025434" cy="237546"/>
           </a:xfrm>
           <a:prstGeom prst="rect">
@@ -4956,10 +6627,10 @@
       </p:sp>
       <p:sp>
         <p:nvSpPr>
-          <p:cNvPr id="68" name="직사각형 67">
-            <a:extLst>
-              <a:ext uri="{FF2B5EF4-FFF2-40B4-BE49-F238E27FC236}">
-                <a16:creationId xmlns:a16="http://schemas.microsoft.com/office/drawing/2014/main" id="{D8FBF562-D883-4BC1-AAE1-1293EBE24ED6}"/>
+          <p:cNvPr id="123" name="직사각형 122">
+            <a:extLst>
+              <a:ext uri="{FF2B5EF4-FFF2-40B4-BE49-F238E27FC236}">
+                <a16:creationId xmlns:a16="http://schemas.microsoft.com/office/drawing/2014/main" id="{4E98879E-8B94-478D-AB16-5103415ED9C9}"/>
               </a:ext>
             </a:extLst>
           </p:cNvPr>
@@ -4968,7 +6639,7 @@
         </p:nvSpPr>
         <p:spPr>
           <a:xfrm>
-            <a:off x="1511751" y="3313584"/>
+            <a:off x="4041583" y="3354711"/>
             <a:ext cx="1025434" cy="237546"/>
           </a:xfrm>
           <a:prstGeom prst="rect">
@@ -5012,10 +6683,10 @@
       </p:sp>
       <p:sp>
         <p:nvSpPr>
-          <p:cNvPr id="69" name="직사각형 68">
-            <a:extLst>
-              <a:ext uri="{FF2B5EF4-FFF2-40B4-BE49-F238E27FC236}">
-                <a16:creationId xmlns:a16="http://schemas.microsoft.com/office/drawing/2014/main" id="{0CB2ACF5-886A-4D15-8DBE-129362C605BB}"/>
+          <p:cNvPr id="124" name="직사각형 123">
+            <a:extLst>
+              <a:ext uri="{FF2B5EF4-FFF2-40B4-BE49-F238E27FC236}">
+                <a16:creationId xmlns:a16="http://schemas.microsoft.com/office/drawing/2014/main" id="{C6F8A146-F969-4748-A19D-09E230230720}"/>
               </a:ext>
             </a:extLst>
           </p:cNvPr>
@@ -5024,7 +6695,7 @@
         </p:nvSpPr>
         <p:spPr>
           <a:xfrm>
-            <a:off x="1511751" y="4514835"/>
+            <a:off x="4041583" y="4555962"/>
             <a:ext cx="1025434" cy="237546"/>
           </a:xfrm>
           <a:prstGeom prst="rect">
@@ -5061,17 +6732,17 @@
                   <a:schemeClr val="tx1"/>
                 </a:solidFill>
               </a:rPr>
-              <a:t>건조기</a:t>
-            </a:r>
-          </a:p>
-        </p:txBody>
-      </p:sp>
-      <p:sp>
-        <p:nvSpPr>
-          <p:cNvPr id="70" name="직사각형 69">
-            <a:extLst>
-              <a:ext uri="{FF2B5EF4-FFF2-40B4-BE49-F238E27FC236}">
-                <a16:creationId xmlns:a16="http://schemas.microsoft.com/office/drawing/2014/main" id="{DC74B013-B76A-4995-B89C-D7D3345251FD}"/>
+              <a:t>유선형</a:t>
+            </a:r>
+          </a:p>
+        </p:txBody>
+      </p:sp>
+      <p:sp>
+        <p:nvSpPr>
+          <p:cNvPr id="125" name="직사각형 124">
+            <a:extLst>
+              <a:ext uri="{FF2B5EF4-FFF2-40B4-BE49-F238E27FC236}">
+                <a16:creationId xmlns:a16="http://schemas.microsoft.com/office/drawing/2014/main" id="{64375AFB-D204-4FF1-AFCF-8C09D6741D70}"/>
               </a:ext>
             </a:extLst>
           </p:cNvPr>
@@ -5080,7 +6751,7 @@
         </p:nvSpPr>
         <p:spPr>
           <a:xfrm>
-            <a:off x="1511751" y="4752318"/>
+            <a:off x="4041583" y="4793445"/>
             <a:ext cx="1025434" cy="237546"/>
           </a:xfrm>
           <a:prstGeom prst="rect">
@@ -5117,17 +6788,17 @@
                   <a:schemeClr val="tx1"/>
                 </a:solidFill>
               </a:rPr>
-              <a:t>청소기</a:t>
-            </a:r>
-          </a:p>
-        </p:txBody>
-      </p:sp>
-      <p:sp>
-        <p:nvSpPr>
-          <p:cNvPr id="71" name="직사각형 70">
-            <a:extLst>
-              <a:ext uri="{FF2B5EF4-FFF2-40B4-BE49-F238E27FC236}">
-                <a16:creationId xmlns:a16="http://schemas.microsoft.com/office/drawing/2014/main" id="{62B83816-30F6-443F-B997-4E8E874F6932}"/>
+              <a:t>블루레이</a:t>
+            </a:r>
+          </a:p>
+        </p:txBody>
+      </p:sp>
+      <p:sp>
+        <p:nvSpPr>
+          <p:cNvPr id="126" name="직사각형 125">
+            <a:extLst>
+              <a:ext uri="{FF2B5EF4-FFF2-40B4-BE49-F238E27FC236}">
+                <a16:creationId xmlns:a16="http://schemas.microsoft.com/office/drawing/2014/main" id="{9D3B7C15-47ED-4228-A318-6E466CD20E41}"/>
               </a:ext>
             </a:extLst>
           </p:cNvPr>
@@ -5136,7 +6807,7 @@
         </p:nvSpPr>
         <p:spPr>
           <a:xfrm>
-            <a:off x="1511751" y="4277289"/>
+            <a:off x="4041583" y="4318416"/>
             <a:ext cx="1025434" cy="237546"/>
           </a:xfrm>
           <a:prstGeom prst="rect">
@@ -5173,17 +6844,17 @@
                   <a:schemeClr val="tx1"/>
                 </a:solidFill>
               </a:rPr>
-              <a:t>세탁기</a:t>
-            </a:r>
-          </a:p>
-        </p:txBody>
-      </p:sp>
-      <p:sp>
-        <p:nvSpPr>
-          <p:cNvPr id="72" name="직사각형 71">
-            <a:extLst>
-              <a:ext uri="{FF2B5EF4-FFF2-40B4-BE49-F238E27FC236}">
-                <a16:creationId xmlns:a16="http://schemas.microsoft.com/office/drawing/2014/main" id="{0F8F9896-26AA-4BDD-BC20-91812559D2CF}"/>
+              <a:t>블루투스</a:t>
+            </a:r>
+          </a:p>
+        </p:txBody>
+      </p:sp>
+      <p:sp>
+        <p:nvSpPr>
+          <p:cNvPr id="127" name="직사각형 126">
+            <a:extLst>
+              <a:ext uri="{FF2B5EF4-FFF2-40B4-BE49-F238E27FC236}">
+                <a16:creationId xmlns:a16="http://schemas.microsoft.com/office/drawing/2014/main" id="{FE6FD1EC-AE43-4B11-B970-47182B32F579}"/>
               </a:ext>
             </a:extLst>
           </p:cNvPr>
@@ -5192,7 +6863,7 @@
         </p:nvSpPr>
         <p:spPr>
           <a:xfrm>
-            <a:off x="1511751" y="5479958"/>
+            <a:off x="4041583" y="5521085"/>
             <a:ext cx="1025434" cy="237546"/>
           </a:xfrm>
           <a:prstGeom prst="rect">
@@ -5229,7 +6900,7 @@
                   <a:schemeClr val="tx1"/>
                 </a:solidFill>
               </a:rPr>
-              <a:t>헤어기기</a:t>
+              <a:t>리모콘</a:t>
             </a:r>
             <a:endParaRPr lang="ko-KR" altLang="en-US" sz="1400" dirty="0">
               <a:solidFill>
@@ -5241,10 +6912,10 @@
       </p:sp>
       <p:sp>
         <p:nvSpPr>
-          <p:cNvPr id="73" name="직사각형 72">
-            <a:extLst>
-              <a:ext uri="{FF2B5EF4-FFF2-40B4-BE49-F238E27FC236}">
-                <a16:creationId xmlns:a16="http://schemas.microsoft.com/office/drawing/2014/main" id="{DC1EA971-6DFB-4BAE-BEEE-313EE717061F}"/>
+          <p:cNvPr id="128" name="직사각형 127">
+            <a:extLst>
+              <a:ext uri="{FF2B5EF4-FFF2-40B4-BE49-F238E27FC236}">
+                <a16:creationId xmlns:a16="http://schemas.microsoft.com/office/drawing/2014/main" id="{80B59EE6-24D8-4F24-AE27-778DA2A701EA}"/>
               </a:ext>
             </a:extLst>
           </p:cNvPr>
@@ -5253,7 +6924,7 @@
         </p:nvSpPr>
         <p:spPr>
           <a:xfrm>
-            <a:off x="1511751" y="5717830"/>
+            <a:off x="4041583" y="5758957"/>
             <a:ext cx="1025434" cy="237546"/>
           </a:xfrm>
           <a:prstGeom prst="rect">
@@ -5290,17 +6961,17 @@
                   <a:schemeClr val="tx1"/>
                 </a:solidFill>
               </a:rPr>
-              <a:t>면도기</a:t>
-            </a:r>
-          </a:p>
-        </p:txBody>
-      </p:sp>
-      <p:sp>
-        <p:nvSpPr>
-          <p:cNvPr id="74" name="직사각형 73">
-            <a:extLst>
-              <a:ext uri="{FF2B5EF4-FFF2-40B4-BE49-F238E27FC236}">
-                <a16:creationId xmlns:a16="http://schemas.microsoft.com/office/drawing/2014/main" id="{CBE99D3F-732A-44FC-8C8A-2945D8C09A54}"/>
+              <a:t>케이블</a:t>
+            </a:r>
+          </a:p>
+        </p:txBody>
+      </p:sp>
+      <p:sp>
+        <p:nvSpPr>
+          <p:cNvPr id="129" name="직사각형 128">
+            <a:extLst>
+              <a:ext uri="{FF2B5EF4-FFF2-40B4-BE49-F238E27FC236}">
+                <a16:creationId xmlns:a16="http://schemas.microsoft.com/office/drawing/2014/main" id="{042F18A5-2F11-48B5-B9C9-884FDFC83000}"/>
               </a:ext>
             </a:extLst>
           </p:cNvPr>
@@ -5309,7 +6980,7 @@
         </p:nvSpPr>
         <p:spPr>
           <a:xfrm>
-            <a:off x="1511751" y="5242412"/>
+            <a:off x="4041583" y="5283539"/>
             <a:ext cx="1025434" cy="237546"/>
           </a:xfrm>
           <a:prstGeom prst="rect">
@@ -5318,6 +6989,666 @@
           <a:solidFill>
             <a:schemeClr val="bg1"/>
           </a:solidFill>
+        </p:spPr>
+        <p:style>
+          <a:lnRef idx="2">
+            <a:schemeClr val="accent1">
+              <a:shade val="50000"/>
+            </a:schemeClr>
+          </a:lnRef>
+          <a:fillRef idx="1">
+            <a:schemeClr val="accent1"/>
+          </a:fillRef>
+          <a:effectRef idx="0">
+            <a:schemeClr val="accent1"/>
+          </a:effectRef>
+          <a:fontRef idx="minor">
+            <a:schemeClr val="lt1"/>
+          </a:fontRef>
+        </p:style>
+        <p:txBody>
+          <a:bodyPr rtlCol="0" anchor="ctr"/>
+          <a:lstStyle/>
+          <a:p>
+            <a:pPr algn="ctr"/>
+            <a:r>
+              <a:rPr lang="ko-KR" altLang="en-US" sz="1400" dirty="0" err="1">
+                <a:solidFill>
+                  <a:schemeClr val="tx1"/>
+                </a:solidFill>
+              </a:rPr>
+              <a:t>셋톱박스</a:t>
+            </a:r>
+            <a:endParaRPr lang="ko-KR" altLang="en-US" sz="1400" dirty="0">
+              <a:solidFill>
+                <a:schemeClr val="tx1"/>
+              </a:solidFill>
+            </a:endParaRPr>
+          </a:p>
+        </p:txBody>
+      </p:sp>
+      <p:cxnSp>
+        <p:nvCxnSpPr>
+          <p:cNvPr id="130" name="연결선: 꺾임 129">
+            <a:extLst>
+              <a:ext uri="{FF2B5EF4-FFF2-40B4-BE49-F238E27FC236}">
+                <a16:creationId xmlns:a16="http://schemas.microsoft.com/office/drawing/2014/main" id="{18DE497D-8691-4227-B6D0-8E61FEA70F73}"/>
+              </a:ext>
+            </a:extLst>
+          </p:cNvPr>
+          <p:cNvCxnSpPr>
+            <a:stCxn id="110" idx="3"/>
+            <a:endCxn id="120" idx="1"/>
+          </p:cNvCxnSpPr>
+          <p:nvPr/>
+        </p:nvCxnSpPr>
+        <p:spPr>
+          <a:xfrm flipV="1">
+            <a:off x="3880745" y="2491941"/>
+            <a:ext cx="160838" cy="252549"/>
+          </a:xfrm>
+          <a:prstGeom prst="bentConnector3">
+            <a:avLst/>
+          </a:prstGeom>
+          <a:ln>
+            <a:tailEnd type="triangle"/>
+          </a:ln>
+        </p:spPr>
+        <p:style>
+          <a:lnRef idx="1">
+            <a:schemeClr val="accent1"/>
+          </a:lnRef>
+          <a:fillRef idx="0">
+            <a:schemeClr val="accent1"/>
+          </a:fillRef>
+          <a:effectRef idx="0">
+            <a:schemeClr val="accent1"/>
+          </a:effectRef>
+          <a:fontRef idx="minor">
+            <a:schemeClr val="tx1"/>
+          </a:fontRef>
+        </p:style>
+      </p:cxnSp>
+      <p:cxnSp>
+        <p:nvCxnSpPr>
+          <p:cNvPr id="131" name="연결선: 꺾임 130">
+            <a:extLst>
+              <a:ext uri="{FF2B5EF4-FFF2-40B4-BE49-F238E27FC236}">
+                <a16:creationId xmlns:a16="http://schemas.microsoft.com/office/drawing/2014/main" id="{6DD2C06B-4456-4037-AA1C-43810DFDE498}"/>
+              </a:ext>
+            </a:extLst>
+          </p:cNvPr>
+          <p:cNvCxnSpPr>
+            <a:cxnSpLocks/>
+            <a:stCxn id="110" idx="3"/>
+            <a:endCxn id="118" idx="1"/>
+          </p:cNvCxnSpPr>
+          <p:nvPr/>
+        </p:nvCxnSpPr>
+        <p:spPr>
+          <a:xfrm flipV="1">
+            <a:off x="3880745" y="2744489"/>
+            <a:ext cx="160838" cy="1"/>
+          </a:xfrm>
+          <a:prstGeom prst="bentConnector3">
+            <a:avLst/>
+          </a:prstGeom>
+          <a:ln>
+            <a:tailEnd type="triangle"/>
+          </a:ln>
+        </p:spPr>
+        <p:style>
+          <a:lnRef idx="1">
+            <a:schemeClr val="accent1"/>
+          </a:lnRef>
+          <a:fillRef idx="0">
+            <a:schemeClr val="accent1"/>
+          </a:fillRef>
+          <a:effectRef idx="0">
+            <a:schemeClr val="accent1"/>
+          </a:effectRef>
+          <a:fontRef idx="minor">
+            <a:schemeClr val="tx1"/>
+          </a:fontRef>
+        </p:style>
+      </p:cxnSp>
+      <p:cxnSp>
+        <p:nvCxnSpPr>
+          <p:cNvPr id="132" name="연결선: 꺾임 131">
+            <a:extLst>
+              <a:ext uri="{FF2B5EF4-FFF2-40B4-BE49-F238E27FC236}">
+                <a16:creationId xmlns:a16="http://schemas.microsoft.com/office/drawing/2014/main" id="{663EA4B8-B468-43F5-A1F2-C908A317CB7A}"/>
+              </a:ext>
+            </a:extLst>
+          </p:cNvPr>
+          <p:cNvCxnSpPr>
+            <a:cxnSpLocks/>
+            <a:stCxn id="110" idx="3"/>
+            <a:endCxn id="119" idx="1"/>
+          </p:cNvCxnSpPr>
+          <p:nvPr/>
+        </p:nvCxnSpPr>
+        <p:spPr>
+          <a:xfrm>
+            <a:off x="3880745" y="2744490"/>
+            <a:ext cx="160838" cy="252549"/>
+          </a:xfrm>
+          <a:prstGeom prst="bentConnector3">
+            <a:avLst/>
+          </a:prstGeom>
+          <a:ln>
+            <a:tailEnd type="triangle"/>
+          </a:ln>
+        </p:spPr>
+        <p:style>
+          <a:lnRef idx="1">
+            <a:schemeClr val="accent1"/>
+          </a:lnRef>
+          <a:fillRef idx="0">
+            <a:schemeClr val="accent1"/>
+          </a:fillRef>
+          <a:effectRef idx="0">
+            <a:schemeClr val="accent1"/>
+          </a:effectRef>
+          <a:fontRef idx="minor">
+            <a:schemeClr val="tx1"/>
+          </a:fontRef>
+        </p:style>
+      </p:cxnSp>
+      <p:cxnSp>
+        <p:nvCxnSpPr>
+          <p:cNvPr id="133" name="연결선: 꺾임 132">
+            <a:extLst>
+              <a:ext uri="{FF2B5EF4-FFF2-40B4-BE49-F238E27FC236}">
+                <a16:creationId xmlns:a16="http://schemas.microsoft.com/office/drawing/2014/main" id="{C57ACA3D-8432-4035-94E2-5D63E626E1CF}"/>
+              </a:ext>
+            </a:extLst>
+          </p:cNvPr>
+          <p:cNvCxnSpPr>
+            <a:cxnSpLocks/>
+            <a:stCxn id="111" idx="3"/>
+            <a:endCxn id="123" idx="1"/>
+          </p:cNvCxnSpPr>
+          <p:nvPr/>
+        </p:nvCxnSpPr>
+        <p:spPr>
+          <a:xfrm flipV="1">
+            <a:off x="3880744" y="3473484"/>
+            <a:ext cx="160839" cy="236129"/>
+          </a:xfrm>
+          <a:prstGeom prst="bentConnector3">
+            <a:avLst/>
+          </a:prstGeom>
+          <a:ln>
+            <a:tailEnd type="triangle"/>
+          </a:ln>
+        </p:spPr>
+        <p:style>
+          <a:lnRef idx="1">
+            <a:schemeClr val="accent1"/>
+          </a:lnRef>
+          <a:fillRef idx="0">
+            <a:schemeClr val="accent1"/>
+          </a:fillRef>
+          <a:effectRef idx="0">
+            <a:schemeClr val="accent1"/>
+          </a:effectRef>
+          <a:fontRef idx="minor">
+            <a:schemeClr val="tx1"/>
+          </a:fontRef>
+        </p:style>
+      </p:cxnSp>
+      <p:cxnSp>
+        <p:nvCxnSpPr>
+          <p:cNvPr id="134" name="연결선: 꺾임 133">
+            <a:extLst>
+              <a:ext uri="{FF2B5EF4-FFF2-40B4-BE49-F238E27FC236}">
+                <a16:creationId xmlns:a16="http://schemas.microsoft.com/office/drawing/2014/main" id="{B75A45E7-9EDB-4D5E-9E63-025F256159C8}"/>
+              </a:ext>
+            </a:extLst>
+          </p:cNvPr>
+          <p:cNvCxnSpPr>
+            <a:cxnSpLocks/>
+            <a:stCxn id="111" idx="3"/>
+            <a:endCxn id="121" idx="1"/>
+          </p:cNvCxnSpPr>
+          <p:nvPr/>
+        </p:nvCxnSpPr>
+        <p:spPr>
+          <a:xfrm flipV="1">
+            <a:off x="3880744" y="3706554"/>
+            <a:ext cx="160839" cy="3059"/>
+          </a:xfrm>
+          <a:prstGeom prst="bentConnector3">
+            <a:avLst>
+              <a:gd name="adj1" fmla="val 50000"/>
+            </a:avLst>
+          </a:prstGeom>
+          <a:ln>
+            <a:tailEnd type="triangle"/>
+          </a:ln>
+        </p:spPr>
+        <p:style>
+          <a:lnRef idx="1">
+            <a:schemeClr val="accent1"/>
+          </a:lnRef>
+          <a:fillRef idx="0">
+            <a:schemeClr val="accent1"/>
+          </a:fillRef>
+          <a:effectRef idx="0">
+            <a:schemeClr val="accent1"/>
+          </a:effectRef>
+          <a:fontRef idx="minor">
+            <a:schemeClr val="tx1"/>
+          </a:fontRef>
+        </p:style>
+      </p:cxnSp>
+      <p:cxnSp>
+        <p:nvCxnSpPr>
+          <p:cNvPr id="135" name="연결선: 꺾임 134">
+            <a:extLst>
+              <a:ext uri="{FF2B5EF4-FFF2-40B4-BE49-F238E27FC236}">
+                <a16:creationId xmlns:a16="http://schemas.microsoft.com/office/drawing/2014/main" id="{E192BC7A-2E8A-4ECF-80E6-B2487740F9EB}"/>
+              </a:ext>
+            </a:extLst>
+          </p:cNvPr>
+          <p:cNvCxnSpPr>
+            <a:cxnSpLocks/>
+            <a:stCxn id="111" idx="3"/>
+            <a:endCxn id="122" idx="1"/>
+          </p:cNvCxnSpPr>
+          <p:nvPr/>
+        </p:nvCxnSpPr>
+        <p:spPr>
+          <a:xfrm>
+            <a:off x="3880744" y="3709613"/>
+            <a:ext cx="160839" cy="230011"/>
+          </a:xfrm>
+          <a:prstGeom prst="bentConnector3">
+            <a:avLst>
+              <a:gd name="adj1" fmla="val 50000"/>
+            </a:avLst>
+          </a:prstGeom>
+          <a:ln>
+            <a:tailEnd type="triangle"/>
+          </a:ln>
+        </p:spPr>
+        <p:style>
+          <a:lnRef idx="1">
+            <a:schemeClr val="accent1"/>
+          </a:lnRef>
+          <a:fillRef idx="0">
+            <a:schemeClr val="accent1"/>
+          </a:fillRef>
+          <a:effectRef idx="0">
+            <a:schemeClr val="accent1"/>
+          </a:effectRef>
+          <a:fontRef idx="minor">
+            <a:schemeClr val="tx1"/>
+          </a:fontRef>
+        </p:style>
+      </p:cxnSp>
+      <p:cxnSp>
+        <p:nvCxnSpPr>
+          <p:cNvPr id="136" name="연결선: 꺾임 135">
+            <a:extLst>
+              <a:ext uri="{FF2B5EF4-FFF2-40B4-BE49-F238E27FC236}">
+                <a16:creationId xmlns:a16="http://schemas.microsoft.com/office/drawing/2014/main" id="{BB986DBE-3DEA-4260-AA7F-665DF920783D}"/>
+              </a:ext>
+            </a:extLst>
+          </p:cNvPr>
+          <p:cNvCxnSpPr>
+            <a:cxnSpLocks/>
+            <a:stCxn id="112" idx="3"/>
+            <a:endCxn id="126" idx="1"/>
+          </p:cNvCxnSpPr>
+          <p:nvPr/>
+        </p:nvCxnSpPr>
+        <p:spPr>
+          <a:xfrm flipV="1">
+            <a:off x="3880744" y="4437189"/>
+            <a:ext cx="160839" cy="237547"/>
+          </a:xfrm>
+          <a:prstGeom prst="bentConnector3">
+            <a:avLst>
+              <a:gd name="adj1" fmla="val 50000"/>
+            </a:avLst>
+          </a:prstGeom>
+          <a:ln>
+            <a:tailEnd type="triangle"/>
+          </a:ln>
+        </p:spPr>
+        <p:style>
+          <a:lnRef idx="1">
+            <a:schemeClr val="accent1"/>
+          </a:lnRef>
+          <a:fillRef idx="0">
+            <a:schemeClr val="accent1"/>
+          </a:fillRef>
+          <a:effectRef idx="0">
+            <a:schemeClr val="accent1"/>
+          </a:effectRef>
+          <a:fontRef idx="minor">
+            <a:schemeClr val="tx1"/>
+          </a:fontRef>
+        </p:style>
+      </p:cxnSp>
+      <p:cxnSp>
+        <p:nvCxnSpPr>
+          <p:cNvPr id="137" name="연결선: 꺾임 136">
+            <a:extLst>
+              <a:ext uri="{FF2B5EF4-FFF2-40B4-BE49-F238E27FC236}">
+                <a16:creationId xmlns:a16="http://schemas.microsoft.com/office/drawing/2014/main" id="{A75617B8-E586-43A9-A529-9A546244D057}"/>
+              </a:ext>
+            </a:extLst>
+          </p:cNvPr>
+          <p:cNvCxnSpPr>
+            <a:cxnSpLocks/>
+            <a:stCxn id="112" idx="3"/>
+            <a:endCxn id="124" idx="1"/>
+          </p:cNvCxnSpPr>
+          <p:nvPr/>
+        </p:nvCxnSpPr>
+        <p:spPr>
+          <a:xfrm flipV="1">
+            <a:off x="3880744" y="4674735"/>
+            <a:ext cx="160839" cy="1"/>
+          </a:xfrm>
+          <a:prstGeom prst="bentConnector3">
+            <a:avLst>
+              <a:gd name="adj1" fmla="val 50000"/>
+            </a:avLst>
+          </a:prstGeom>
+          <a:ln>
+            <a:tailEnd type="triangle"/>
+          </a:ln>
+        </p:spPr>
+        <p:style>
+          <a:lnRef idx="1">
+            <a:schemeClr val="accent1"/>
+          </a:lnRef>
+          <a:fillRef idx="0">
+            <a:schemeClr val="accent1"/>
+          </a:fillRef>
+          <a:effectRef idx="0">
+            <a:schemeClr val="accent1"/>
+          </a:effectRef>
+          <a:fontRef idx="minor">
+            <a:schemeClr val="tx1"/>
+          </a:fontRef>
+        </p:style>
+      </p:cxnSp>
+      <p:cxnSp>
+        <p:nvCxnSpPr>
+          <p:cNvPr id="138" name="연결선: 꺾임 137">
+            <a:extLst>
+              <a:ext uri="{FF2B5EF4-FFF2-40B4-BE49-F238E27FC236}">
+                <a16:creationId xmlns:a16="http://schemas.microsoft.com/office/drawing/2014/main" id="{D1407393-660B-4647-8197-59DB2CCB41F6}"/>
+              </a:ext>
+            </a:extLst>
+          </p:cNvPr>
+          <p:cNvCxnSpPr>
+            <a:cxnSpLocks/>
+            <a:stCxn id="112" idx="3"/>
+            <a:endCxn id="125" idx="1"/>
+          </p:cNvCxnSpPr>
+          <p:nvPr/>
+        </p:nvCxnSpPr>
+        <p:spPr>
+          <a:xfrm>
+            <a:off x="3880744" y="4674736"/>
+            <a:ext cx="160839" cy="237482"/>
+          </a:xfrm>
+          <a:prstGeom prst="bentConnector3">
+            <a:avLst>
+              <a:gd name="adj1" fmla="val 50000"/>
+            </a:avLst>
+          </a:prstGeom>
+          <a:ln>
+            <a:tailEnd type="triangle"/>
+          </a:ln>
+        </p:spPr>
+        <p:style>
+          <a:lnRef idx="1">
+            <a:schemeClr val="accent1"/>
+          </a:lnRef>
+          <a:fillRef idx="0">
+            <a:schemeClr val="accent1"/>
+          </a:fillRef>
+          <a:effectRef idx="0">
+            <a:schemeClr val="accent1"/>
+          </a:effectRef>
+          <a:fontRef idx="minor">
+            <a:schemeClr val="tx1"/>
+          </a:fontRef>
+        </p:style>
+      </p:cxnSp>
+      <p:cxnSp>
+        <p:nvCxnSpPr>
+          <p:cNvPr id="139" name="연결선: 꺾임 138">
+            <a:extLst>
+              <a:ext uri="{FF2B5EF4-FFF2-40B4-BE49-F238E27FC236}">
+                <a16:creationId xmlns:a16="http://schemas.microsoft.com/office/drawing/2014/main" id="{AC4EDFC1-1809-4810-97AB-25A89207F1F6}"/>
+              </a:ext>
+            </a:extLst>
+          </p:cNvPr>
+          <p:cNvCxnSpPr>
+            <a:cxnSpLocks/>
+            <a:stCxn id="113" idx="3"/>
+            <a:endCxn id="129" idx="1"/>
+          </p:cNvCxnSpPr>
+          <p:nvPr/>
+        </p:nvCxnSpPr>
+        <p:spPr>
+          <a:xfrm flipV="1">
+            <a:off x="3880747" y="5402312"/>
+            <a:ext cx="160836" cy="237547"/>
+          </a:xfrm>
+          <a:prstGeom prst="bentConnector3">
+            <a:avLst>
+              <a:gd name="adj1" fmla="val 50000"/>
+            </a:avLst>
+          </a:prstGeom>
+          <a:ln>
+            <a:tailEnd type="triangle"/>
+          </a:ln>
+        </p:spPr>
+        <p:style>
+          <a:lnRef idx="1">
+            <a:schemeClr val="accent1"/>
+          </a:lnRef>
+          <a:fillRef idx="0">
+            <a:schemeClr val="accent1"/>
+          </a:fillRef>
+          <a:effectRef idx="0">
+            <a:schemeClr val="accent1"/>
+          </a:effectRef>
+          <a:fontRef idx="minor">
+            <a:schemeClr val="tx1"/>
+          </a:fontRef>
+        </p:style>
+      </p:cxnSp>
+      <p:cxnSp>
+        <p:nvCxnSpPr>
+          <p:cNvPr id="140" name="연결선: 꺾임 139">
+            <a:extLst>
+              <a:ext uri="{FF2B5EF4-FFF2-40B4-BE49-F238E27FC236}">
+                <a16:creationId xmlns:a16="http://schemas.microsoft.com/office/drawing/2014/main" id="{65D8A8CC-ECB2-4E67-8A1A-3381876CECC1}"/>
+              </a:ext>
+            </a:extLst>
+          </p:cNvPr>
+          <p:cNvCxnSpPr>
+            <a:cxnSpLocks/>
+            <a:endCxn id="127" idx="1"/>
+          </p:cNvCxnSpPr>
+          <p:nvPr/>
+        </p:nvCxnSpPr>
+        <p:spPr>
+          <a:xfrm>
+            <a:off x="3948507" y="5639858"/>
+            <a:ext cx="93076" cy="12700"/>
+          </a:xfrm>
+          <a:prstGeom prst="bentConnector3">
+            <a:avLst/>
+          </a:prstGeom>
+          <a:ln>
+            <a:tailEnd type="triangle"/>
+          </a:ln>
+        </p:spPr>
+        <p:style>
+          <a:lnRef idx="1">
+            <a:schemeClr val="accent1"/>
+          </a:lnRef>
+          <a:fillRef idx="0">
+            <a:schemeClr val="accent1"/>
+          </a:fillRef>
+          <a:effectRef idx="0">
+            <a:schemeClr val="accent1"/>
+          </a:effectRef>
+          <a:fontRef idx="minor">
+            <a:schemeClr val="tx1"/>
+          </a:fontRef>
+        </p:style>
+      </p:cxnSp>
+      <p:cxnSp>
+        <p:nvCxnSpPr>
+          <p:cNvPr id="141" name="연결선: 꺾임 140">
+            <a:extLst>
+              <a:ext uri="{FF2B5EF4-FFF2-40B4-BE49-F238E27FC236}">
+                <a16:creationId xmlns:a16="http://schemas.microsoft.com/office/drawing/2014/main" id="{320B0E8A-C4E8-4670-A76B-6095D3442C42}"/>
+              </a:ext>
+            </a:extLst>
+          </p:cNvPr>
+          <p:cNvCxnSpPr>
+            <a:cxnSpLocks/>
+            <a:stCxn id="113" idx="3"/>
+            <a:endCxn id="128" idx="1"/>
+          </p:cNvCxnSpPr>
+          <p:nvPr/>
+        </p:nvCxnSpPr>
+        <p:spPr>
+          <a:xfrm>
+            <a:off x="3880747" y="5639859"/>
+            <a:ext cx="160836" cy="237871"/>
+          </a:xfrm>
+          <a:prstGeom prst="bentConnector3">
+            <a:avLst>
+              <a:gd name="adj1" fmla="val 50000"/>
+            </a:avLst>
+          </a:prstGeom>
+          <a:ln>
+            <a:tailEnd type="triangle"/>
+          </a:ln>
+        </p:spPr>
+        <p:style>
+          <a:lnRef idx="1">
+            <a:schemeClr val="accent1"/>
+          </a:lnRef>
+          <a:fillRef idx="0">
+            <a:schemeClr val="accent1"/>
+          </a:fillRef>
+          <a:effectRef idx="0">
+            <a:schemeClr val="accent1"/>
+          </a:effectRef>
+          <a:fontRef idx="minor">
+            <a:schemeClr val="tx1"/>
+          </a:fontRef>
+        </p:style>
+      </p:cxnSp>
+      <p:sp>
+        <p:nvSpPr>
+          <p:cNvPr id="145" name="직사각형 144">
+            <a:extLst>
+              <a:ext uri="{FF2B5EF4-FFF2-40B4-BE49-F238E27FC236}">
+                <a16:creationId xmlns:a16="http://schemas.microsoft.com/office/drawing/2014/main" id="{10A953BE-C37D-4F4F-BE47-884DC715519D}"/>
+              </a:ext>
+            </a:extLst>
+          </p:cNvPr>
+          <p:cNvSpPr/>
+          <p:nvPr/>
+        </p:nvSpPr>
+        <p:spPr>
+          <a:xfrm>
+            <a:off x="5583285" y="1680753"/>
+            <a:ext cx="1025434" cy="505098"/>
+          </a:xfrm>
+          <a:prstGeom prst="rect">
+            <a:avLst/>
+          </a:prstGeom>
+          <a:solidFill>
+            <a:schemeClr val="bg1"/>
+          </a:solidFill>
+          <a:ln>
+            <a:solidFill>
+              <a:srgbClr val="FF0000"/>
+            </a:solidFill>
+          </a:ln>
+        </p:spPr>
+        <p:style>
+          <a:lnRef idx="2">
+            <a:schemeClr val="accent1">
+              <a:shade val="50000"/>
+            </a:schemeClr>
+          </a:lnRef>
+          <a:fillRef idx="1">
+            <a:schemeClr val="accent1"/>
+          </a:fillRef>
+          <a:effectRef idx="0">
+            <a:schemeClr val="accent1"/>
+          </a:effectRef>
+          <a:fontRef idx="minor">
+            <a:schemeClr val="lt1"/>
+          </a:fontRef>
+        </p:style>
+        <p:txBody>
+          <a:bodyPr rtlCol="0" anchor="ctr"/>
+          <a:lstStyle/>
+          <a:p>
+            <a:pPr algn="ctr"/>
+            <a:r>
+              <a:rPr lang="en-US" altLang="ko-KR" dirty="0">
+                <a:solidFill>
+                  <a:schemeClr val="tx1"/>
+                </a:solidFill>
+              </a:rPr>
+              <a:t>PC</a:t>
+            </a:r>
+            <a:endParaRPr lang="ko-KR" altLang="en-US" dirty="0">
+              <a:solidFill>
+                <a:schemeClr val="tx1"/>
+              </a:solidFill>
+            </a:endParaRPr>
+          </a:p>
+        </p:txBody>
+      </p:sp>
+      <p:sp>
+        <p:nvSpPr>
+          <p:cNvPr id="146" name="직사각형 145">
+            <a:extLst>
+              <a:ext uri="{FF2B5EF4-FFF2-40B4-BE49-F238E27FC236}">
+                <a16:creationId xmlns:a16="http://schemas.microsoft.com/office/drawing/2014/main" id="{D826C250-FE30-46D1-89AB-F959F928A693}"/>
+              </a:ext>
+            </a:extLst>
+          </p:cNvPr>
+          <p:cNvSpPr/>
+          <p:nvPr/>
+        </p:nvSpPr>
+        <p:spPr>
+          <a:xfrm>
+            <a:off x="5583283" y="2491941"/>
+            <a:ext cx="1025434" cy="505098"/>
+          </a:xfrm>
+          <a:prstGeom prst="rect">
+            <a:avLst/>
+          </a:prstGeom>
+          <a:solidFill>
+            <a:schemeClr val="bg1"/>
+          </a:solidFill>
+          <a:ln>
+            <a:solidFill>
+              <a:srgbClr val="FF0000"/>
+            </a:solidFill>
+          </a:ln>
         </p:spPr>
         <p:style>
           <a:lnRef idx="2">
@@ -5346,543 +7677,26 @@
                   <a:schemeClr val="tx1"/>
                 </a:solidFill>
               </a:rPr>
-              <a:t>비데</a:t>
-            </a:r>
-          </a:p>
-        </p:txBody>
-      </p:sp>
-      <p:cxnSp>
-        <p:nvCxnSpPr>
-          <p:cNvPr id="76" name="연결선: 꺾임 75">
-            <a:extLst>
-              <a:ext uri="{FF2B5EF4-FFF2-40B4-BE49-F238E27FC236}">
-                <a16:creationId xmlns:a16="http://schemas.microsoft.com/office/drawing/2014/main" id="{C0D53609-6E3B-488D-9C02-050FBB12AB64}"/>
-              </a:ext>
-            </a:extLst>
-          </p:cNvPr>
-          <p:cNvCxnSpPr>
-            <a:cxnSpLocks/>
-            <a:stCxn id="30" idx="3"/>
-          </p:cNvCxnSpPr>
-          <p:nvPr/>
-        </p:nvCxnSpPr>
-        <p:spPr>
-          <a:xfrm flipV="1">
-            <a:off x="1347370" y="2450814"/>
-            <a:ext cx="160838" cy="252549"/>
-          </a:xfrm>
-          <a:prstGeom prst="bentConnector3">
-            <a:avLst/>
-          </a:prstGeom>
-          <a:ln>
-            <a:tailEnd type="triangle"/>
-          </a:ln>
-        </p:spPr>
-        <p:style>
-          <a:lnRef idx="1">
-            <a:schemeClr val="accent1"/>
-          </a:lnRef>
-          <a:fillRef idx="0">
-            <a:schemeClr val="accent1"/>
-          </a:fillRef>
-          <a:effectRef idx="0">
-            <a:schemeClr val="accent1"/>
-          </a:effectRef>
-          <a:fontRef idx="minor">
-            <a:schemeClr val="tx1"/>
-          </a:fontRef>
-        </p:style>
-      </p:cxnSp>
-      <p:cxnSp>
-        <p:nvCxnSpPr>
-          <p:cNvPr id="77" name="연결선: 꺾임 76">
-            <a:extLst>
-              <a:ext uri="{FF2B5EF4-FFF2-40B4-BE49-F238E27FC236}">
-                <a16:creationId xmlns:a16="http://schemas.microsoft.com/office/drawing/2014/main" id="{4A5F1BD5-3BE0-4395-A997-92EFFEB7C7C1}"/>
-              </a:ext>
-            </a:extLst>
-          </p:cNvPr>
-          <p:cNvCxnSpPr>
-            <a:cxnSpLocks/>
-            <a:stCxn id="30" idx="3"/>
-          </p:cNvCxnSpPr>
-          <p:nvPr/>
-        </p:nvCxnSpPr>
-        <p:spPr>
-          <a:xfrm flipV="1">
-            <a:off x="1347370" y="2703362"/>
-            <a:ext cx="160838" cy="1"/>
-          </a:xfrm>
-          <a:prstGeom prst="bentConnector3">
-            <a:avLst/>
-          </a:prstGeom>
-          <a:ln>
-            <a:tailEnd type="triangle"/>
-          </a:ln>
-        </p:spPr>
-        <p:style>
-          <a:lnRef idx="1">
-            <a:schemeClr val="accent1"/>
-          </a:lnRef>
-          <a:fillRef idx="0">
-            <a:schemeClr val="accent1"/>
-          </a:fillRef>
-          <a:effectRef idx="0">
-            <a:schemeClr val="accent1"/>
-          </a:effectRef>
-          <a:fontRef idx="minor">
-            <a:schemeClr val="tx1"/>
-          </a:fontRef>
-        </p:style>
-      </p:cxnSp>
-      <p:cxnSp>
-        <p:nvCxnSpPr>
-          <p:cNvPr id="78" name="연결선: 꺾임 77">
-            <a:extLst>
-              <a:ext uri="{FF2B5EF4-FFF2-40B4-BE49-F238E27FC236}">
-                <a16:creationId xmlns:a16="http://schemas.microsoft.com/office/drawing/2014/main" id="{3FCFC119-6513-439F-BC78-0E9985FDC266}"/>
-              </a:ext>
-            </a:extLst>
-          </p:cNvPr>
-          <p:cNvCxnSpPr>
-            <a:cxnSpLocks/>
-            <a:stCxn id="30" idx="3"/>
-          </p:cNvCxnSpPr>
-          <p:nvPr/>
-        </p:nvCxnSpPr>
+              <a:t>데스크탑</a:t>
+            </a:r>
+          </a:p>
+        </p:txBody>
+      </p:sp>
+      <p:sp>
+        <p:nvSpPr>
+          <p:cNvPr id="147" name="직사각형 146">
+            <a:extLst>
+              <a:ext uri="{FF2B5EF4-FFF2-40B4-BE49-F238E27FC236}">
+                <a16:creationId xmlns:a16="http://schemas.microsoft.com/office/drawing/2014/main" id="{D1DD6347-F260-4C16-B2E2-50201BB43F45}"/>
+              </a:ext>
+            </a:extLst>
+          </p:cNvPr>
+          <p:cNvSpPr/>
+          <p:nvPr/>
+        </p:nvSpPr>
         <p:spPr>
           <a:xfrm>
-            <a:off x="1347370" y="2703363"/>
-            <a:ext cx="160838" cy="252549"/>
-          </a:xfrm>
-          <a:prstGeom prst="bentConnector3">
-            <a:avLst/>
-          </a:prstGeom>
-          <a:ln>
-            <a:tailEnd type="triangle"/>
-          </a:ln>
-        </p:spPr>
-        <p:style>
-          <a:lnRef idx="1">
-            <a:schemeClr val="accent1"/>
-          </a:lnRef>
-          <a:fillRef idx="0">
-            <a:schemeClr val="accent1"/>
-          </a:fillRef>
-          <a:effectRef idx="0">
-            <a:schemeClr val="accent1"/>
-          </a:effectRef>
-          <a:fontRef idx="minor">
-            <a:schemeClr val="tx1"/>
-          </a:fontRef>
-        </p:style>
-      </p:cxnSp>
-      <p:cxnSp>
-        <p:nvCxnSpPr>
-          <p:cNvPr id="83" name="연결선: 꺾임 82">
-            <a:extLst>
-              <a:ext uri="{FF2B5EF4-FFF2-40B4-BE49-F238E27FC236}">
-                <a16:creationId xmlns:a16="http://schemas.microsoft.com/office/drawing/2014/main" id="{9EAB41BC-56A0-4D3E-8CE1-516E84422124}"/>
-              </a:ext>
-            </a:extLst>
-          </p:cNvPr>
-          <p:cNvCxnSpPr>
-            <a:cxnSpLocks/>
-            <a:stCxn id="31" idx="3"/>
-          </p:cNvCxnSpPr>
-          <p:nvPr/>
-        </p:nvCxnSpPr>
-        <p:spPr>
-          <a:xfrm flipV="1">
-            <a:off x="1347369" y="3432357"/>
-            <a:ext cx="160839" cy="236129"/>
-          </a:xfrm>
-          <a:prstGeom prst="bentConnector3">
-            <a:avLst/>
-          </a:prstGeom>
-          <a:ln>
-            <a:tailEnd type="triangle"/>
-          </a:ln>
-        </p:spPr>
-        <p:style>
-          <a:lnRef idx="1">
-            <a:schemeClr val="accent1"/>
-          </a:lnRef>
-          <a:fillRef idx="0">
-            <a:schemeClr val="accent1"/>
-          </a:fillRef>
-          <a:effectRef idx="0">
-            <a:schemeClr val="accent1"/>
-          </a:effectRef>
-          <a:fontRef idx="minor">
-            <a:schemeClr val="tx1"/>
-          </a:fontRef>
-        </p:style>
-      </p:cxnSp>
-      <p:cxnSp>
-        <p:nvCxnSpPr>
-          <p:cNvPr id="84" name="연결선: 꺾임 83">
-            <a:extLst>
-              <a:ext uri="{FF2B5EF4-FFF2-40B4-BE49-F238E27FC236}">
-                <a16:creationId xmlns:a16="http://schemas.microsoft.com/office/drawing/2014/main" id="{95D231BA-E083-4A48-B3D5-22217E8145D6}"/>
-              </a:ext>
-            </a:extLst>
-          </p:cNvPr>
-          <p:cNvCxnSpPr>
-            <a:cxnSpLocks/>
-            <a:stCxn id="31" idx="3"/>
-          </p:cNvCxnSpPr>
-          <p:nvPr/>
-        </p:nvCxnSpPr>
-        <p:spPr>
-          <a:xfrm flipV="1">
-            <a:off x="1347369" y="3665427"/>
-            <a:ext cx="160839" cy="3059"/>
-          </a:xfrm>
-          <a:prstGeom prst="bentConnector3">
-            <a:avLst>
-              <a:gd name="adj1" fmla="val 50000"/>
-            </a:avLst>
-          </a:prstGeom>
-          <a:ln>
-            <a:tailEnd type="triangle"/>
-          </a:ln>
-        </p:spPr>
-        <p:style>
-          <a:lnRef idx="1">
-            <a:schemeClr val="accent1"/>
-          </a:lnRef>
-          <a:fillRef idx="0">
-            <a:schemeClr val="accent1"/>
-          </a:fillRef>
-          <a:effectRef idx="0">
-            <a:schemeClr val="accent1"/>
-          </a:effectRef>
-          <a:fontRef idx="minor">
-            <a:schemeClr val="tx1"/>
-          </a:fontRef>
-        </p:style>
-      </p:cxnSp>
-      <p:cxnSp>
-        <p:nvCxnSpPr>
-          <p:cNvPr id="85" name="연결선: 꺾임 84">
-            <a:extLst>
-              <a:ext uri="{FF2B5EF4-FFF2-40B4-BE49-F238E27FC236}">
-                <a16:creationId xmlns:a16="http://schemas.microsoft.com/office/drawing/2014/main" id="{81438545-63DE-4F31-A4EE-2A7B787F587E}"/>
-              </a:ext>
-            </a:extLst>
-          </p:cNvPr>
-          <p:cNvCxnSpPr>
-            <a:cxnSpLocks/>
-            <a:stCxn id="31" idx="3"/>
-          </p:cNvCxnSpPr>
-          <p:nvPr/>
-        </p:nvCxnSpPr>
-        <p:spPr>
-          <a:xfrm>
-            <a:off x="1347369" y="3668486"/>
-            <a:ext cx="160839" cy="230011"/>
-          </a:xfrm>
-          <a:prstGeom prst="bentConnector3">
-            <a:avLst>
-              <a:gd name="adj1" fmla="val 50000"/>
-            </a:avLst>
-          </a:prstGeom>
-          <a:ln>
-            <a:tailEnd type="triangle"/>
-          </a:ln>
-        </p:spPr>
-        <p:style>
-          <a:lnRef idx="1">
-            <a:schemeClr val="accent1"/>
-          </a:lnRef>
-          <a:fillRef idx="0">
-            <a:schemeClr val="accent1"/>
-          </a:fillRef>
-          <a:effectRef idx="0">
-            <a:schemeClr val="accent1"/>
-          </a:effectRef>
-          <a:fontRef idx="minor">
-            <a:schemeClr val="tx1"/>
-          </a:fontRef>
-        </p:style>
-      </p:cxnSp>
-      <p:cxnSp>
-        <p:nvCxnSpPr>
-          <p:cNvPr id="92" name="연결선: 꺾임 91">
-            <a:extLst>
-              <a:ext uri="{FF2B5EF4-FFF2-40B4-BE49-F238E27FC236}">
-                <a16:creationId xmlns:a16="http://schemas.microsoft.com/office/drawing/2014/main" id="{010940E9-063C-4972-A33D-82C625023022}"/>
-              </a:ext>
-            </a:extLst>
-          </p:cNvPr>
-          <p:cNvCxnSpPr>
-            <a:cxnSpLocks/>
-            <a:stCxn id="32" idx="3"/>
-          </p:cNvCxnSpPr>
-          <p:nvPr/>
-        </p:nvCxnSpPr>
-        <p:spPr>
-          <a:xfrm flipV="1">
-            <a:off x="1347369" y="4396062"/>
-            <a:ext cx="160839" cy="237547"/>
-          </a:xfrm>
-          <a:prstGeom prst="bentConnector3">
-            <a:avLst>
-              <a:gd name="adj1" fmla="val 50000"/>
-            </a:avLst>
-          </a:prstGeom>
-          <a:ln>
-            <a:tailEnd type="triangle"/>
-          </a:ln>
-        </p:spPr>
-        <p:style>
-          <a:lnRef idx="1">
-            <a:schemeClr val="accent1"/>
-          </a:lnRef>
-          <a:fillRef idx="0">
-            <a:schemeClr val="accent1"/>
-          </a:fillRef>
-          <a:effectRef idx="0">
-            <a:schemeClr val="accent1"/>
-          </a:effectRef>
-          <a:fontRef idx="minor">
-            <a:schemeClr val="tx1"/>
-          </a:fontRef>
-        </p:style>
-      </p:cxnSp>
-      <p:cxnSp>
-        <p:nvCxnSpPr>
-          <p:cNvPr id="93" name="연결선: 꺾임 92">
-            <a:extLst>
-              <a:ext uri="{FF2B5EF4-FFF2-40B4-BE49-F238E27FC236}">
-                <a16:creationId xmlns:a16="http://schemas.microsoft.com/office/drawing/2014/main" id="{ED6C7787-B21F-46A2-A63C-BD14CA960147}"/>
-              </a:ext>
-            </a:extLst>
-          </p:cNvPr>
-          <p:cNvCxnSpPr>
-            <a:cxnSpLocks/>
-            <a:stCxn id="32" idx="3"/>
-          </p:cNvCxnSpPr>
-          <p:nvPr/>
-        </p:nvCxnSpPr>
-        <p:spPr>
-          <a:xfrm flipV="1">
-            <a:off x="1347369" y="4633608"/>
-            <a:ext cx="160839" cy="1"/>
-          </a:xfrm>
-          <a:prstGeom prst="bentConnector3">
-            <a:avLst>
-              <a:gd name="adj1" fmla="val 50000"/>
-            </a:avLst>
-          </a:prstGeom>
-          <a:ln>
-            <a:tailEnd type="triangle"/>
-          </a:ln>
-        </p:spPr>
-        <p:style>
-          <a:lnRef idx="1">
-            <a:schemeClr val="accent1"/>
-          </a:lnRef>
-          <a:fillRef idx="0">
-            <a:schemeClr val="accent1"/>
-          </a:fillRef>
-          <a:effectRef idx="0">
-            <a:schemeClr val="accent1"/>
-          </a:effectRef>
-          <a:fontRef idx="minor">
-            <a:schemeClr val="tx1"/>
-          </a:fontRef>
-        </p:style>
-      </p:cxnSp>
-      <p:cxnSp>
-        <p:nvCxnSpPr>
-          <p:cNvPr id="94" name="연결선: 꺾임 93">
-            <a:extLst>
-              <a:ext uri="{FF2B5EF4-FFF2-40B4-BE49-F238E27FC236}">
-                <a16:creationId xmlns:a16="http://schemas.microsoft.com/office/drawing/2014/main" id="{4A2A0D8F-44C3-473F-8A78-6431214104BA}"/>
-              </a:ext>
-            </a:extLst>
-          </p:cNvPr>
-          <p:cNvCxnSpPr>
-            <a:cxnSpLocks/>
-            <a:stCxn id="32" idx="3"/>
-          </p:cNvCxnSpPr>
-          <p:nvPr/>
-        </p:nvCxnSpPr>
-        <p:spPr>
-          <a:xfrm>
-            <a:off x="1347369" y="4633609"/>
-            <a:ext cx="160839" cy="237482"/>
-          </a:xfrm>
-          <a:prstGeom prst="bentConnector3">
-            <a:avLst>
-              <a:gd name="adj1" fmla="val 50000"/>
-            </a:avLst>
-          </a:prstGeom>
-          <a:ln>
-            <a:tailEnd type="triangle"/>
-          </a:ln>
-        </p:spPr>
-        <p:style>
-          <a:lnRef idx="1">
-            <a:schemeClr val="accent1"/>
-          </a:lnRef>
-          <a:fillRef idx="0">
-            <a:schemeClr val="accent1"/>
-          </a:fillRef>
-          <a:effectRef idx="0">
-            <a:schemeClr val="accent1"/>
-          </a:effectRef>
-          <a:fontRef idx="minor">
-            <a:schemeClr val="tx1"/>
-          </a:fontRef>
-        </p:style>
-      </p:cxnSp>
-      <p:cxnSp>
-        <p:nvCxnSpPr>
-          <p:cNvPr id="101" name="연결선: 꺾임 100">
-            <a:extLst>
-              <a:ext uri="{FF2B5EF4-FFF2-40B4-BE49-F238E27FC236}">
-                <a16:creationId xmlns:a16="http://schemas.microsoft.com/office/drawing/2014/main" id="{FF7284B6-0D2E-4C23-B0E8-D2996F9EFC20}"/>
-              </a:ext>
-            </a:extLst>
-          </p:cNvPr>
-          <p:cNvCxnSpPr>
-            <a:cxnSpLocks/>
-            <a:stCxn id="33" idx="3"/>
-          </p:cNvCxnSpPr>
-          <p:nvPr/>
-        </p:nvCxnSpPr>
-        <p:spPr>
-          <a:xfrm flipV="1">
-            <a:off x="1347372" y="5361185"/>
-            <a:ext cx="160836" cy="237547"/>
-          </a:xfrm>
-          <a:prstGeom prst="bentConnector3">
-            <a:avLst>
-              <a:gd name="adj1" fmla="val 50000"/>
-            </a:avLst>
-          </a:prstGeom>
-          <a:ln>
-            <a:tailEnd type="triangle"/>
-          </a:ln>
-        </p:spPr>
-        <p:style>
-          <a:lnRef idx="1">
-            <a:schemeClr val="accent1"/>
-          </a:lnRef>
-          <a:fillRef idx="0">
-            <a:schemeClr val="accent1"/>
-          </a:fillRef>
-          <a:effectRef idx="0">
-            <a:schemeClr val="accent1"/>
-          </a:effectRef>
-          <a:fontRef idx="minor">
-            <a:schemeClr val="tx1"/>
-          </a:fontRef>
-        </p:style>
-      </p:cxnSp>
-      <p:cxnSp>
-        <p:nvCxnSpPr>
-          <p:cNvPr id="102" name="연결선: 꺾임 101">
-            <a:extLst>
-              <a:ext uri="{FF2B5EF4-FFF2-40B4-BE49-F238E27FC236}">
-                <a16:creationId xmlns:a16="http://schemas.microsoft.com/office/drawing/2014/main" id="{F80DB7F9-51C3-475A-9940-EF77E84506F6}"/>
-              </a:ext>
-            </a:extLst>
-          </p:cNvPr>
-          <p:cNvCxnSpPr>
-            <a:cxnSpLocks/>
-          </p:cNvCxnSpPr>
-          <p:nvPr/>
-        </p:nvCxnSpPr>
-        <p:spPr>
-          <a:xfrm>
-            <a:off x="1415132" y="5598731"/>
-            <a:ext cx="93076" cy="12700"/>
-          </a:xfrm>
-          <a:prstGeom prst="bentConnector3">
-            <a:avLst/>
-          </a:prstGeom>
-          <a:ln>
-            <a:tailEnd type="triangle"/>
-          </a:ln>
-        </p:spPr>
-        <p:style>
-          <a:lnRef idx="1">
-            <a:schemeClr val="accent1"/>
-          </a:lnRef>
-          <a:fillRef idx="0">
-            <a:schemeClr val="accent1"/>
-          </a:fillRef>
-          <a:effectRef idx="0">
-            <a:schemeClr val="accent1"/>
-          </a:effectRef>
-          <a:fontRef idx="minor">
-            <a:schemeClr val="tx1"/>
-          </a:fontRef>
-        </p:style>
-      </p:cxnSp>
-      <p:cxnSp>
-        <p:nvCxnSpPr>
-          <p:cNvPr id="103" name="연결선: 꺾임 102">
-            <a:extLst>
-              <a:ext uri="{FF2B5EF4-FFF2-40B4-BE49-F238E27FC236}">
-                <a16:creationId xmlns:a16="http://schemas.microsoft.com/office/drawing/2014/main" id="{6FAA8A1F-7334-426A-8D53-E0A62ED97A58}"/>
-              </a:ext>
-            </a:extLst>
-          </p:cNvPr>
-          <p:cNvCxnSpPr>
-            <a:cxnSpLocks/>
-            <a:stCxn id="33" idx="3"/>
-          </p:cNvCxnSpPr>
-          <p:nvPr/>
-        </p:nvCxnSpPr>
-        <p:spPr>
-          <a:xfrm>
-            <a:off x="1347372" y="5598732"/>
-            <a:ext cx="160836" cy="237871"/>
-          </a:xfrm>
-          <a:prstGeom prst="bentConnector3">
-            <a:avLst>
-              <a:gd name="adj1" fmla="val 50000"/>
-            </a:avLst>
-          </a:prstGeom>
-          <a:ln>
-            <a:tailEnd type="triangle"/>
-          </a:ln>
-        </p:spPr>
-        <p:style>
-          <a:lnRef idx="1">
-            <a:schemeClr val="accent1"/>
-          </a:lnRef>
-          <a:fillRef idx="0">
-            <a:schemeClr val="accent1"/>
-          </a:fillRef>
-          <a:effectRef idx="0">
-            <a:schemeClr val="accent1"/>
-          </a:effectRef>
-          <a:fontRef idx="minor">
-            <a:schemeClr val="tx1"/>
-          </a:fontRef>
-        </p:style>
-      </p:cxnSp>
-      <p:sp>
-        <p:nvSpPr>
-          <p:cNvPr id="110" name="직사각형 109">
-            <a:extLst>
-              <a:ext uri="{FF2B5EF4-FFF2-40B4-BE49-F238E27FC236}">
-                <a16:creationId xmlns:a16="http://schemas.microsoft.com/office/drawing/2014/main" id="{E4E4FE8F-D830-4294-A7A3-F11683E37CFE}"/>
-              </a:ext>
-            </a:extLst>
-          </p:cNvPr>
-          <p:cNvSpPr/>
-          <p:nvPr/>
-        </p:nvSpPr>
-        <p:spPr>
-          <a:xfrm>
-            <a:off x="2855311" y="2491941"/>
+            <a:off x="5583282" y="3457064"/>
             <a:ext cx="1025434" cy="505098"/>
           </a:xfrm>
           <a:prstGeom prst="rect">
@@ -5919,59 +7733,9 @@
                   <a:schemeClr val="tx1"/>
                 </a:solidFill>
               </a:rPr>
-              <a:t>TV</a:t>
-            </a:r>
-            <a:endParaRPr lang="ko-KR" altLang="en-US" sz="1400" dirty="0">
-              <a:solidFill>
-                <a:schemeClr val="tx1"/>
-              </a:solidFill>
-            </a:endParaRPr>
-          </a:p>
-        </p:txBody>
-      </p:sp>
-      <p:sp>
-        <p:nvSpPr>
-          <p:cNvPr id="111" name="직사각형 110">
-            <a:extLst>
-              <a:ext uri="{FF2B5EF4-FFF2-40B4-BE49-F238E27FC236}">
-                <a16:creationId xmlns:a16="http://schemas.microsoft.com/office/drawing/2014/main" id="{D6204B05-A8E1-4ABC-9184-F62C01EBF1E3}"/>
-              </a:ext>
-            </a:extLst>
-          </p:cNvPr>
-          <p:cNvSpPr/>
-          <p:nvPr/>
-        </p:nvSpPr>
-        <p:spPr>
-          <a:xfrm>
-            <a:off x="2855310" y="3457064"/>
-            <a:ext cx="1025434" cy="505098"/>
-          </a:xfrm>
-          <a:prstGeom prst="rect">
-            <a:avLst/>
-          </a:prstGeom>
-          <a:solidFill>
-            <a:schemeClr val="bg1"/>
-          </a:solidFill>
-        </p:spPr>
-        <p:style>
-          <a:lnRef idx="2">
-            <a:schemeClr val="accent1">
-              <a:shade val="50000"/>
-            </a:schemeClr>
-          </a:lnRef>
-          <a:fillRef idx="1">
-            <a:schemeClr val="accent1"/>
-          </a:fillRef>
-          <a:effectRef idx="0">
-            <a:schemeClr val="accent1"/>
-          </a:effectRef>
-          <a:fontRef idx="minor">
-            <a:schemeClr val="lt1"/>
-          </a:fontRef>
-        </p:style>
-        <p:txBody>
-          <a:bodyPr rtlCol="0" anchor="ctr"/>
-          <a:lstStyle/>
+              <a:t>PC</a:t>
+            </a:r>
+          </a:p>
           <a:p>
             <a:pPr algn="ctr"/>
             <a:r>
@@ -5980,17 +7744,17 @@
                   <a:schemeClr val="tx1"/>
                 </a:solidFill>
               </a:rPr>
-              <a:t>프로젝터</a:t>
-            </a:r>
-          </a:p>
-        </p:txBody>
-      </p:sp>
-      <p:sp>
-        <p:nvSpPr>
-          <p:cNvPr id="112" name="직사각형 111">
-            <a:extLst>
-              <a:ext uri="{FF2B5EF4-FFF2-40B4-BE49-F238E27FC236}">
-                <a16:creationId xmlns:a16="http://schemas.microsoft.com/office/drawing/2014/main" id="{2656BBE9-D41C-4EBE-9232-193C84160BFC}"/>
+              <a:t>주요부품</a:t>
+            </a:r>
+          </a:p>
+        </p:txBody>
+      </p:sp>
+      <p:sp>
+        <p:nvSpPr>
+          <p:cNvPr id="148" name="직사각형 147">
+            <a:extLst>
+              <a:ext uri="{FF2B5EF4-FFF2-40B4-BE49-F238E27FC236}">
+                <a16:creationId xmlns:a16="http://schemas.microsoft.com/office/drawing/2014/main" id="{8473D9A3-3804-4080-B927-643FFD4DE3FE}"/>
               </a:ext>
             </a:extLst>
           </p:cNvPr>
@@ -5999,7 +7763,7 @@
         </p:nvSpPr>
         <p:spPr>
           <a:xfrm>
-            <a:off x="2855310" y="4422187"/>
+            <a:off x="5583282" y="4422187"/>
             <a:ext cx="1025434" cy="505098"/>
           </a:xfrm>
           <a:prstGeom prst="rect">
@@ -6031,27 +7795,33 @@
           <a:p>
             <a:pPr algn="ctr"/>
             <a:r>
-              <a:rPr lang="ko-KR" altLang="en-US" sz="1400" dirty="0" err="1">
+              <a:rPr lang="en-US" altLang="ko-KR" sz="1400" dirty="0">
                 <a:solidFill>
                   <a:schemeClr val="tx1"/>
                 </a:solidFill>
               </a:rPr>
-              <a:t>홈시어터</a:t>
-            </a:r>
-            <a:endParaRPr lang="ko-KR" altLang="en-US" sz="1400" dirty="0">
-              <a:solidFill>
-                <a:schemeClr val="tx1"/>
-              </a:solidFill>
-            </a:endParaRPr>
-          </a:p>
-        </p:txBody>
-      </p:sp>
-      <p:sp>
-        <p:nvSpPr>
-          <p:cNvPr id="113" name="직사각형 112">
-            <a:extLst>
-              <a:ext uri="{FF2B5EF4-FFF2-40B4-BE49-F238E27FC236}">
-                <a16:creationId xmlns:a16="http://schemas.microsoft.com/office/drawing/2014/main" id="{481F8F95-3C94-488C-B294-DB6D414063B0}"/>
+              <a:t>PC</a:t>
+            </a:r>
+          </a:p>
+          <a:p>
+            <a:pPr algn="ctr"/>
+            <a:r>
+              <a:rPr lang="ko-KR" altLang="en-US" sz="1400" dirty="0">
+                <a:solidFill>
+                  <a:schemeClr val="tx1"/>
+                </a:solidFill>
+              </a:rPr>
+              <a:t>저장장치</a:t>
+            </a:r>
+          </a:p>
+        </p:txBody>
+      </p:sp>
+      <p:sp>
+        <p:nvSpPr>
+          <p:cNvPr id="149" name="직사각형 148">
+            <a:extLst>
+              <a:ext uri="{FF2B5EF4-FFF2-40B4-BE49-F238E27FC236}">
+                <a16:creationId xmlns:a16="http://schemas.microsoft.com/office/drawing/2014/main" id="{21B7EBF0-C11B-4E17-9BB4-66705A0C8F90}"/>
               </a:ext>
             </a:extLst>
           </p:cNvPr>
@@ -6060,7 +7830,7 @@
         </p:nvSpPr>
         <p:spPr>
           <a:xfrm>
-            <a:off x="2855313" y="5387310"/>
+            <a:off x="5583285" y="5387310"/>
             <a:ext cx="1025434" cy="505098"/>
           </a:xfrm>
           <a:prstGeom prst="rect">
@@ -6069,6 +7839,11 @@
           <a:solidFill>
             <a:schemeClr val="bg1"/>
           </a:solidFill>
+          <a:ln>
+            <a:solidFill>
+              <a:srgbClr val="FF0000"/>
+            </a:solidFill>
+          </a:ln>
         </p:spPr>
         <p:style>
           <a:lnRef idx="2">
@@ -6092,38 +7867,33 @@
           <a:p>
             <a:pPr algn="ctr"/>
             <a:r>
-              <a:rPr lang="ko-KR" altLang="en-US" sz="1400" dirty="0" err="1">
+              <a:rPr lang="ko-KR" altLang="en-US" sz="1400" dirty="0">
                 <a:solidFill>
                   <a:schemeClr val="tx1"/>
                 </a:solidFill>
               </a:rPr>
-              <a:t>영상가전엑세서리</a:t>
-            </a:r>
-            <a:endParaRPr lang="ko-KR" altLang="en-US" sz="1400" dirty="0">
-              <a:solidFill>
-                <a:schemeClr val="tx1"/>
-              </a:solidFill>
-            </a:endParaRPr>
+              <a:t>노트북</a:t>
+            </a:r>
           </a:p>
         </p:txBody>
       </p:sp>
       <p:cxnSp>
         <p:nvCxnSpPr>
-          <p:cNvPr id="114" name="연결선: 꺾임 113">
-            <a:extLst>
-              <a:ext uri="{FF2B5EF4-FFF2-40B4-BE49-F238E27FC236}">
-                <a16:creationId xmlns:a16="http://schemas.microsoft.com/office/drawing/2014/main" id="{904ADDAF-1A0F-4F55-A178-86DBB41357AD}"/>
+          <p:cNvPr id="150" name="연결선: 꺾임 149">
+            <a:extLst>
+              <a:ext uri="{FF2B5EF4-FFF2-40B4-BE49-F238E27FC236}">
+                <a16:creationId xmlns:a16="http://schemas.microsoft.com/office/drawing/2014/main" id="{74E3A40F-702A-4AC2-8836-8E06DC72492A}"/>
               </a:ext>
             </a:extLst>
           </p:cNvPr>
           <p:cNvCxnSpPr>
-            <a:endCxn id="110" idx="1"/>
+            <a:endCxn id="146" idx="1"/>
           </p:cNvCxnSpPr>
           <p:nvPr/>
         </p:nvCxnSpPr>
         <p:spPr>
           <a:xfrm rot="10800000" flipV="1">
-            <a:off x="2855311" y="1961366"/>
+            <a:off x="5583283" y="1961366"/>
             <a:ext cx="2" cy="783123"/>
           </a:xfrm>
           <a:prstGeom prst="bentConnector3">
@@ -6152,22 +7922,22 @@
       </p:cxnSp>
       <p:cxnSp>
         <p:nvCxnSpPr>
-          <p:cNvPr id="115" name="연결선: 꺾임 114">
-            <a:extLst>
-              <a:ext uri="{FF2B5EF4-FFF2-40B4-BE49-F238E27FC236}">
-                <a16:creationId xmlns:a16="http://schemas.microsoft.com/office/drawing/2014/main" id="{038A4B4C-9B8E-4DCA-AE29-84D68795FEF3}"/>
+          <p:cNvPr id="151" name="연결선: 꺾임 150">
+            <a:extLst>
+              <a:ext uri="{FF2B5EF4-FFF2-40B4-BE49-F238E27FC236}">
+                <a16:creationId xmlns:a16="http://schemas.microsoft.com/office/drawing/2014/main" id="{68F6324B-794F-45BF-9AED-E6CAB7CE535E}"/>
               </a:ext>
             </a:extLst>
           </p:cNvPr>
           <p:cNvCxnSpPr>
             <a:cxnSpLocks/>
-            <a:endCxn id="111" idx="1"/>
+            <a:endCxn id="147" idx="1"/>
           </p:cNvCxnSpPr>
           <p:nvPr/>
         </p:nvCxnSpPr>
         <p:spPr>
           <a:xfrm rot="10800000" flipV="1">
-            <a:off x="2855311" y="1961367"/>
+            <a:off x="5583283" y="1961367"/>
             <a:ext cx="3" cy="1748246"/>
           </a:xfrm>
           <a:prstGeom prst="bentConnector3">
@@ -6196,22 +7966,22 @@
       </p:cxnSp>
       <p:cxnSp>
         <p:nvCxnSpPr>
-          <p:cNvPr id="116" name="연결선: 꺾임 115">
-            <a:extLst>
-              <a:ext uri="{FF2B5EF4-FFF2-40B4-BE49-F238E27FC236}">
-                <a16:creationId xmlns:a16="http://schemas.microsoft.com/office/drawing/2014/main" id="{A5C9B47D-93AD-4E13-A47B-CE6B9DFE475F}"/>
+          <p:cNvPr id="152" name="연결선: 꺾임 151">
+            <a:extLst>
+              <a:ext uri="{FF2B5EF4-FFF2-40B4-BE49-F238E27FC236}">
+                <a16:creationId xmlns:a16="http://schemas.microsoft.com/office/drawing/2014/main" id="{01B83677-0074-41F2-8A46-0913349C7EF8}"/>
               </a:ext>
             </a:extLst>
           </p:cNvPr>
           <p:cNvCxnSpPr>
             <a:cxnSpLocks/>
-            <a:endCxn id="112" idx="1"/>
+            <a:endCxn id="148" idx="1"/>
           </p:cNvCxnSpPr>
           <p:nvPr/>
         </p:nvCxnSpPr>
         <p:spPr>
           <a:xfrm rot="10800000" flipV="1">
-            <a:off x="2855311" y="1961366"/>
+            <a:off x="5583283" y="1961366"/>
             <a:ext cx="3" cy="2713369"/>
           </a:xfrm>
           <a:prstGeom prst="bentConnector3">
@@ -6240,22 +8010,22 @@
       </p:cxnSp>
       <p:cxnSp>
         <p:nvCxnSpPr>
-          <p:cNvPr id="117" name="연결선: 꺾임 116">
-            <a:extLst>
-              <a:ext uri="{FF2B5EF4-FFF2-40B4-BE49-F238E27FC236}">
-                <a16:creationId xmlns:a16="http://schemas.microsoft.com/office/drawing/2014/main" id="{AA90BAA3-F7A1-4C1F-B6BF-FF5337962FBB}"/>
+          <p:cNvPr id="153" name="연결선: 꺾임 152">
+            <a:extLst>
+              <a:ext uri="{FF2B5EF4-FFF2-40B4-BE49-F238E27FC236}">
+                <a16:creationId xmlns:a16="http://schemas.microsoft.com/office/drawing/2014/main" id="{EF85A672-0586-4A4F-878E-1A37F9925EEA}"/>
               </a:ext>
             </a:extLst>
           </p:cNvPr>
           <p:cNvCxnSpPr>
             <a:cxnSpLocks/>
-            <a:endCxn id="113" idx="1"/>
+            <a:endCxn id="149" idx="1"/>
           </p:cNvCxnSpPr>
           <p:nvPr/>
         </p:nvCxnSpPr>
         <p:spPr>
           <a:xfrm rot="10800000" flipV="1">
-            <a:off x="2855313" y="1961367"/>
+            <a:off x="5583285" y="1961367"/>
             <a:ext cx="12700" cy="3678492"/>
           </a:xfrm>
           <a:prstGeom prst="bentConnector3">
@@ -6284,10 +8054,10 @@
       </p:cxnSp>
       <p:sp>
         <p:nvSpPr>
-          <p:cNvPr id="118" name="직사각형 117">
-            <a:extLst>
-              <a:ext uri="{FF2B5EF4-FFF2-40B4-BE49-F238E27FC236}">
-                <a16:creationId xmlns:a16="http://schemas.microsoft.com/office/drawing/2014/main" id="{B098163F-1C93-43AB-ACC6-41C3C9D8BF93}"/>
+          <p:cNvPr id="154" name="직사각형 153">
+            <a:extLst>
+              <a:ext uri="{FF2B5EF4-FFF2-40B4-BE49-F238E27FC236}">
+                <a16:creationId xmlns:a16="http://schemas.microsoft.com/office/drawing/2014/main" id="{6C1146F1-A961-4F98-B783-7A0256390F9C}"/>
               </a:ext>
             </a:extLst>
           </p:cNvPr>
@@ -6296,7 +8066,7 @@
         </p:nvSpPr>
         <p:spPr>
           <a:xfrm>
-            <a:off x="4041583" y="2625716"/>
+            <a:off x="6769555" y="2625716"/>
             <a:ext cx="1025434" cy="237546"/>
           </a:xfrm>
           <a:prstGeom prst="rect">
@@ -6305,67 +8075,11 @@
           <a:solidFill>
             <a:schemeClr val="bg1"/>
           </a:solidFill>
-        </p:spPr>
-        <p:style>
-          <a:lnRef idx="2">
-            <a:schemeClr val="accent1">
-              <a:shade val="50000"/>
-            </a:schemeClr>
-          </a:lnRef>
-          <a:fillRef idx="1">
-            <a:schemeClr val="accent1"/>
-          </a:fillRef>
-          <a:effectRef idx="0">
-            <a:schemeClr val="accent1"/>
-          </a:effectRef>
-          <a:fontRef idx="minor">
-            <a:schemeClr val="lt1"/>
-          </a:fontRef>
-        </p:style>
-        <p:txBody>
-          <a:bodyPr rtlCol="0" anchor="ctr"/>
-          <a:lstStyle/>
-          <a:p>
-            <a:pPr algn="ctr"/>
-            <a:r>
-              <a:rPr lang="ko-KR" altLang="en-US" sz="1400" dirty="0" err="1">
-                <a:solidFill>
-                  <a:schemeClr val="tx1"/>
-                </a:solidFill>
-              </a:rPr>
-              <a:t>올레드</a:t>
-            </a:r>
-            <a:endParaRPr lang="ko-KR" altLang="en-US" sz="1400" dirty="0">
-              <a:solidFill>
-                <a:schemeClr val="tx1"/>
-              </a:solidFill>
-            </a:endParaRPr>
-          </a:p>
-        </p:txBody>
-      </p:sp>
-      <p:sp>
-        <p:nvSpPr>
-          <p:cNvPr id="119" name="직사각형 118">
-            <a:extLst>
-              <a:ext uri="{FF2B5EF4-FFF2-40B4-BE49-F238E27FC236}">
-                <a16:creationId xmlns:a16="http://schemas.microsoft.com/office/drawing/2014/main" id="{6FCB33CC-E094-442C-9069-FF87244ED7CF}"/>
-              </a:ext>
-            </a:extLst>
-          </p:cNvPr>
-          <p:cNvSpPr/>
-          <p:nvPr/>
-        </p:nvSpPr>
-        <p:spPr>
-          <a:xfrm>
-            <a:off x="4041583" y="2878266"/>
-            <a:ext cx="1025434" cy="237546"/>
-          </a:xfrm>
-          <a:prstGeom prst="rect">
-            <a:avLst/>
-          </a:prstGeom>
-          <a:solidFill>
-            <a:schemeClr val="bg1"/>
-          </a:solidFill>
+          <a:ln>
+            <a:solidFill>
+              <a:srgbClr val="FF0000"/>
+            </a:solidFill>
+          </a:ln>
         </p:spPr>
         <p:style>
           <a:lnRef idx="2">
@@ -6396,13 +8110,220 @@
               </a:rPr>
               <a:t>게이밍</a:t>
             </a:r>
+            <a:endParaRPr lang="ko-KR" altLang="en-US" sz="1400" dirty="0">
+              <a:solidFill>
+                <a:schemeClr val="tx1"/>
+              </a:solidFill>
+            </a:endParaRPr>
+          </a:p>
+        </p:txBody>
+      </p:sp>
+      <p:sp>
+        <p:nvSpPr>
+          <p:cNvPr id="155" name="직사각형 154">
+            <a:extLst>
+              <a:ext uri="{FF2B5EF4-FFF2-40B4-BE49-F238E27FC236}">
+                <a16:creationId xmlns:a16="http://schemas.microsoft.com/office/drawing/2014/main" id="{3A940C2D-93ED-4202-96FE-EA7EF87BC4CD}"/>
+              </a:ext>
+            </a:extLst>
+          </p:cNvPr>
+          <p:cNvSpPr/>
+          <p:nvPr/>
+        </p:nvSpPr>
+        <p:spPr>
+          <a:xfrm>
+            <a:off x="6769555" y="2878266"/>
+            <a:ext cx="1025434" cy="237546"/>
+          </a:xfrm>
+          <a:prstGeom prst="rect">
+            <a:avLst/>
+          </a:prstGeom>
+          <a:solidFill>
+            <a:schemeClr val="bg1"/>
+          </a:solidFill>
+          <a:ln>
+            <a:solidFill>
+              <a:schemeClr val="tx1"/>
+            </a:solidFill>
+          </a:ln>
+        </p:spPr>
+        <p:style>
+          <a:lnRef idx="2">
+            <a:schemeClr val="accent1">
+              <a:shade val="50000"/>
+            </a:schemeClr>
+          </a:lnRef>
+          <a:fillRef idx="1">
+            <a:schemeClr val="accent1"/>
+          </a:fillRef>
+          <a:effectRef idx="0">
+            <a:schemeClr val="accent1"/>
+          </a:effectRef>
+          <a:fontRef idx="minor">
+            <a:schemeClr val="lt1"/>
+          </a:fontRef>
+        </p:style>
+        <p:txBody>
+          <a:bodyPr rtlCol="0" anchor="ctr"/>
+          <a:lstStyle/>
+          <a:p>
+            <a:pPr algn="ctr"/>
+            <a:r>
+              <a:rPr lang="ko-KR" altLang="en-US" sz="1400" dirty="0" err="1">
+                <a:solidFill>
+                  <a:schemeClr val="tx1"/>
+                </a:solidFill>
+              </a:rPr>
+              <a:t>디자</a:t>
+            </a:r>
             <a:r>
               <a:rPr lang="en-US" altLang="ko-KR" sz="1400" dirty="0">
                 <a:solidFill>
                   <a:schemeClr val="tx1"/>
                 </a:solidFill>
               </a:rPr>
-              <a:t>TV</a:t>
+              <a:t>/</a:t>
+            </a:r>
+            <a:r>
+              <a:rPr lang="ko-KR" altLang="en-US" sz="1400" dirty="0">
+                <a:solidFill>
+                  <a:schemeClr val="tx1"/>
+                </a:solidFill>
+              </a:rPr>
+              <a:t>그래</a:t>
+            </a:r>
+          </a:p>
+        </p:txBody>
+      </p:sp>
+      <p:sp>
+        <p:nvSpPr>
+          <p:cNvPr id="156" name="직사각형 155">
+            <a:extLst>
+              <a:ext uri="{FF2B5EF4-FFF2-40B4-BE49-F238E27FC236}">
+                <a16:creationId xmlns:a16="http://schemas.microsoft.com/office/drawing/2014/main" id="{F2786B63-A2C9-454F-8568-4500FFA8514E}"/>
+              </a:ext>
+            </a:extLst>
+          </p:cNvPr>
+          <p:cNvSpPr/>
+          <p:nvPr/>
+        </p:nvSpPr>
+        <p:spPr>
+          <a:xfrm>
+            <a:off x="6769555" y="2373168"/>
+            <a:ext cx="1025434" cy="237546"/>
+          </a:xfrm>
+          <a:prstGeom prst="rect">
+            <a:avLst/>
+          </a:prstGeom>
+          <a:solidFill>
+            <a:schemeClr val="bg1"/>
+          </a:solidFill>
+          <a:ln>
+            <a:solidFill>
+              <a:srgbClr val="FF0000"/>
+            </a:solidFill>
+          </a:ln>
+        </p:spPr>
+        <p:style>
+          <a:lnRef idx="2">
+            <a:schemeClr val="accent1">
+              <a:shade val="50000"/>
+            </a:schemeClr>
+          </a:lnRef>
+          <a:fillRef idx="1">
+            <a:schemeClr val="accent1"/>
+          </a:fillRef>
+          <a:effectRef idx="0">
+            <a:schemeClr val="accent1"/>
+          </a:effectRef>
+          <a:fontRef idx="minor">
+            <a:schemeClr val="lt1"/>
+          </a:fontRef>
+        </p:style>
+        <p:txBody>
+          <a:bodyPr rtlCol="0" anchor="ctr"/>
+          <a:lstStyle/>
+          <a:p>
+            <a:pPr algn="ctr"/>
+            <a:r>
+              <a:rPr lang="ko-KR" altLang="en-US" sz="1400" dirty="0">
+                <a:solidFill>
+                  <a:schemeClr val="tx1"/>
+                </a:solidFill>
+              </a:rPr>
+              <a:t>사무</a:t>
+            </a:r>
+            <a:r>
+              <a:rPr lang="en-US" altLang="ko-KR" sz="1400" dirty="0">
+                <a:solidFill>
+                  <a:schemeClr val="tx1"/>
+                </a:solidFill>
+              </a:rPr>
+              <a:t>/</a:t>
+            </a:r>
+            <a:r>
+              <a:rPr lang="ko-KR" altLang="en-US" sz="1400" dirty="0">
+                <a:solidFill>
+                  <a:schemeClr val="tx1"/>
+                </a:solidFill>
+              </a:rPr>
+              <a:t>인강</a:t>
+            </a:r>
+          </a:p>
+        </p:txBody>
+      </p:sp>
+      <p:sp>
+        <p:nvSpPr>
+          <p:cNvPr id="157" name="직사각형 156">
+            <a:extLst>
+              <a:ext uri="{FF2B5EF4-FFF2-40B4-BE49-F238E27FC236}">
+                <a16:creationId xmlns:a16="http://schemas.microsoft.com/office/drawing/2014/main" id="{C87C1F89-6A96-41F7-8947-5BB1B913A290}"/>
+              </a:ext>
+            </a:extLst>
+          </p:cNvPr>
+          <p:cNvSpPr/>
+          <p:nvPr/>
+        </p:nvSpPr>
+        <p:spPr>
+          <a:xfrm>
+            <a:off x="6769555" y="3587781"/>
+            <a:ext cx="1025434" cy="237546"/>
+          </a:xfrm>
+          <a:prstGeom prst="rect">
+            <a:avLst/>
+          </a:prstGeom>
+          <a:solidFill>
+            <a:schemeClr val="bg1"/>
+          </a:solidFill>
+        </p:spPr>
+        <p:style>
+          <a:lnRef idx="2">
+            <a:schemeClr val="accent1">
+              <a:shade val="50000"/>
+            </a:schemeClr>
+          </a:lnRef>
+          <a:fillRef idx="1">
+            <a:schemeClr val="accent1"/>
+          </a:fillRef>
+          <a:effectRef idx="0">
+            <a:schemeClr val="accent1"/>
+          </a:effectRef>
+          <a:fontRef idx="minor">
+            <a:schemeClr val="lt1"/>
+          </a:fontRef>
+        </p:style>
+        <p:txBody>
+          <a:bodyPr rtlCol="0" anchor="ctr"/>
+          <a:lstStyle/>
+          <a:p>
+            <a:pPr algn="ctr"/>
+            <a:r>
+              <a:rPr lang="en-US" altLang="ko-KR" sz="1400" dirty="0">
+                <a:solidFill>
+                  <a:schemeClr val="tx1"/>
+                </a:solidFill>
+              </a:rPr>
+              <a:t>RAM</a:t>
             </a:r>
             <a:endParaRPr lang="ko-KR" altLang="en-US" sz="1400" dirty="0">
               <a:solidFill>
@@ -6414,10 +8335,10 @@
       </p:sp>
       <p:sp>
         <p:nvSpPr>
-          <p:cNvPr id="120" name="직사각형 119">
-            <a:extLst>
-              <a:ext uri="{FF2B5EF4-FFF2-40B4-BE49-F238E27FC236}">
-                <a16:creationId xmlns:a16="http://schemas.microsoft.com/office/drawing/2014/main" id="{B3FF4B76-0BCF-4123-9B9E-8119E4815A51}"/>
+          <p:cNvPr id="158" name="직사각형 157">
+            <a:extLst>
+              <a:ext uri="{FF2B5EF4-FFF2-40B4-BE49-F238E27FC236}">
+                <a16:creationId xmlns:a16="http://schemas.microsoft.com/office/drawing/2014/main" id="{DC011AA1-90BE-47A3-823F-8FB3A2F00523}"/>
               </a:ext>
             </a:extLst>
           </p:cNvPr>
@@ -6426,7 +8347,68 @@
         </p:nvSpPr>
         <p:spPr>
           <a:xfrm>
-            <a:off x="4041583" y="2373168"/>
+            <a:off x="6769555" y="3820851"/>
+            <a:ext cx="1025434" cy="237546"/>
+          </a:xfrm>
+          <a:prstGeom prst="rect">
+            <a:avLst/>
+          </a:prstGeom>
+          <a:solidFill>
+            <a:schemeClr val="bg1"/>
+          </a:solidFill>
+        </p:spPr>
+        <p:style>
+          <a:lnRef idx="2">
+            <a:schemeClr val="accent1">
+              <a:shade val="50000"/>
+            </a:schemeClr>
+          </a:lnRef>
+          <a:fillRef idx="1">
+            <a:schemeClr val="accent1"/>
+          </a:fillRef>
+          <a:effectRef idx="0">
+            <a:schemeClr val="accent1"/>
+          </a:effectRef>
+          <a:fontRef idx="minor">
+            <a:schemeClr val="lt1"/>
+          </a:fontRef>
+        </p:style>
+        <p:txBody>
+          <a:bodyPr rtlCol="0" anchor="ctr"/>
+          <a:lstStyle/>
+          <a:p>
+            <a:pPr algn="ctr"/>
+            <a:r>
+              <a:rPr lang="ko-KR" altLang="en-US" sz="1400" dirty="0" err="1">
+                <a:solidFill>
+                  <a:schemeClr val="tx1"/>
+                </a:solidFill>
+              </a:rPr>
+              <a:t>그래픽카</a:t>
+            </a:r>
+            <a:endParaRPr lang="ko-KR" altLang="en-US" sz="1400" dirty="0">
+              <a:solidFill>
+                <a:schemeClr val="tx1"/>
+              </a:solidFill>
+            </a:endParaRPr>
+          </a:p>
+        </p:txBody>
+      </p:sp>
+      <p:sp>
+        <p:nvSpPr>
+          <p:cNvPr id="159" name="직사각형 158">
+            <a:extLst>
+              <a:ext uri="{FF2B5EF4-FFF2-40B4-BE49-F238E27FC236}">
+                <a16:creationId xmlns:a16="http://schemas.microsoft.com/office/drawing/2014/main" id="{192F89AB-5646-457A-9F2F-DC212FA7BB22}"/>
+              </a:ext>
+            </a:extLst>
+          </p:cNvPr>
+          <p:cNvSpPr/>
+          <p:nvPr/>
+        </p:nvSpPr>
+        <p:spPr>
+          <a:xfrm>
+            <a:off x="6769555" y="3354711"/>
             <a:ext cx="1025434" cy="237546"/>
           </a:xfrm>
           <a:prstGeom prst="rect">
@@ -6463,15 +8445,7 @@
                   <a:schemeClr val="tx1"/>
                 </a:solidFill>
               </a:rPr>
-              <a:t>QLED</a:t>
-            </a:r>
-            <a:r>
-              <a:rPr lang="ko-KR" altLang="en-US" sz="1400" dirty="0" err="1">
-                <a:solidFill>
-                  <a:schemeClr val="tx1"/>
-                </a:solidFill>
-              </a:rPr>
-              <a:t>티비</a:t>
+              <a:t>CPU</a:t>
             </a:r>
             <a:endParaRPr lang="ko-KR" altLang="en-US" sz="1400" dirty="0">
               <a:solidFill>
@@ -6483,10 +8457,10 @@
       </p:sp>
       <p:sp>
         <p:nvSpPr>
-          <p:cNvPr id="121" name="직사각형 120">
-            <a:extLst>
-              <a:ext uri="{FF2B5EF4-FFF2-40B4-BE49-F238E27FC236}">
-                <a16:creationId xmlns:a16="http://schemas.microsoft.com/office/drawing/2014/main" id="{BF3EC12D-4A0D-4CF5-A618-42482844097C}"/>
+          <p:cNvPr id="160" name="직사각형 159">
+            <a:extLst>
+              <a:ext uri="{FF2B5EF4-FFF2-40B4-BE49-F238E27FC236}">
+                <a16:creationId xmlns:a16="http://schemas.microsoft.com/office/drawing/2014/main" id="{4DF965A5-3E72-49F5-8655-7283B2565440}"/>
               </a:ext>
             </a:extLst>
           </p:cNvPr>
@@ -6495,7 +8469,7 @@
         </p:nvSpPr>
         <p:spPr>
           <a:xfrm>
-            <a:off x="4041583" y="3587781"/>
+            <a:off x="6769555" y="4555962"/>
             <a:ext cx="1025434" cy="237546"/>
           </a:xfrm>
           <a:prstGeom prst="rect">
@@ -6527,12 +8501,12 @@
           <a:p>
             <a:pPr algn="ctr"/>
             <a:r>
-              <a:rPr lang="ko-KR" altLang="en-US" sz="1400" dirty="0" err="1">
+              <a:rPr lang="en-US" altLang="ko-KR" sz="1400" dirty="0">
                 <a:solidFill>
                   <a:schemeClr val="tx1"/>
                 </a:solidFill>
               </a:rPr>
-              <a:t>커피메이</a:t>
+              <a:t>HDD</a:t>
             </a:r>
             <a:endParaRPr lang="ko-KR" altLang="en-US" sz="1400" dirty="0">
               <a:solidFill>
@@ -6544,10 +8518,10 @@
       </p:sp>
       <p:sp>
         <p:nvSpPr>
-          <p:cNvPr id="122" name="직사각형 121">
-            <a:extLst>
-              <a:ext uri="{FF2B5EF4-FFF2-40B4-BE49-F238E27FC236}">
-                <a16:creationId xmlns:a16="http://schemas.microsoft.com/office/drawing/2014/main" id="{2387A2F9-0CDA-46C1-AE28-8B5681627744}"/>
+          <p:cNvPr id="161" name="직사각형 160">
+            <a:extLst>
+              <a:ext uri="{FF2B5EF4-FFF2-40B4-BE49-F238E27FC236}">
+                <a16:creationId xmlns:a16="http://schemas.microsoft.com/office/drawing/2014/main" id="{51C75399-71B6-4902-8922-CF802BFFBAB6}"/>
               </a:ext>
             </a:extLst>
           </p:cNvPr>
@@ -6556,7 +8530,7 @@
         </p:nvSpPr>
         <p:spPr>
           <a:xfrm>
-            <a:off x="4041583" y="3820851"/>
+            <a:off x="6769555" y="4793445"/>
             <a:ext cx="1025434" cy="237546"/>
           </a:xfrm>
           <a:prstGeom prst="rect">
@@ -6593,17 +8567,17 @@
                   <a:schemeClr val="tx1"/>
                 </a:solidFill>
               </a:rPr>
-              <a:t>에어프라</a:t>
-            </a:r>
-          </a:p>
-        </p:txBody>
-      </p:sp>
-      <p:sp>
-        <p:nvSpPr>
-          <p:cNvPr id="123" name="직사각형 122">
-            <a:extLst>
-              <a:ext uri="{FF2B5EF4-FFF2-40B4-BE49-F238E27FC236}">
-                <a16:creationId xmlns:a16="http://schemas.microsoft.com/office/drawing/2014/main" id="{4E98879E-8B94-478D-AB16-5103415ED9C9}"/>
+              <a:t>외장하드</a:t>
+            </a:r>
+          </a:p>
+        </p:txBody>
+      </p:sp>
+      <p:sp>
+        <p:nvSpPr>
+          <p:cNvPr id="162" name="직사각형 161">
+            <a:extLst>
+              <a:ext uri="{FF2B5EF4-FFF2-40B4-BE49-F238E27FC236}">
+                <a16:creationId xmlns:a16="http://schemas.microsoft.com/office/drawing/2014/main" id="{23C70C03-D677-44FD-9DB2-D6C19A5B5C64}"/>
               </a:ext>
             </a:extLst>
           </p:cNvPr>
@@ -6612,7 +8586,7 @@
         </p:nvSpPr>
         <p:spPr>
           <a:xfrm>
-            <a:off x="4041583" y="3354711"/>
+            <a:off x="6769555" y="4318416"/>
             <a:ext cx="1025434" cy="237546"/>
           </a:xfrm>
           <a:prstGeom prst="rect">
@@ -6621,6 +8595,72 @@
           <a:solidFill>
             <a:schemeClr val="bg1"/>
           </a:solidFill>
+        </p:spPr>
+        <p:style>
+          <a:lnRef idx="2">
+            <a:schemeClr val="accent1">
+              <a:shade val="50000"/>
+            </a:schemeClr>
+          </a:lnRef>
+          <a:fillRef idx="1">
+            <a:schemeClr val="accent1"/>
+          </a:fillRef>
+          <a:effectRef idx="0">
+            <a:schemeClr val="accent1"/>
+          </a:effectRef>
+          <a:fontRef idx="minor">
+            <a:schemeClr val="lt1"/>
+          </a:fontRef>
+        </p:style>
+        <p:txBody>
+          <a:bodyPr rtlCol="0" anchor="ctr"/>
+          <a:lstStyle/>
+          <a:p>
+            <a:pPr algn="ctr"/>
+            <a:r>
+              <a:rPr lang="en-US" altLang="ko-KR" sz="1400" dirty="0">
+                <a:solidFill>
+                  <a:schemeClr val="tx1"/>
+                </a:solidFill>
+              </a:rPr>
+              <a:t>SSD</a:t>
+            </a:r>
+            <a:endParaRPr lang="ko-KR" altLang="en-US" sz="1400" dirty="0">
+              <a:solidFill>
+                <a:schemeClr val="tx1"/>
+              </a:solidFill>
+            </a:endParaRPr>
+          </a:p>
+        </p:txBody>
+      </p:sp>
+      <p:sp>
+        <p:nvSpPr>
+          <p:cNvPr id="163" name="직사각형 162">
+            <a:extLst>
+              <a:ext uri="{FF2B5EF4-FFF2-40B4-BE49-F238E27FC236}">
+                <a16:creationId xmlns:a16="http://schemas.microsoft.com/office/drawing/2014/main" id="{B4614BE7-B15B-4FAE-97F7-3458CD970CDF}"/>
+              </a:ext>
+            </a:extLst>
+          </p:cNvPr>
+          <p:cNvSpPr/>
+          <p:nvPr/>
+        </p:nvSpPr>
+        <p:spPr>
+          <a:xfrm>
+            <a:off x="6769555" y="5521085"/>
+            <a:ext cx="1025434" cy="237546"/>
+          </a:xfrm>
+          <a:prstGeom prst="rect">
+            <a:avLst/>
+          </a:prstGeom>
+          <a:solidFill>
+            <a:schemeClr val="bg1"/>
+          </a:solidFill>
+          <a:ln>
+            <a:solidFill>
+              <a:srgbClr val="FF0000"/>
+            </a:solidFill>
+          </a:ln>
         </p:spPr>
         <p:style>
           <a:lnRef idx="2">
@@ -6649,17 +8689,17 @@
                   <a:schemeClr val="tx1"/>
                 </a:solidFill>
               </a:rPr>
-              <a:t>냉장고</a:t>
-            </a:r>
-          </a:p>
-        </p:txBody>
-      </p:sp>
-      <p:sp>
-        <p:nvSpPr>
-          <p:cNvPr id="124" name="직사각형 123">
-            <a:extLst>
-              <a:ext uri="{FF2B5EF4-FFF2-40B4-BE49-F238E27FC236}">
-                <a16:creationId xmlns:a16="http://schemas.microsoft.com/office/drawing/2014/main" id="{C6F8A146-F969-4748-A19D-09E230230720}"/>
+              <a:t>비즈니스</a:t>
+            </a:r>
+          </a:p>
+        </p:txBody>
+      </p:sp>
+      <p:sp>
+        <p:nvSpPr>
+          <p:cNvPr id="164" name="직사각형 163">
+            <a:extLst>
+              <a:ext uri="{FF2B5EF4-FFF2-40B4-BE49-F238E27FC236}">
+                <a16:creationId xmlns:a16="http://schemas.microsoft.com/office/drawing/2014/main" id="{9445E504-3EDB-4EEA-B6E3-C1AB1AF8B2D5}"/>
               </a:ext>
             </a:extLst>
           </p:cNvPr>
@@ -6668,7 +8708,7 @@
         </p:nvSpPr>
         <p:spPr>
           <a:xfrm>
-            <a:off x="4041583" y="4555962"/>
+            <a:off x="6769555" y="5758957"/>
             <a:ext cx="1025434" cy="237546"/>
           </a:xfrm>
           <a:prstGeom prst="rect">
@@ -6677,1362 +8717,11 @@
           <a:solidFill>
             <a:schemeClr val="bg1"/>
           </a:solidFill>
-        </p:spPr>
-        <p:style>
-          <a:lnRef idx="2">
-            <a:schemeClr val="accent1">
-              <a:shade val="50000"/>
-            </a:schemeClr>
-          </a:lnRef>
-          <a:fillRef idx="1">
-            <a:schemeClr val="accent1"/>
-          </a:fillRef>
-          <a:effectRef idx="0">
-            <a:schemeClr val="accent1"/>
-          </a:effectRef>
-          <a:fontRef idx="minor">
-            <a:schemeClr val="lt1"/>
-          </a:fontRef>
-        </p:style>
-        <p:txBody>
-          <a:bodyPr rtlCol="0" anchor="ctr"/>
-          <a:lstStyle/>
-          <a:p>
-            <a:pPr algn="ctr"/>
-            <a:r>
-              <a:rPr lang="ko-KR" altLang="en-US" sz="1400" dirty="0">
-                <a:solidFill>
-                  <a:schemeClr val="tx1"/>
-                </a:solidFill>
-              </a:rPr>
-              <a:t>유선형</a:t>
-            </a:r>
-          </a:p>
-        </p:txBody>
-      </p:sp>
-      <p:sp>
-        <p:nvSpPr>
-          <p:cNvPr id="125" name="직사각형 124">
-            <a:extLst>
-              <a:ext uri="{FF2B5EF4-FFF2-40B4-BE49-F238E27FC236}">
-                <a16:creationId xmlns:a16="http://schemas.microsoft.com/office/drawing/2014/main" id="{64375AFB-D204-4FF1-AFCF-8C09D6741D70}"/>
-              </a:ext>
-            </a:extLst>
-          </p:cNvPr>
-          <p:cNvSpPr/>
-          <p:nvPr/>
-        </p:nvSpPr>
-        <p:spPr>
-          <a:xfrm>
-            <a:off x="4041583" y="4793445"/>
-            <a:ext cx="1025434" cy="237546"/>
-          </a:xfrm>
-          <a:prstGeom prst="rect">
-            <a:avLst/>
-          </a:prstGeom>
-          <a:solidFill>
-            <a:schemeClr val="bg1"/>
-          </a:solidFill>
-        </p:spPr>
-        <p:style>
-          <a:lnRef idx="2">
-            <a:schemeClr val="accent1">
-              <a:shade val="50000"/>
-            </a:schemeClr>
-          </a:lnRef>
-          <a:fillRef idx="1">
-            <a:schemeClr val="accent1"/>
-          </a:fillRef>
-          <a:effectRef idx="0">
-            <a:schemeClr val="accent1"/>
-          </a:effectRef>
-          <a:fontRef idx="minor">
-            <a:schemeClr val="lt1"/>
-          </a:fontRef>
-        </p:style>
-        <p:txBody>
-          <a:bodyPr rtlCol="0" anchor="ctr"/>
-          <a:lstStyle/>
-          <a:p>
-            <a:pPr algn="ctr"/>
-            <a:r>
-              <a:rPr lang="ko-KR" altLang="en-US" sz="1400" dirty="0">
-                <a:solidFill>
-                  <a:schemeClr val="tx1"/>
-                </a:solidFill>
-              </a:rPr>
-              <a:t>블루레이</a:t>
-            </a:r>
-          </a:p>
-        </p:txBody>
-      </p:sp>
-      <p:sp>
-        <p:nvSpPr>
-          <p:cNvPr id="126" name="직사각형 125">
-            <a:extLst>
-              <a:ext uri="{FF2B5EF4-FFF2-40B4-BE49-F238E27FC236}">
-                <a16:creationId xmlns:a16="http://schemas.microsoft.com/office/drawing/2014/main" id="{9D3B7C15-47ED-4228-A318-6E466CD20E41}"/>
-              </a:ext>
-            </a:extLst>
-          </p:cNvPr>
-          <p:cNvSpPr/>
-          <p:nvPr/>
-        </p:nvSpPr>
-        <p:spPr>
-          <a:xfrm>
-            <a:off x="4041583" y="4318416"/>
-            <a:ext cx="1025434" cy="237546"/>
-          </a:xfrm>
-          <a:prstGeom prst="rect">
-            <a:avLst/>
-          </a:prstGeom>
-          <a:solidFill>
-            <a:schemeClr val="bg1"/>
-          </a:solidFill>
-        </p:spPr>
-        <p:style>
-          <a:lnRef idx="2">
-            <a:schemeClr val="accent1">
-              <a:shade val="50000"/>
-            </a:schemeClr>
-          </a:lnRef>
-          <a:fillRef idx="1">
-            <a:schemeClr val="accent1"/>
-          </a:fillRef>
-          <a:effectRef idx="0">
-            <a:schemeClr val="accent1"/>
-          </a:effectRef>
-          <a:fontRef idx="minor">
-            <a:schemeClr val="lt1"/>
-          </a:fontRef>
-        </p:style>
-        <p:txBody>
-          <a:bodyPr rtlCol="0" anchor="ctr"/>
-          <a:lstStyle/>
-          <a:p>
-            <a:pPr algn="ctr"/>
-            <a:r>
-              <a:rPr lang="ko-KR" altLang="en-US" sz="1400" dirty="0">
-                <a:solidFill>
-                  <a:schemeClr val="tx1"/>
-                </a:solidFill>
-              </a:rPr>
-              <a:t>블루투스</a:t>
-            </a:r>
-          </a:p>
-        </p:txBody>
-      </p:sp>
-      <p:sp>
-        <p:nvSpPr>
-          <p:cNvPr id="127" name="직사각형 126">
-            <a:extLst>
-              <a:ext uri="{FF2B5EF4-FFF2-40B4-BE49-F238E27FC236}">
-                <a16:creationId xmlns:a16="http://schemas.microsoft.com/office/drawing/2014/main" id="{FE6FD1EC-AE43-4B11-B970-47182B32F579}"/>
-              </a:ext>
-            </a:extLst>
-          </p:cNvPr>
-          <p:cNvSpPr/>
-          <p:nvPr/>
-        </p:nvSpPr>
-        <p:spPr>
-          <a:xfrm>
-            <a:off x="4041583" y="5521085"/>
-            <a:ext cx="1025434" cy="237546"/>
-          </a:xfrm>
-          <a:prstGeom prst="rect">
-            <a:avLst/>
-          </a:prstGeom>
-          <a:solidFill>
-            <a:schemeClr val="bg1"/>
-          </a:solidFill>
-        </p:spPr>
-        <p:style>
-          <a:lnRef idx="2">
-            <a:schemeClr val="accent1">
-              <a:shade val="50000"/>
-            </a:schemeClr>
-          </a:lnRef>
-          <a:fillRef idx="1">
-            <a:schemeClr val="accent1"/>
-          </a:fillRef>
-          <a:effectRef idx="0">
-            <a:schemeClr val="accent1"/>
-          </a:effectRef>
-          <a:fontRef idx="minor">
-            <a:schemeClr val="lt1"/>
-          </a:fontRef>
-        </p:style>
-        <p:txBody>
-          <a:bodyPr rtlCol="0" anchor="ctr"/>
-          <a:lstStyle/>
-          <a:p>
-            <a:pPr algn="ctr"/>
-            <a:r>
-              <a:rPr lang="ko-KR" altLang="en-US" sz="1400" dirty="0" err="1">
-                <a:solidFill>
-                  <a:schemeClr val="tx1"/>
-                </a:solidFill>
-              </a:rPr>
-              <a:t>리모콘</a:t>
-            </a:r>
-            <a:endParaRPr lang="ko-KR" altLang="en-US" sz="1400" dirty="0">
-              <a:solidFill>
-                <a:schemeClr val="tx1"/>
-              </a:solidFill>
-            </a:endParaRPr>
-          </a:p>
-        </p:txBody>
-      </p:sp>
-      <p:sp>
-        <p:nvSpPr>
-          <p:cNvPr id="128" name="직사각형 127">
-            <a:extLst>
-              <a:ext uri="{FF2B5EF4-FFF2-40B4-BE49-F238E27FC236}">
-                <a16:creationId xmlns:a16="http://schemas.microsoft.com/office/drawing/2014/main" id="{80B59EE6-24D8-4F24-AE27-778DA2A701EA}"/>
-              </a:ext>
-            </a:extLst>
-          </p:cNvPr>
-          <p:cNvSpPr/>
-          <p:nvPr/>
-        </p:nvSpPr>
-        <p:spPr>
-          <a:xfrm>
-            <a:off x="4041583" y="5758957"/>
-            <a:ext cx="1025434" cy="237546"/>
-          </a:xfrm>
-          <a:prstGeom prst="rect">
-            <a:avLst/>
-          </a:prstGeom>
-          <a:solidFill>
-            <a:schemeClr val="bg1"/>
-          </a:solidFill>
-        </p:spPr>
-        <p:style>
-          <a:lnRef idx="2">
-            <a:schemeClr val="accent1">
-              <a:shade val="50000"/>
-            </a:schemeClr>
-          </a:lnRef>
-          <a:fillRef idx="1">
-            <a:schemeClr val="accent1"/>
-          </a:fillRef>
-          <a:effectRef idx="0">
-            <a:schemeClr val="accent1"/>
-          </a:effectRef>
-          <a:fontRef idx="minor">
-            <a:schemeClr val="lt1"/>
-          </a:fontRef>
-        </p:style>
-        <p:txBody>
-          <a:bodyPr rtlCol="0" anchor="ctr"/>
-          <a:lstStyle/>
-          <a:p>
-            <a:pPr algn="ctr"/>
-            <a:r>
-              <a:rPr lang="ko-KR" altLang="en-US" sz="1400" dirty="0">
-                <a:solidFill>
-                  <a:schemeClr val="tx1"/>
-                </a:solidFill>
-              </a:rPr>
-              <a:t>케이블</a:t>
-            </a:r>
-          </a:p>
-        </p:txBody>
-      </p:sp>
-      <p:sp>
-        <p:nvSpPr>
-          <p:cNvPr id="129" name="직사각형 128">
-            <a:extLst>
-              <a:ext uri="{FF2B5EF4-FFF2-40B4-BE49-F238E27FC236}">
-                <a16:creationId xmlns:a16="http://schemas.microsoft.com/office/drawing/2014/main" id="{042F18A5-2F11-48B5-B9C9-884FDFC83000}"/>
-              </a:ext>
-            </a:extLst>
-          </p:cNvPr>
-          <p:cNvSpPr/>
-          <p:nvPr/>
-        </p:nvSpPr>
-        <p:spPr>
-          <a:xfrm>
-            <a:off x="4041583" y="5283539"/>
-            <a:ext cx="1025434" cy="237546"/>
-          </a:xfrm>
-          <a:prstGeom prst="rect">
-            <a:avLst/>
-          </a:prstGeom>
-          <a:solidFill>
-            <a:schemeClr val="bg1"/>
-          </a:solidFill>
-        </p:spPr>
-        <p:style>
-          <a:lnRef idx="2">
-            <a:schemeClr val="accent1">
-              <a:shade val="50000"/>
-            </a:schemeClr>
-          </a:lnRef>
-          <a:fillRef idx="1">
-            <a:schemeClr val="accent1"/>
-          </a:fillRef>
-          <a:effectRef idx="0">
-            <a:schemeClr val="accent1"/>
-          </a:effectRef>
-          <a:fontRef idx="minor">
-            <a:schemeClr val="lt1"/>
-          </a:fontRef>
-        </p:style>
-        <p:txBody>
-          <a:bodyPr rtlCol="0" anchor="ctr"/>
-          <a:lstStyle/>
-          <a:p>
-            <a:pPr algn="ctr"/>
-            <a:r>
-              <a:rPr lang="ko-KR" altLang="en-US" sz="1400" dirty="0" err="1">
-                <a:solidFill>
-                  <a:schemeClr val="tx1"/>
-                </a:solidFill>
-              </a:rPr>
-              <a:t>셋톱박스</a:t>
-            </a:r>
-            <a:endParaRPr lang="ko-KR" altLang="en-US" sz="1400" dirty="0">
-              <a:solidFill>
-                <a:schemeClr val="tx1"/>
-              </a:solidFill>
-            </a:endParaRPr>
-          </a:p>
-        </p:txBody>
-      </p:sp>
-      <p:cxnSp>
-        <p:nvCxnSpPr>
-          <p:cNvPr id="130" name="연결선: 꺾임 129">
-            <a:extLst>
-              <a:ext uri="{FF2B5EF4-FFF2-40B4-BE49-F238E27FC236}">
-                <a16:creationId xmlns:a16="http://schemas.microsoft.com/office/drawing/2014/main" id="{18DE497D-8691-4227-B6D0-8E61FEA70F73}"/>
-              </a:ext>
-            </a:extLst>
-          </p:cNvPr>
-          <p:cNvCxnSpPr>
-            <a:stCxn id="110" idx="3"/>
-            <a:endCxn id="120" idx="1"/>
-          </p:cNvCxnSpPr>
-          <p:nvPr/>
-        </p:nvCxnSpPr>
-        <p:spPr>
-          <a:xfrm flipV="1">
-            <a:off x="3880745" y="2491941"/>
-            <a:ext cx="160838" cy="252549"/>
-          </a:xfrm>
-          <a:prstGeom prst="bentConnector3">
-            <a:avLst/>
-          </a:prstGeom>
           <a:ln>
-            <a:tailEnd type="triangle"/>
+            <a:solidFill>
+              <a:srgbClr val="FF0000"/>
+            </a:solidFill>
           </a:ln>
-        </p:spPr>
-        <p:style>
-          <a:lnRef idx="1">
-            <a:schemeClr val="accent1"/>
-          </a:lnRef>
-          <a:fillRef idx="0">
-            <a:schemeClr val="accent1"/>
-          </a:fillRef>
-          <a:effectRef idx="0">
-            <a:schemeClr val="accent1"/>
-          </a:effectRef>
-          <a:fontRef idx="minor">
-            <a:schemeClr val="tx1"/>
-          </a:fontRef>
-        </p:style>
-      </p:cxnSp>
-      <p:cxnSp>
-        <p:nvCxnSpPr>
-          <p:cNvPr id="131" name="연결선: 꺾임 130">
-            <a:extLst>
-              <a:ext uri="{FF2B5EF4-FFF2-40B4-BE49-F238E27FC236}">
-                <a16:creationId xmlns:a16="http://schemas.microsoft.com/office/drawing/2014/main" id="{6DD2C06B-4456-4037-AA1C-43810DFDE498}"/>
-              </a:ext>
-            </a:extLst>
-          </p:cNvPr>
-          <p:cNvCxnSpPr>
-            <a:cxnSpLocks/>
-            <a:stCxn id="110" idx="3"/>
-            <a:endCxn id="118" idx="1"/>
-          </p:cNvCxnSpPr>
-          <p:nvPr/>
-        </p:nvCxnSpPr>
-        <p:spPr>
-          <a:xfrm flipV="1">
-            <a:off x="3880745" y="2744489"/>
-            <a:ext cx="160838" cy="1"/>
-          </a:xfrm>
-          <a:prstGeom prst="bentConnector3">
-            <a:avLst/>
-          </a:prstGeom>
-          <a:ln>
-            <a:tailEnd type="triangle"/>
-          </a:ln>
-        </p:spPr>
-        <p:style>
-          <a:lnRef idx="1">
-            <a:schemeClr val="accent1"/>
-          </a:lnRef>
-          <a:fillRef idx="0">
-            <a:schemeClr val="accent1"/>
-          </a:fillRef>
-          <a:effectRef idx="0">
-            <a:schemeClr val="accent1"/>
-          </a:effectRef>
-          <a:fontRef idx="minor">
-            <a:schemeClr val="tx1"/>
-          </a:fontRef>
-        </p:style>
-      </p:cxnSp>
-      <p:cxnSp>
-        <p:nvCxnSpPr>
-          <p:cNvPr id="132" name="연결선: 꺾임 131">
-            <a:extLst>
-              <a:ext uri="{FF2B5EF4-FFF2-40B4-BE49-F238E27FC236}">
-                <a16:creationId xmlns:a16="http://schemas.microsoft.com/office/drawing/2014/main" id="{663EA4B8-B468-43F5-A1F2-C908A317CB7A}"/>
-              </a:ext>
-            </a:extLst>
-          </p:cNvPr>
-          <p:cNvCxnSpPr>
-            <a:cxnSpLocks/>
-            <a:stCxn id="110" idx="3"/>
-            <a:endCxn id="119" idx="1"/>
-          </p:cNvCxnSpPr>
-          <p:nvPr/>
-        </p:nvCxnSpPr>
-        <p:spPr>
-          <a:xfrm>
-            <a:off x="3880745" y="2744490"/>
-            <a:ext cx="160838" cy="252549"/>
-          </a:xfrm>
-          <a:prstGeom prst="bentConnector3">
-            <a:avLst/>
-          </a:prstGeom>
-          <a:ln>
-            <a:tailEnd type="triangle"/>
-          </a:ln>
-        </p:spPr>
-        <p:style>
-          <a:lnRef idx="1">
-            <a:schemeClr val="accent1"/>
-          </a:lnRef>
-          <a:fillRef idx="0">
-            <a:schemeClr val="accent1"/>
-          </a:fillRef>
-          <a:effectRef idx="0">
-            <a:schemeClr val="accent1"/>
-          </a:effectRef>
-          <a:fontRef idx="minor">
-            <a:schemeClr val="tx1"/>
-          </a:fontRef>
-        </p:style>
-      </p:cxnSp>
-      <p:cxnSp>
-        <p:nvCxnSpPr>
-          <p:cNvPr id="133" name="연결선: 꺾임 132">
-            <a:extLst>
-              <a:ext uri="{FF2B5EF4-FFF2-40B4-BE49-F238E27FC236}">
-                <a16:creationId xmlns:a16="http://schemas.microsoft.com/office/drawing/2014/main" id="{C57ACA3D-8432-4035-94E2-5D63E626E1CF}"/>
-              </a:ext>
-            </a:extLst>
-          </p:cNvPr>
-          <p:cNvCxnSpPr>
-            <a:cxnSpLocks/>
-            <a:stCxn id="111" idx="3"/>
-            <a:endCxn id="123" idx="1"/>
-          </p:cNvCxnSpPr>
-          <p:nvPr/>
-        </p:nvCxnSpPr>
-        <p:spPr>
-          <a:xfrm flipV="1">
-            <a:off x="3880744" y="3473484"/>
-            <a:ext cx="160839" cy="236129"/>
-          </a:xfrm>
-          <a:prstGeom prst="bentConnector3">
-            <a:avLst/>
-          </a:prstGeom>
-          <a:ln>
-            <a:tailEnd type="triangle"/>
-          </a:ln>
-        </p:spPr>
-        <p:style>
-          <a:lnRef idx="1">
-            <a:schemeClr val="accent1"/>
-          </a:lnRef>
-          <a:fillRef idx="0">
-            <a:schemeClr val="accent1"/>
-          </a:fillRef>
-          <a:effectRef idx="0">
-            <a:schemeClr val="accent1"/>
-          </a:effectRef>
-          <a:fontRef idx="minor">
-            <a:schemeClr val="tx1"/>
-          </a:fontRef>
-        </p:style>
-      </p:cxnSp>
-      <p:cxnSp>
-        <p:nvCxnSpPr>
-          <p:cNvPr id="134" name="연결선: 꺾임 133">
-            <a:extLst>
-              <a:ext uri="{FF2B5EF4-FFF2-40B4-BE49-F238E27FC236}">
-                <a16:creationId xmlns:a16="http://schemas.microsoft.com/office/drawing/2014/main" id="{B75A45E7-9EDB-4D5E-9E63-025F256159C8}"/>
-              </a:ext>
-            </a:extLst>
-          </p:cNvPr>
-          <p:cNvCxnSpPr>
-            <a:cxnSpLocks/>
-            <a:stCxn id="111" idx="3"/>
-            <a:endCxn id="121" idx="1"/>
-          </p:cNvCxnSpPr>
-          <p:nvPr/>
-        </p:nvCxnSpPr>
-        <p:spPr>
-          <a:xfrm flipV="1">
-            <a:off x="3880744" y="3706554"/>
-            <a:ext cx="160839" cy="3059"/>
-          </a:xfrm>
-          <a:prstGeom prst="bentConnector3">
-            <a:avLst>
-              <a:gd name="adj1" fmla="val 50000"/>
-            </a:avLst>
-          </a:prstGeom>
-          <a:ln>
-            <a:tailEnd type="triangle"/>
-          </a:ln>
-        </p:spPr>
-        <p:style>
-          <a:lnRef idx="1">
-            <a:schemeClr val="accent1"/>
-          </a:lnRef>
-          <a:fillRef idx="0">
-            <a:schemeClr val="accent1"/>
-          </a:fillRef>
-          <a:effectRef idx="0">
-            <a:schemeClr val="accent1"/>
-          </a:effectRef>
-          <a:fontRef idx="minor">
-            <a:schemeClr val="tx1"/>
-          </a:fontRef>
-        </p:style>
-      </p:cxnSp>
-      <p:cxnSp>
-        <p:nvCxnSpPr>
-          <p:cNvPr id="135" name="연결선: 꺾임 134">
-            <a:extLst>
-              <a:ext uri="{FF2B5EF4-FFF2-40B4-BE49-F238E27FC236}">
-                <a16:creationId xmlns:a16="http://schemas.microsoft.com/office/drawing/2014/main" id="{E192BC7A-2E8A-4ECF-80E6-B2487740F9EB}"/>
-              </a:ext>
-            </a:extLst>
-          </p:cNvPr>
-          <p:cNvCxnSpPr>
-            <a:cxnSpLocks/>
-            <a:stCxn id="111" idx="3"/>
-            <a:endCxn id="122" idx="1"/>
-          </p:cNvCxnSpPr>
-          <p:nvPr/>
-        </p:nvCxnSpPr>
-        <p:spPr>
-          <a:xfrm>
-            <a:off x="3880744" y="3709613"/>
-            <a:ext cx="160839" cy="230011"/>
-          </a:xfrm>
-          <a:prstGeom prst="bentConnector3">
-            <a:avLst>
-              <a:gd name="adj1" fmla="val 50000"/>
-            </a:avLst>
-          </a:prstGeom>
-          <a:ln>
-            <a:tailEnd type="triangle"/>
-          </a:ln>
-        </p:spPr>
-        <p:style>
-          <a:lnRef idx="1">
-            <a:schemeClr val="accent1"/>
-          </a:lnRef>
-          <a:fillRef idx="0">
-            <a:schemeClr val="accent1"/>
-          </a:fillRef>
-          <a:effectRef idx="0">
-            <a:schemeClr val="accent1"/>
-          </a:effectRef>
-          <a:fontRef idx="minor">
-            <a:schemeClr val="tx1"/>
-          </a:fontRef>
-        </p:style>
-      </p:cxnSp>
-      <p:cxnSp>
-        <p:nvCxnSpPr>
-          <p:cNvPr id="136" name="연결선: 꺾임 135">
-            <a:extLst>
-              <a:ext uri="{FF2B5EF4-FFF2-40B4-BE49-F238E27FC236}">
-                <a16:creationId xmlns:a16="http://schemas.microsoft.com/office/drawing/2014/main" id="{BB986DBE-3DEA-4260-AA7F-665DF920783D}"/>
-              </a:ext>
-            </a:extLst>
-          </p:cNvPr>
-          <p:cNvCxnSpPr>
-            <a:cxnSpLocks/>
-            <a:stCxn id="112" idx="3"/>
-            <a:endCxn id="126" idx="1"/>
-          </p:cNvCxnSpPr>
-          <p:nvPr/>
-        </p:nvCxnSpPr>
-        <p:spPr>
-          <a:xfrm flipV="1">
-            <a:off x="3880744" y="4437189"/>
-            <a:ext cx="160839" cy="237547"/>
-          </a:xfrm>
-          <a:prstGeom prst="bentConnector3">
-            <a:avLst>
-              <a:gd name="adj1" fmla="val 50000"/>
-            </a:avLst>
-          </a:prstGeom>
-          <a:ln>
-            <a:tailEnd type="triangle"/>
-          </a:ln>
-        </p:spPr>
-        <p:style>
-          <a:lnRef idx="1">
-            <a:schemeClr val="accent1"/>
-          </a:lnRef>
-          <a:fillRef idx="0">
-            <a:schemeClr val="accent1"/>
-          </a:fillRef>
-          <a:effectRef idx="0">
-            <a:schemeClr val="accent1"/>
-          </a:effectRef>
-          <a:fontRef idx="minor">
-            <a:schemeClr val="tx1"/>
-          </a:fontRef>
-        </p:style>
-      </p:cxnSp>
-      <p:cxnSp>
-        <p:nvCxnSpPr>
-          <p:cNvPr id="137" name="연결선: 꺾임 136">
-            <a:extLst>
-              <a:ext uri="{FF2B5EF4-FFF2-40B4-BE49-F238E27FC236}">
-                <a16:creationId xmlns:a16="http://schemas.microsoft.com/office/drawing/2014/main" id="{A75617B8-E586-43A9-A529-9A546244D057}"/>
-              </a:ext>
-            </a:extLst>
-          </p:cNvPr>
-          <p:cNvCxnSpPr>
-            <a:cxnSpLocks/>
-            <a:stCxn id="112" idx="3"/>
-            <a:endCxn id="124" idx="1"/>
-          </p:cNvCxnSpPr>
-          <p:nvPr/>
-        </p:nvCxnSpPr>
-        <p:spPr>
-          <a:xfrm flipV="1">
-            <a:off x="3880744" y="4674735"/>
-            <a:ext cx="160839" cy="1"/>
-          </a:xfrm>
-          <a:prstGeom prst="bentConnector3">
-            <a:avLst>
-              <a:gd name="adj1" fmla="val 50000"/>
-            </a:avLst>
-          </a:prstGeom>
-          <a:ln>
-            <a:tailEnd type="triangle"/>
-          </a:ln>
-        </p:spPr>
-        <p:style>
-          <a:lnRef idx="1">
-            <a:schemeClr val="accent1"/>
-          </a:lnRef>
-          <a:fillRef idx="0">
-            <a:schemeClr val="accent1"/>
-          </a:fillRef>
-          <a:effectRef idx="0">
-            <a:schemeClr val="accent1"/>
-          </a:effectRef>
-          <a:fontRef idx="minor">
-            <a:schemeClr val="tx1"/>
-          </a:fontRef>
-        </p:style>
-      </p:cxnSp>
-      <p:cxnSp>
-        <p:nvCxnSpPr>
-          <p:cNvPr id="138" name="연결선: 꺾임 137">
-            <a:extLst>
-              <a:ext uri="{FF2B5EF4-FFF2-40B4-BE49-F238E27FC236}">
-                <a16:creationId xmlns:a16="http://schemas.microsoft.com/office/drawing/2014/main" id="{D1407393-660B-4647-8197-59DB2CCB41F6}"/>
-              </a:ext>
-            </a:extLst>
-          </p:cNvPr>
-          <p:cNvCxnSpPr>
-            <a:cxnSpLocks/>
-            <a:stCxn id="112" idx="3"/>
-            <a:endCxn id="125" idx="1"/>
-          </p:cNvCxnSpPr>
-          <p:nvPr/>
-        </p:nvCxnSpPr>
-        <p:spPr>
-          <a:xfrm>
-            <a:off x="3880744" y="4674736"/>
-            <a:ext cx="160839" cy="237482"/>
-          </a:xfrm>
-          <a:prstGeom prst="bentConnector3">
-            <a:avLst>
-              <a:gd name="adj1" fmla="val 50000"/>
-            </a:avLst>
-          </a:prstGeom>
-          <a:ln>
-            <a:tailEnd type="triangle"/>
-          </a:ln>
-        </p:spPr>
-        <p:style>
-          <a:lnRef idx="1">
-            <a:schemeClr val="accent1"/>
-          </a:lnRef>
-          <a:fillRef idx="0">
-            <a:schemeClr val="accent1"/>
-          </a:fillRef>
-          <a:effectRef idx="0">
-            <a:schemeClr val="accent1"/>
-          </a:effectRef>
-          <a:fontRef idx="minor">
-            <a:schemeClr val="tx1"/>
-          </a:fontRef>
-        </p:style>
-      </p:cxnSp>
-      <p:cxnSp>
-        <p:nvCxnSpPr>
-          <p:cNvPr id="139" name="연결선: 꺾임 138">
-            <a:extLst>
-              <a:ext uri="{FF2B5EF4-FFF2-40B4-BE49-F238E27FC236}">
-                <a16:creationId xmlns:a16="http://schemas.microsoft.com/office/drawing/2014/main" id="{AC4EDFC1-1809-4810-97AB-25A89207F1F6}"/>
-              </a:ext>
-            </a:extLst>
-          </p:cNvPr>
-          <p:cNvCxnSpPr>
-            <a:cxnSpLocks/>
-            <a:stCxn id="113" idx="3"/>
-            <a:endCxn id="129" idx="1"/>
-          </p:cNvCxnSpPr>
-          <p:nvPr/>
-        </p:nvCxnSpPr>
-        <p:spPr>
-          <a:xfrm flipV="1">
-            <a:off x="3880747" y="5402312"/>
-            <a:ext cx="160836" cy="237547"/>
-          </a:xfrm>
-          <a:prstGeom prst="bentConnector3">
-            <a:avLst>
-              <a:gd name="adj1" fmla="val 50000"/>
-            </a:avLst>
-          </a:prstGeom>
-          <a:ln>
-            <a:tailEnd type="triangle"/>
-          </a:ln>
-        </p:spPr>
-        <p:style>
-          <a:lnRef idx="1">
-            <a:schemeClr val="accent1"/>
-          </a:lnRef>
-          <a:fillRef idx="0">
-            <a:schemeClr val="accent1"/>
-          </a:fillRef>
-          <a:effectRef idx="0">
-            <a:schemeClr val="accent1"/>
-          </a:effectRef>
-          <a:fontRef idx="minor">
-            <a:schemeClr val="tx1"/>
-          </a:fontRef>
-        </p:style>
-      </p:cxnSp>
-      <p:cxnSp>
-        <p:nvCxnSpPr>
-          <p:cNvPr id="140" name="연결선: 꺾임 139">
-            <a:extLst>
-              <a:ext uri="{FF2B5EF4-FFF2-40B4-BE49-F238E27FC236}">
-                <a16:creationId xmlns:a16="http://schemas.microsoft.com/office/drawing/2014/main" id="{65D8A8CC-ECB2-4E67-8A1A-3381876CECC1}"/>
-              </a:ext>
-            </a:extLst>
-          </p:cNvPr>
-          <p:cNvCxnSpPr>
-            <a:cxnSpLocks/>
-            <a:endCxn id="127" idx="1"/>
-          </p:cNvCxnSpPr>
-          <p:nvPr/>
-        </p:nvCxnSpPr>
-        <p:spPr>
-          <a:xfrm>
-            <a:off x="3948507" y="5639858"/>
-            <a:ext cx="93076" cy="12700"/>
-          </a:xfrm>
-          <a:prstGeom prst="bentConnector3">
-            <a:avLst/>
-          </a:prstGeom>
-          <a:ln>
-            <a:tailEnd type="triangle"/>
-          </a:ln>
-        </p:spPr>
-        <p:style>
-          <a:lnRef idx="1">
-            <a:schemeClr val="accent1"/>
-          </a:lnRef>
-          <a:fillRef idx="0">
-            <a:schemeClr val="accent1"/>
-          </a:fillRef>
-          <a:effectRef idx="0">
-            <a:schemeClr val="accent1"/>
-          </a:effectRef>
-          <a:fontRef idx="minor">
-            <a:schemeClr val="tx1"/>
-          </a:fontRef>
-        </p:style>
-      </p:cxnSp>
-      <p:cxnSp>
-        <p:nvCxnSpPr>
-          <p:cNvPr id="141" name="연결선: 꺾임 140">
-            <a:extLst>
-              <a:ext uri="{FF2B5EF4-FFF2-40B4-BE49-F238E27FC236}">
-                <a16:creationId xmlns:a16="http://schemas.microsoft.com/office/drawing/2014/main" id="{320B0E8A-C4E8-4670-A76B-6095D3442C42}"/>
-              </a:ext>
-            </a:extLst>
-          </p:cNvPr>
-          <p:cNvCxnSpPr>
-            <a:cxnSpLocks/>
-            <a:stCxn id="113" idx="3"/>
-            <a:endCxn id="128" idx="1"/>
-          </p:cNvCxnSpPr>
-          <p:nvPr/>
-        </p:nvCxnSpPr>
-        <p:spPr>
-          <a:xfrm>
-            <a:off x="3880747" y="5639859"/>
-            <a:ext cx="160836" cy="237871"/>
-          </a:xfrm>
-          <a:prstGeom prst="bentConnector3">
-            <a:avLst>
-              <a:gd name="adj1" fmla="val 50000"/>
-            </a:avLst>
-          </a:prstGeom>
-          <a:ln>
-            <a:tailEnd type="triangle"/>
-          </a:ln>
-        </p:spPr>
-        <p:style>
-          <a:lnRef idx="1">
-            <a:schemeClr val="accent1"/>
-          </a:lnRef>
-          <a:fillRef idx="0">
-            <a:schemeClr val="accent1"/>
-          </a:fillRef>
-          <a:effectRef idx="0">
-            <a:schemeClr val="accent1"/>
-          </a:effectRef>
-          <a:fontRef idx="minor">
-            <a:schemeClr val="tx1"/>
-          </a:fontRef>
-        </p:style>
-      </p:cxnSp>
-      <p:sp>
-        <p:nvSpPr>
-          <p:cNvPr id="145" name="직사각형 144">
-            <a:extLst>
-              <a:ext uri="{FF2B5EF4-FFF2-40B4-BE49-F238E27FC236}">
-                <a16:creationId xmlns:a16="http://schemas.microsoft.com/office/drawing/2014/main" id="{10A953BE-C37D-4F4F-BE47-884DC715519D}"/>
-              </a:ext>
-            </a:extLst>
-          </p:cNvPr>
-          <p:cNvSpPr/>
-          <p:nvPr/>
-        </p:nvSpPr>
-        <p:spPr>
-          <a:xfrm>
-            <a:off x="5583285" y="1680753"/>
-            <a:ext cx="1025434" cy="505098"/>
-          </a:xfrm>
-          <a:prstGeom prst="rect">
-            <a:avLst/>
-          </a:prstGeom>
-          <a:solidFill>
-            <a:schemeClr val="bg1"/>
-          </a:solidFill>
-        </p:spPr>
-        <p:style>
-          <a:lnRef idx="2">
-            <a:schemeClr val="accent1">
-              <a:shade val="50000"/>
-            </a:schemeClr>
-          </a:lnRef>
-          <a:fillRef idx="1">
-            <a:schemeClr val="accent1"/>
-          </a:fillRef>
-          <a:effectRef idx="0">
-            <a:schemeClr val="accent1"/>
-          </a:effectRef>
-          <a:fontRef idx="minor">
-            <a:schemeClr val="lt1"/>
-          </a:fontRef>
-        </p:style>
-        <p:txBody>
-          <a:bodyPr rtlCol="0" anchor="ctr"/>
-          <a:lstStyle/>
-          <a:p>
-            <a:pPr algn="ctr"/>
-            <a:r>
-              <a:rPr lang="en-US" altLang="ko-KR" dirty="0">
-                <a:solidFill>
-                  <a:schemeClr val="tx1"/>
-                </a:solidFill>
-              </a:rPr>
-              <a:t>PC</a:t>
-            </a:r>
-            <a:endParaRPr lang="ko-KR" altLang="en-US" dirty="0">
-              <a:solidFill>
-                <a:schemeClr val="tx1"/>
-              </a:solidFill>
-            </a:endParaRPr>
-          </a:p>
-        </p:txBody>
-      </p:sp>
-      <p:sp>
-        <p:nvSpPr>
-          <p:cNvPr id="146" name="직사각형 145">
-            <a:extLst>
-              <a:ext uri="{FF2B5EF4-FFF2-40B4-BE49-F238E27FC236}">
-                <a16:creationId xmlns:a16="http://schemas.microsoft.com/office/drawing/2014/main" id="{D826C250-FE30-46D1-89AB-F959F928A693}"/>
-              </a:ext>
-            </a:extLst>
-          </p:cNvPr>
-          <p:cNvSpPr/>
-          <p:nvPr/>
-        </p:nvSpPr>
-        <p:spPr>
-          <a:xfrm>
-            <a:off x="5583283" y="2491941"/>
-            <a:ext cx="1025434" cy="505098"/>
-          </a:xfrm>
-          <a:prstGeom prst="rect">
-            <a:avLst/>
-          </a:prstGeom>
-          <a:solidFill>
-            <a:schemeClr val="bg1"/>
-          </a:solidFill>
-        </p:spPr>
-        <p:style>
-          <a:lnRef idx="2">
-            <a:schemeClr val="accent1">
-              <a:shade val="50000"/>
-            </a:schemeClr>
-          </a:lnRef>
-          <a:fillRef idx="1">
-            <a:schemeClr val="accent1"/>
-          </a:fillRef>
-          <a:effectRef idx="0">
-            <a:schemeClr val="accent1"/>
-          </a:effectRef>
-          <a:fontRef idx="minor">
-            <a:schemeClr val="lt1"/>
-          </a:fontRef>
-        </p:style>
-        <p:txBody>
-          <a:bodyPr rtlCol="0" anchor="ctr"/>
-          <a:lstStyle/>
-          <a:p>
-            <a:pPr algn="ctr"/>
-            <a:r>
-              <a:rPr lang="ko-KR" altLang="en-US" sz="1400" dirty="0">
-                <a:solidFill>
-                  <a:schemeClr val="tx1"/>
-                </a:solidFill>
-              </a:rPr>
-              <a:t>데스크탑</a:t>
-            </a:r>
-          </a:p>
-        </p:txBody>
-      </p:sp>
-      <p:sp>
-        <p:nvSpPr>
-          <p:cNvPr id="147" name="직사각형 146">
-            <a:extLst>
-              <a:ext uri="{FF2B5EF4-FFF2-40B4-BE49-F238E27FC236}">
-                <a16:creationId xmlns:a16="http://schemas.microsoft.com/office/drawing/2014/main" id="{D1DD6347-F260-4C16-B2E2-50201BB43F45}"/>
-              </a:ext>
-            </a:extLst>
-          </p:cNvPr>
-          <p:cNvSpPr/>
-          <p:nvPr/>
-        </p:nvSpPr>
-        <p:spPr>
-          <a:xfrm>
-            <a:off x="5583282" y="3457064"/>
-            <a:ext cx="1025434" cy="505098"/>
-          </a:xfrm>
-          <a:prstGeom prst="rect">
-            <a:avLst/>
-          </a:prstGeom>
-          <a:solidFill>
-            <a:schemeClr val="bg1"/>
-          </a:solidFill>
-        </p:spPr>
-        <p:style>
-          <a:lnRef idx="2">
-            <a:schemeClr val="accent1">
-              <a:shade val="50000"/>
-            </a:schemeClr>
-          </a:lnRef>
-          <a:fillRef idx="1">
-            <a:schemeClr val="accent1"/>
-          </a:fillRef>
-          <a:effectRef idx="0">
-            <a:schemeClr val="accent1"/>
-          </a:effectRef>
-          <a:fontRef idx="minor">
-            <a:schemeClr val="lt1"/>
-          </a:fontRef>
-        </p:style>
-        <p:txBody>
-          <a:bodyPr rtlCol="0" anchor="ctr"/>
-          <a:lstStyle/>
-          <a:p>
-            <a:pPr algn="ctr"/>
-            <a:r>
-              <a:rPr lang="en-US" altLang="ko-KR" sz="1400" dirty="0">
-                <a:solidFill>
-                  <a:schemeClr val="tx1"/>
-                </a:solidFill>
-              </a:rPr>
-              <a:t>PC</a:t>
-            </a:r>
-          </a:p>
-          <a:p>
-            <a:pPr algn="ctr"/>
-            <a:r>
-              <a:rPr lang="ko-KR" altLang="en-US" sz="1400" dirty="0">
-                <a:solidFill>
-                  <a:schemeClr val="tx1"/>
-                </a:solidFill>
-              </a:rPr>
-              <a:t>주요부품</a:t>
-            </a:r>
-          </a:p>
-        </p:txBody>
-      </p:sp>
-      <p:sp>
-        <p:nvSpPr>
-          <p:cNvPr id="148" name="직사각형 147">
-            <a:extLst>
-              <a:ext uri="{FF2B5EF4-FFF2-40B4-BE49-F238E27FC236}">
-                <a16:creationId xmlns:a16="http://schemas.microsoft.com/office/drawing/2014/main" id="{8473D9A3-3804-4080-B927-643FFD4DE3FE}"/>
-              </a:ext>
-            </a:extLst>
-          </p:cNvPr>
-          <p:cNvSpPr/>
-          <p:nvPr/>
-        </p:nvSpPr>
-        <p:spPr>
-          <a:xfrm>
-            <a:off x="5583282" y="4422187"/>
-            <a:ext cx="1025434" cy="505098"/>
-          </a:xfrm>
-          <a:prstGeom prst="rect">
-            <a:avLst/>
-          </a:prstGeom>
-          <a:solidFill>
-            <a:schemeClr val="bg1"/>
-          </a:solidFill>
-        </p:spPr>
-        <p:style>
-          <a:lnRef idx="2">
-            <a:schemeClr val="accent1">
-              <a:shade val="50000"/>
-            </a:schemeClr>
-          </a:lnRef>
-          <a:fillRef idx="1">
-            <a:schemeClr val="accent1"/>
-          </a:fillRef>
-          <a:effectRef idx="0">
-            <a:schemeClr val="accent1"/>
-          </a:effectRef>
-          <a:fontRef idx="minor">
-            <a:schemeClr val="lt1"/>
-          </a:fontRef>
-        </p:style>
-        <p:txBody>
-          <a:bodyPr rtlCol="0" anchor="ctr"/>
-          <a:lstStyle/>
-          <a:p>
-            <a:pPr algn="ctr"/>
-            <a:r>
-              <a:rPr lang="en-US" altLang="ko-KR" sz="1400" dirty="0">
-                <a:solidFill>
-                  <a:schemeClr val="tx1"/>
-                </a:solidFill>
-              </a:rPr>
-              <a:t>PC</a:t>
-            </a:r>
-          </a:p>
-          <a:p>
-            <a:pPr algn="ctr"/>
-            <a:r>
-              <a:rPr lang="ko-KR" altLang="en-US" sz="1400" dirty="0">
-                <a:solidFill>
-                  <a:schemeClr val="tx1"/>
-                </a:solidFill>
-              </a:rPr>
-              <a:t>저장장치</a:t>
-            </a:r>
-          </a:p>
-        </p:txBody>
-      </p:sp>
-      <p:sp>
-        <p:nvSpPr>
-          <p:cNvPr id="149" name="직사각형 148">
-            <a:extLst>
-              <a:ext uri="{FF2B5EF4-FFF2-40B4-BE49-F238E27FC236}">
-                <a16:creationId xmlns:a16="http://schemas.microsoft.com/office/drawing/2014/main" id="{21B7EBF0-C11B-4E17-9BB4-66705A0C8F90}"/>
-              </a:ext>
-            </a:extLst>
-          </p:cNvPr>
-          <p:cNvSpPr/>
-          <p:nvPr/>
-        </p:nvSpPr>
-        <p:spPr>
-          <a:xfrm>
-            <a:off x="5583285" y="5387310"/>
-            <a:ext cx="1025434" cy="505098"/>
-          </a:xfrm>
-          <a:prstGeom prst="rect">
-            <a:avLst/>
-          </a:prstGeom>
-          <a:solidFill>
-            <a:schemeClr val="bg1"/>
-          </a:solidFill>
-        </p:spPr>
-        <p:style>
-          <a:lnRef idx="2">
-            <a:schemeClr val="accent1">
-              <a:shade val="50000"/>
-            </a:schemeClr>
-          </a:lnRef>
-          <a:fillRef idx="1">
-            <a:schemeClr val="accent1"/>
-          </a:fillRef>
-          <a:effectRef idx="0">
-            <a:schemeClr val="accent1"/>
-          </a:effectRef>
-          <a:fontRef idx="minor">
-            <a:schemeClr val="lt1"/>
-          </a:fontRef>
-        </p:style>
-        <p:txBody>
-          <a:bodyPr rtlCol="0" anchor="ctr"/>
-          <a:lstStyle/>
-          <a:p>
-            <a:pPr algn="ctr"/>
-            <a:r>
-              <a:rPr lang="ko-KR" altLang="en-US" sz="1400" dirty="0">
-                <a:solidFill>
-                  <a:schemeClr val="tx1"/>
-                </a:solidFill>
-              </a:rPr>
-              <a:t>노트북</a:t>
-            </a:r>
-          </a:p>
-        </p:txBody>
-      </p:sp>
-      <p:cxnSp>
-        <p:nvCxnSpPr>
-          <p:cNvPr id="150" name="연결선: 꺾임 149">
-            <a:extLst>
-              <a:ext uri="{FF2B5EF4-FFF2-40B4-BE49-F238E27FC236}">
-                <a16:creationId xmlns:a16="http://schemas.microsoft.com/office/drawing/2014/main" id="{74E3A40F-702A-4AC2-8836-8E06DC72492A}"/>
-              </a:ext>
-            </a:extLst>
-          </p:cNvPr>
-          <p:cNvCxnSpPr>
-            <a:endCxn id="146" idx="1"/>
-          </p:cNvCxnSpPr>
-          <p:nvPr/>
-        </p:nvCxnSpPr>
-        <p:spPr>
-          <a:xfrm rot="10800000" flipV="1">
-            <a:off x="5583283" y="1961366"/>
-            <a:ext cx="2" cy="783123"/>
-          </a:xfrm>
-          <a:prstGeom prst="bentConnector3">
-            <a:avLst>
-              <a:gd name="adj1" fmla="val 11430100000"/>
-            </a:avLst>
-          </a:prstGeom>
-          <a:ln>
-            <a:tailEnd type="triangle"/>
-          </a:ln>
-        </p:spPr>
-        <p:style>
-          <a:lnRef idx="1">
-            <a:schemeClr val="accent1"/>
-          </a:lnRef>
-          <a:fillRef idx="0">
-            <a:schemeClr val="accent1"/>
-          </a:fillRef>
-          <a:effectRef idx="0">
-            <a:schemeClr val="accent1"/>
-          </a:effectRef>
-          <a:fontRef idx="minor">
-            <a:schemeClr val="tx1"/>
-          </a:fontRef>
-        </p:style>
-      </p:cxnSp>
-      <p:cxnSp>
-        <p:nvCxnSpPr>
-          <p:cNvPr id="151" name="연결선: 꺾임 150">
-            <a:extLst>
-              <a:ext uri="{FF2B5EF4-FFF2-40B4-BE49-F238E27FC236}">
-                <a16:creationId xmlns:a16="http://schemas.microsoft.com/office/drawing/2014/main" id="{68F6324B-794F-45BF-9AED-E6CAB7CE535E}"/>
-              </a:ext>
-            </a:extLst>
-          </p:cNvPr>
-          <p:cNvCxnSpPr>
-            <a:cxnSpLocks/>
-            <a:endCxn id="147" idx="1"/>
-          </p:cNvCxnSpPr>
-          <p:nvPr/>
-        </p:nvCxnSpPr>
-        <p:spPr>
-          <a:xfrm rot="10800000" flipV="1">
-            <a:off x="5583283" y="1961367"/>
-            <a:ext cx="3" cy="1748246"/>
-          </a:xfrm>
-          <a:prstGeom prst="bentConnector3">
-            <a:avLst>
-              <a:gd name="adj1" fmla="val 7620100000"/>
-            </a:avLst>
-          </a:prstGeom>
-          <a:ln>
-            <a:tailEnd type="triangle"/>
-          </a:ln>
-        </p:spPr>
-        <p:style>
-          <a:lnRef idx="1">
-            <a:schemeClr val="accent1"/>
-          </a:lnRef>
-          <a:fillRef idx="0">
-            <a:schemeClr val="accent1"/>
-          </a:fillRef>
-          <a:effectRef idx="0">
-            <a:schemeClr val="accent1"/>
-          </a:effectRef>
-          <a:fontRef idx="minor">
-            <a:schemeClr val="tx1"/>
-          </a:fontRef>
-        </p:style>
-      </p:cxnSp>
-      <p:cxnSp>
-        <p:nvCxnSpPr>
-          <p:cNvPr id="152" name="연결선: 꺾임 151">
-            <a:extLst>
-              <a:ext uri="{FF2B5EF4-FFF2-40B4-BE49-F238E27FC236}">
-                <a16:creationId xmlns:a16="http://schemas.microsoft.com/office/drawing/2014/main" id="{01B83677-0074-41F2-8A46-0913349C7EF8}"/>
-              </a:ext>
-            </a:extLst>
-          </p:cNvPr>
-          <p:cNvCxnSpPr>
-            <a:cxnSpLocks/>
-            <a:endCxn id="148" idx="1"/>
-          </p:cNvCxnSpPr>
-          <p:nvPr/>
-        </p:nvCxnSpPr>
-        <p:spPr>
-          <a:xfrm rot="10800000" flipV="1">
-            <a:off x="5583283" y="1961366"/>
-            <a:ext cx="3" cy="2713369"/>
-          </a:xfrm>
-          <a:prstGeom prst="bentConnector3">
-            <a:avLst>
-              <a:gd name="adj1" fmla="val 7620100000"/>
-            </a:avLst>
-          </a:prstGeom>
-          <a:ln>
-            <a:tailEnd type="triangle"/>
-          </a:ln>
-        </p:spPr>
-        <p:style>
-          <a:lnRef idx="1">
-            <a:schemeClr val="accent1"/>
-          </a:lnRef>
-          <a:fillRef idx="0">
-            <a:schemeClr val="accent1"/>
-          </a:fillRef>
-          <a:effectRef idx="0">
-            <a:schemeClr val="accent1"/>
-          </a:effectRef>
-          <a:fontRef idx="minor">
-            <a:schemeClr val="tx1"/>
-          </a:fontRef>
-        </p:style>
-      </p:cxnSp>
-      <p:cxnSp>
-        <p:nvCxnSpPr>
-          <p:cNvPr id="153" name="연결선: 꺾임 152">
-            <a:extLst>
-              <a:ext uri="{FF2B5EF4-FFF2-40B4-BE49-F238E27FC236}">
-                <a16:creationId xmlns:a16="http://schemas.microsoft.com/office/drawing/2014/main" id="{EF85A672-0586-4A4F-878E-1A37F9925EEA}"/>
-              </a:ext>
-            </a:extLst>
-          </p:cNvPr>
-          <p:cNvCxnSpPr>
-            <a:cxnSpLocks/>
-            <a:endCxn id="149" idx="1"/>
-          </p:cNvCxnSpPr>
-          <p:nvPr/>
-        </p:nvCxnSpPr>
-        <p:spPr>
-          <a:xfrm rot="10800000" flipV="1">
-            <a:off x="5583285" y="1961367"/>
-            <a:ext cx="12700" cy="3678492"/>
-          </a:xfrm>
-          <a:prstGeom prst="bentConnector3">
-            <a:avLst>
-              <a:gd name="adj1" fmla="val 1800000"/>
-            </a:avLst>
-          </a:prstGeom>
-          <a:ln>
-            <a:tailEnd type="triangle"/>
-          </a:ln>
-        </p:spPr>
-        <p:style>
-          <a:lnRef idx="1">
-            <a:schemeClr val="accent1"/>
-          </a:lnRef>
-          <a:fillRef idx="0">
-            <a:schemeClr val="accent1"/>
-          </a:fillRef>
-          <a:effectRef idx="0">
-            <a:schemeClr val="accent1"/>
-          </a:effectRef>
-          <a:fontRef idx="minor">
-            <a:schemeClr val="tx1"/>
-          </a:fontRef>
-        </p:style>
-      </p:cxnSp>
-      <p:sp>
-        <p:nvSpPr>
-          <p:cNvPr id="154" name="직사각형 153">
-            <a:extLst>
-              <a:ext uri="{FF2B5EF4-FFF2-40B4-BE49-F238E27FC236}">
-                <a16:creationId xmlns:a16="http://schemas.microsoft.com/office/drawing/2014/main" id="{6C1146F1-A961-4F98-B783-7A0256390F9C}"/>
-              </a:ext>
-            </a:extLst>
-          </p:cNvPr>
-          <p:cNvSpPr/>
-          <p:nvPr/>
-        </p:nvSpPr>
-        <p:spPr>
-          <a:xfrm>
-            <a:off x="6769555" y="2625716"/>
-            <a:ext cx="1025434" cy="237546"/>
-          </a:xfrm>
-          <a:prstGeom prst="rect">
-            <a:avLst/>
-          </a:prstGeom>
-          <a:solidFill>
-            <a:schemeClr val="bg1"/>
-          </a:solidFill>
         </p:spPr>
         <p:style>
           <a:lnRef idx="2">
@@ -8073,10 +8762,10 @@
       </p:sp>
       <p:sp>
         <p:nvSpPr>
-          <p:cNvPr id="155" name="직사각형 154">
-            <a:extLst>
-              <a:ext uri="{FF2B5EF4-FFF2-40B4-BE49-F238E27FC236}">
-                <a16:creationId xmlns:a16="http://schemas.microsoft.com/office/drawing/2014/main" id="{3A940C2D-93ED-4202-96FE-EA7EF87BC4CD}"/>
+          <p:cNvPr id="165" name="직사각형 164">
+            <a:extLst>
+              <a:ext uri="{FF2B5EF4-FFF2-40B4-BE49-F238E27FC236}">
+                <a16:creationId xmlns:a16="http://schemas.microsoft.com/office/drawing/2014/main" id="{B210E820-D21D-4D8E-B898-AE2626E67F32}"/>
               </a:ext>
             </a:extLst>
           </p:cNvPr>
@@ -8085,7 +8774,7 @@
         </p:nvSpPr>
         <p:spPr>
           <a:xfrm>
-            <a:off x="6769555" y="2878266"/>
+            <a:off x="6769555" y="5283539"/>
             <a:ext cx="1025434" cy="237546"/>
           </a:xfrm>
           <a:prstGeom prst="rect">
@@ -8094,628 +8783,11 @@
           <a:solidFill>
             <a:schemeClr val="bg1"/>
           </a:solidFill>
-        </p:spPr>
-        <p:style>
-          <a:lnRef idx="2">
-            <a:schemeClr val="accent1">
-              <a:shade val="50000"/>
-            </a:schemeClr>
-          </a:lnRef>
-          <a:fillRef idx="1">
-            <a:schemeClr val="accent1"/>
-          </a:fillRef>
-          <a:effectRef idx="0">
-            <a:schemeClr val="accent1"/>
-          </a:effectRef>
-          <a:fontRef idx="minor">
-            <a:schemeClr val="lt1"/>
-          </a:fontRef>
-        </p:style>
-        <p:txBody>
-          <a:bodyPr rtlCol="0" anchor="ctr"/>
-          <a:lstStyle/>
-          <a:p>
-            <a:pPr algn="ctr"/>
-            <a:r>
-              <a:rPr lang="ko-KR" altLang="en-US" sz="1400" dirty="0" err="1">
-                <a:solidFill>
-                  <a:schemeClr val="tx1"/>
-                </a:solidFill>
-              </a:rPr>
-              <a:t>디자</a:t>
-            </a:r>
-            <a:r>
-              <a:rPr lang="en-US" altLang="ko-KR" sz="1400" dirty="0">
-                <a:solidFill>
-                  <a:schemeClr val="tx1"/>
-                </a:solidFill>
-              </a:rPr>
-              <a:t>/</a:t>
-            </a:r>
-            <a:r>
-              <a:rPr lang="ko-KR" altLang="en-US" sz="1400" dirty="0">
-                <a:solidFill>
-                  <a:schemeClr val="tx1"/>
-                </a:solidFill>
-              </a:rPr>
-              <a:t>그래</a:t>
-            </a:r>
-          </a:p>
-        </p:txBody>
-      </p:sp>
-      <p:sp>
-        <p:nvSpPr>
-          <p:cNvPr id="156" name="직사각형 155">
-            <a:extLst>
-              <a:ext uri="{FF2B5EF4-FFF2-40B4-BE49-F238E27FC236}">
-                <a16:creationId xmlns:a16="http://schemas.microsoft.com/office/drawing/2014/main" id="{F2786B63-A2C9-454F-8568-4500FFA8514E}"/>
-              </a:ext>
-            </a:extLst>
-          </p:cNvPr>
-          <p:cNvSpPr/>
-          <p:nvPr/>
-        </p:nvSpPr>
-        <p:spPr>
-          <a:xfrm>
-            <a:off x="6769555" y="2373168"/>
-            <a:ext cx="1025434" cy="237546"/>
-          </a:xfrm>
-          <a:prstGeom prst="rect">
-            <a:avLst/>
-          </a:prstGeom>
-          <a:solidFill>
-            <a:schemeClr val="bg1"/>
-          </a:solidFill>
-        </p:spPr>
-        <p:style>
-          <a:lnRef idx="2">
-            <a:schemeClr val="accent1">
-              <a:shade val="50000"/>
-            </a:schemeClr>
-          </a:lnRef>
-          <a:fillRef idx="1">
-            <a:schemeClr val="accent1"/>
-          </a:fillRef>
-          <a:effectRef idx="0">
-            <a:schemeClr val="accent1"/>
-          </a:effectRef>
-          <a:fontRef idx="minor">
-            <a:schemeClr val="lt1"/>
-          </a:fontRef>
-        </p:style>
-        <p:txBody>
-          <a:bodyPr rtlCol="0" anchor="ctr"/>
-          <a:lstStyle/>
-          <a:p>
-            <a:pPr algn="ctr"/>
-            <a:r>
-              <a:rPr lang="ko-KR" altLang="en-US" sz="1400" dirty="0">
-                <a:solidFill>
-                  <a:schemeClr val="tx1"/>
-                </a:solidFill>
-              </a:rPr>
-              <a:t>사무</a:t>
-            </a:r>
-            <a:r>
-              <a:rPr lang="en-US" altLang="ko-KR" sz="1400" dirty="0">
-                <a:solidFill>
-                  <a:schemeClr val="tx1"/>
-                </a:solidFill>
-              </a:rPr>
-              <a:t>/</a:t>
-            </a:r>
-            <a:r>
-              <a:rPr lang="ko-KR" altLang="en-US" sz="1400" dirty="0">
-                <a:solidFill>
-                  <a:schemeClr val="tx1"/>
-                </a:solidFill>
-              </a:rPr>
-              <a:t>인강</a:t>
-            </a:r>
-          </a:p>
-        </p:txBody>
-      </p:sp>
-      <p:sp>
-        <p:nvSpPr>
-          <p:cNvPr id="157" name="직사각형 156">
-            <a:extLst>
-              <a:ext uri="{FF2B5EF4-FFF2-40B4-BE49-F238E27FC236}">
-                <a16:creationId xmlns:a16="http://schemas.microsoft.com/office/drawing/2014/main" id="{C87C1F89-6A96-41F7-8947-5BB1B913A290}"/>
-              </a:ext>
-            </a:extLst>
-          </p:cNvPr>
-          <p:cNvSpPr/>
-          <p:nvPr/>
-        </p:nvSpPr>
-        <p:spPr>
-          <a:xfrm>
-            <a:off x="6769555" y="3587781"/>
-            <a:ext cx="1025434" cy="237546"/>
-          </a:xfrm>
-          <a:prstGeom prst="rect">
-            <a:avLst/>
-          </a:prstGeom>
-          <a:solidFill>
-            <a:schemeClr val="bg1"/>
-          </a:solidFill>
-        </p:spPr>
-        <p:style>
-          <a:lnRef idx="2">
-            <a:schemeClr val="accent1">
-              <a:shade val="50000"/>
-            </a:schemeClr>
-          </a:lnRef>
-          <a:fillRef idx="1">
-            <a:schemeClr val="accent1"/>
-          </a:fillRef>
-          <a:effectRef idx="0">
-            <a:schemeClr val="accent1"/>
-          </a:effectRef>
-          <a:fontRef idx="minor">
-            <a:schemeClr val="lt1"/>
-          </a:fontRef>
-        </p:style>
-        <p:txBody>
-          <a:bodyPr rtlCol="0" anchor="ctr"/>
-          <a:lstStyle/>
-          <a:p>
-            <a:pPr algn="ctr"/>
-            <a:r>
-              <a:rPr lang="en-US" altLang="ko-KR" sz="1400" dirty="0">
-                <a:solidFill>
-                  <a:schemeClr val="tx1"/>
-                </a:solidFill>
-              </a:rPr>
-              <a:t>RAM</a:t>
-            </a:r>
-            <a:endParaRPr lang="ko-KR" altLang="en-US" sz="1400" dirty="0">
-              <a:solidFill>
-                <a:schemeClr val="tx1"/>
-              </a:solidFill>
-            </a:endParaRPr>
-          </a:p>
-        </p:txBody>
-      </p:sp>
-      <p:sp>
-        <p:nvSpPr>
-          <p:cNvPr id="158" name="직사각형 157">
-            <a:extLst>
-              <a:ext uri="{FF2B5EF4-FFF2-40B4-BE49-F238E27FC236}">
-                <a16:creationId xmlns:a16="http://schemas.microsoft.com/office/drawing/2014/main" id="{DC011AA1-90BE-47A3-823F-8FB3A2F00523}"/>
-              </a:ext>
-            </a:extLst>
-          </p:cNvPr>
-          <p:cNvSpPr/>
-          <p:nvPr/>
-        </p:nvSpPr>
-        <p:spPr>
-          <a:xfrm>
-            <a:off x="6769555" y="3820851"/>
-            <a:ext cx="1025434" cy="237546"/>
-          </a:xfrm>
-          <a:prstGeom prst="rect">
-            <a:avLst/>
-          </a:prstGeom>
-          <a:solidFill>
-            <a:schemeClr val="bg1"/>
-          </a:solidFill>
-        </p:spPr>
-        <p:style>
-          <a:lnRef idx="2">
-            <a:schemeClr val="accent1">
-              <a:shade val="50000"/>
-            </a:schemeClr>
-          </a:lnRef>
-          <a:fillRef idx="1">
-            <a:schemeClr val="accent1"/>
-          </a:fillRef>
-          <a:effectRef idx="0">
-            <a:schemeClr val="accent1"/>
-          </a:effectRef>
-          <a:fontRef idx="minor">
-            <a:schemeClr val="lt1"/>
-          </a:fontRef>
-        </p:style>
-        <p:txBody>
-          <a:bodyPr rtlCol="0" anchor="ctr"/>
-          <a:lstStyle/>
-          <a:p>
-            <a:pPr algn="ctr"/>
-            <a:r>
-              <a:rPr lang="ko-KR" altLang="en-US" sz="1400" dirty="0" err="1">
-                <a:solidFill>
-                  <a:schemeClr val="tx1"/>
-                </a:solidFill>
-              </a:rPr>
-              <a:t>그래픽카</a:t>
-            </a:r>
-            <a:endParaRPr lang="ko-KR" altLang="en-US" sz="1400" dirty="0">
-              <a:solidFill>
-                <a:schemeClr val="tx1"/>
-              </a:solidFill>
-            </a:endParaRPr>
-          </a:p>
-        </p:txBody>
-      </p:sp>
-      <p:sp>
-        <p:nvSpPr>
-          <p:cNvPr id="159" name="직사각형 158">
-            <a:extLst>
-              <a:ext uri="{FF2B5EF4-FFF2-40B4-BE49-F238E27FC236}">
-                <a16:creationId xmlns:a16="http://schemas.microsoft.com/office/drawing/2014/main" id="{192F89AB-5646-457A-9F2F-DC212FA7BB22}"/>
-              </a:ext>
-            </a:extLst>
-          </p:cNvPr>
-          <p:cNvSpPr/>
-          <p:nvPr/>
-        </p:nvSpPr>
-        <p:spPr>
-          <a:xfrm>
-            <a:off x="6769555" y="3354711"/>
-            <a:ext cx="1025434" cy="237546"/>
-          </a:xfrm>
-          <a:prstGeom prst="rect">
-            <a:avLst/>
-          </a:prstGeom>
-          <a:solidFill>
-            <a:schemeClr val="bg1"/>
-          </a:solidFill>
-        </p:spPr>
-        <p:style>
-          <a:lnRef idx="2">
-            <a:schemeClr val="accent1">
-              <a:shade val="50000"/>
-            </a:schemeClr>
-          </a:lnRef>
-          <a:fillRef idx="1">
-            <a:schemeClr val="accent1"/>
-          </a:fillRef>
-          <a:effectRef idx="0">
-            <a:schemeClr val="accent1"/>
-          </a:effectRef>
-          <a:fontRef idx="minor">
-            <a:schemeClr val="lt1"/>
-          </a:fontRef>
-        </p:style>
-        <p:txBody>
-          <a:bodyPr rtlCol="0" anchor="ctr"/>
-          <a:lstStyle/>
-          <a:p>
-            <a:pPr algn="ctr"/>
-            <a:r>
-              <a:rPr lang="en-US" altLang="ko-KR" sz="1400" dirty="0">
-                <a:solidFill>
-                  <a:schemeClr val="tx1"/>
-                </a:solidFill>
-              </a:rPr>
-              <a:t>CPU</a:t>
-            </a:r>
-            <a:endParaRPr lang="ko-KR" altLang="en-US" sz="1400" dirty="0">
-              <a:solidFill>
-                <a:schemeClr val="tx1"/>
-              </a:solidFill>
-            </a:endParaRPr>
-          </a:p>
-        </p:txBody>
-      </p:sp>
-      <p:sp>
-        <p:nvSpPr>
-          <p:cNvPr id="160" name="직사각형 159">
-            <a:extLst>
-              <a:ext uri="{FF2B5EF4-FFF2-40B4-BE49-F238E27FC236}">
-                <a16:creationId xmlns:a16="http://schemas.microsoft.com/office/drawing/2014/main" id="{4DF965A5-3E72-49F5-8655-7283B2565440}"/>
-              </a:ext>
-            </a:extLst>
-          </p:cNvPr>
-          <p:cNvSpPr/>
-          <p:nvPr/>
-        </p:nvSpPr>
-        <p:spPr>
-          <a:xfrm>
-            <a:off x="6769555" y="4555962"/>
-            <a:ext cx="1025434" cy="237546"/>
-          </a:xfrm>
-          <a:prstGeom prst="rect">
-            <a:avLst/>
-          </a:prstGeom>
-          <a:solidFill>
-            <a:schemeClr val="bg1"/>
-          </a:solidFill>
-        </p:spPr>
-        <p:style>
-          <a:lnRef idx="2">
-            <a:schemeClr val="accent1">
-              <a:shade val="50000"/>
-            </a:schemeClr>
-          </a:lnRef>
-          <a:fillRef idx="1">
-            <a:schemeClr val="accent1"/>
-          </a:fillRef>
-          <a:effectRef idx="0">
-            <a:schemeClr val="accent1"/>
-          </a:effectRef>
-          <a:fontRef idx="minor">
-            <a:schemeClr val="lt1"/>
-          </a:fontRef>
-        </p:style>
-        <p:txBody>
-          <a:bodyPr rtlCol="0" anchor="ctr"/>
-          <a:lstStyle/>
-          <a:p>
-            <a:pPr algn="ctr"/>
-            <a:r>
-              <a:rPr lang="en-US" altLang="ko-KR" sz="1400" dirty="0">
-                <a:solidFill>
-                  <a:schemeClr val="tx1"/>
-                </a:solidFill>
-              </a:rPr>
-              <a:t>HDD</a:t>
-            </a:r>
-            <a:endParaRPr lang="ko-KR" altLang="en-US" sz="1400" dirty="0">
-              <a:solidFill>
-                <a:schemeClr val="tx1"/>
-              </a:solidFill>
-            </a:endParaRPr>
-          </a:p>
-        </p:txBody>
-      </p:sp>
-      <p:sp>
-        <p:nvSpPr>
-          <p:cNvPr id="161" name="직사각형 160">
-            <a:extLst>
-              <a:ext uri="{FF2B5EF4-FFF2-40B4-BE49-F238E27FC236}">
-                <a16:creationId xmlns:a16="http://schemas.microsoft.com/office/drawing/2014/main" id="{51C75399-71B6-4902-8922-CF802BFFBAB6}"/>
-              </a:ext>
-            </a:extLst>
-          </p:cNvPr>
-          <p:cNvSpPr/>
-          <p:nvPr/>
-        </p:nvSpPr>
-        <p:spPr>
-          <a:xfrm>
-            <a:off x="6769555" y="4793445"/>
-            <a:ext cx="1025434" cy="237546"/>
-          </a:xfrm>
-          <a:prstGeom prst="rect">
-            <a:avLst/>
-          </a:prstGeom>
-          <a:solidFill>
-            <a:schemeClr val="bg1"/>
-          </a:solidFill>
-        </p:spPr>
-        <p:style>
-          <a:lnRef idx="2">
-            <a:schemeClr val="accent1">
-              <a:shade val="50000"/>
-            </a:schemeClr>
-          </a:lnRef>
-          <a:fillRef idx="1">
-            <a:schemeClr val="accent1"/>
-          </a:fillRef>
-          <a:effectRef idx="0">
-            <a:schemeClr val="accent1"/>
-          </a:effectRef>
-          <a:fontRef idx="minor">
-            <a:schemeClr val="lt1"/>
-          </a:fontRef>
-        </p:style>
-        <p:txBody>
-          <a:bodyPr rtlCol="0" anchor="ctr"/>
-          <a:lstStyle/>
-          <a:p>
-            <a:pPr algn="ctr"/>
-            <a:r>
-              <a:rPr lang="ko-KR" altLang="en-US" sz="1400" dirty="0">
-                <a:solidFill>
-                  <a:schemeClr val="tx1"/>
-                </a:solidFill>
-              </a:rPr>
-              <a:t>외장하드</a:t>
-            </a:r>
-          </a:p>
-        </p:txBody>
-      </p:sp>
-      <p:sp>
-        <p:nvSpPr>
-          <p:cNvPr id="162" name="직사각형 161">
-            <a:extLst>
-              <a:ext uri="{FF2B5EF4-FFF2-40B4-BE49-F238E27FC236}">
-                <a16:creationId xmlns:a16="http://schemas.microsoft.com/office/drawing/2014/main" id="{23C70C03-D677-44FD-9DB2-D6C19A5B5C64}"/>
-              </a:ext>
-            </a:extLst>
-          </p:cNvPr>
-          <p:cNvSpPr/>
-          <p:nvPr/>
-        </p:nvSpPr>
-        <p:spPr>
-          <a:xfrm>
-            <a:off x="6769555" y="4318416"/>
-            <a:ext cx="1025434" cy="237546"/>
-          </a:xfrm>
-          <a:prstGeom prst="rect">
-            <a:avLst/>
-          </a:prstGeom>
-          <a:solidFill>
-            <a:schemeClr val="bg1"/>
-          </a:solidFill>
-        </p:spPr>
-        <p:style>
-          <a:lnRef idx="2">
-            <a:schemeClr val="accent1">
-              <a:shade val="50000"/>
-            </a:schemeClr>
-          </a:lnRef>
-          <a:fillRef idx="1">
-            <a:schemeClr val="accent1"/>
-          </a:fillRef>
-          <a:effectRef idx="0">
-            <a:schemeClr val="accent1"/>
-          </a:effectRef>
-          <a:fontRef idx="minor">
-            <a:schemeClr val="lt1"/>
-          </a:fontRef>
-        </p:style>
-        <p:txBody>
-          <a:bodyPr rtlCol="0" anchor="ctr"/>
-          <a:lstStyle/>
-          <a:p>
-            <a:pPr algn="ctr"/>
-            <a:r>
-              <a:rPr lang="en-US" altLang="ko-KR" sz="1400" dirty="0">
-                <a:solidFill>
-                  <a:schemeClr val="tx1"/>
-                </a:solidFill>
-              </a:rPr>
-              <a:t>SSD</a:t>
-            </a:r>
-            <a:endParaRPr lang="ko-KR" altLang="en-US" sz="1400" dirty="0">
-              <a:solidFill>
-                <a:schemeClr val="tx1"/>
-              </a:solidFill>
-            </a:endParaRPr>
-          </a:p>
-        </p:txBody>
-      </p:sp>
-      <p:sp>
-        <p:nvSpPr>
-          <p:cNvPr id="163" name="직사각형 162">
-            <a:extLst>
-              <a:ext uri="{FF2B5EF4-FFF2-40B4-BE49-F238E27FC236}">
-                <a16:creationId xmlns:a16="http://schemas.microsoft.com/office/drawing/2014/main" id="{B4614BE7-B15B-4FAE-97F7-3458CD970CDF}"/>
-              </a:ext>
-            </a:extLst>
-          </p:cNvPr>
-          <p:cNvSpPr/>
-          <p:nvPr/>
-        </p:nvSpPr>
-        <p:spPr>
-          <a:xfrm>
-            <a:off x="6769555" y="5521085"/>
-            <a:ext cx="1025434" cy="237546"/>
-          </a:xfrm>
-          <a:prstGeom prst="rect">
-            <a:avLst/>
-          </a:prstGeom>
-          <a:solidFill>
-            <a:schemeClr val="bg1"/>
-          </a:solidFill>
-        </p:spPr>
-        <p:style>
-          <a:lnRef idx="2">
-            <a:schemeClr val="accent1">
-              <a:shade val="50000"/>
-            </a:schemeClr>
-          </a:lnRef>
-          <a:fillRef idx="1">
-            <a:schemeClr val="accent1"/>
-          </a:fillRef>
-          <a:effectRef idx="0">
-            <a:schemeClr val="accent1"/>
-          </a:effectRef>
-          <a:fontRef idx="minor">
-            <a:schemeClr val="lt1"/>
-          </a:fontRef>
-        </p:style>
-        <p:txBody>
-          <a:bodyPr rtlCol="0" anchor="ctr"/>
-          <a:lstStyle/>
-          <a:p>
-            <a:pPr algn="ctr"/>
-            <a:r>
-              <a:rPr lang="ko-KR" altLang="en-US" sz="1400" dirty="0">
-                <a:solidFill>
-                  <a:schemeClr val="tx1"/>
-                </a:solidFill>
-              </a:rPr>
-              <a:t>비즈니스</a:t>
-            </a:r>
-          </a:p>
-        </p:txBody>
-      </p:sp>
-      <p:sp>
-        <p:nvSpPr>
-          <p:cNvPr id="164" name="직사각형 163">
-            <a:extLst>
-              <a:ext uri="{FF2B5EF4-FFF2-40B4-BE49-F238E27FC236}">
-                <a16:creationId xmlns:a16="http://schemas.microsoft.com/office/drawing/2014/main" id="{9445E504-3EDB-4EEA-B6E3-C1AB1AF8B2D5}"/>
-              </a:ext>
-            </a:extLst>
-          </p:cNvPr>
-          <p:cNvSpPr/>
-          <p:nvPr/>
-        </p:nvSpPr>
-        <p:spPr>
-          <a:xfrm>
-            <a:off x="6769555" y="5758957"/>
-            <a:ext cx="1025434" cy="237546"/>
-          </a:xfrm>
-          <a:prstGeom prst="rect">
-            <a:avLst/>
-          </a:prstGeom>
-          <a:solidFill>
-            <a:schemeClr val="bg1"/>
-          </a:solidFill>
-        </p:spPr>
-        <p:style>
-          <a:lnRef idx="2">
-            <a:schemeClr val="accent1">
-              <a:shade val="50000"/>
-            </a:schemeClr>
-          </a:lnRef>
-          <a:fillRef idx="1">
-            <a:schemeClr val="accent1"/>
-          </a:fillRef>
-          <a:effectRef idx="0">
-            <a:schemeClr val="accent1"/>
-          </a:effectRef>
-          <a:fontRef idx="minor">
-            <a:schemeClr val="lt1"/>
-          </a:fontRef>
-        </p:style>
-        <p:txBody>
-          <a:bodyPr rtlCol="0" anchor="ctr"/>
-          <a:lstStyle/>
-          <a:p>
-            <a:pPr algn="ctr"/>
-            <a:r>
-              <a:rPr lang="ko-KR" altLang="en-US" sz="1400" dirty="0" err="1">
-                <a:solidFill>
-                  <a:schemeClr val="tx1"/>
-                </a:solidFill>
-              </a:rPr>
-              <a:t>게이밍</a:t>
-            </a:r>
-            <a:endParaRPr lang="ko-KR" altLang="en-US" sz="1400" dirty="0">
-              <a:solidFill>
-                <a:schemeClr val="tx1"/>
-              </a:solidFill>
-            </a:endParaRPr>
-          </a:p>
-        </p:txBody>
-      </p:sp>
-      <p:sp>
-        <p:nvSpPr>
-          <p:cNvPr id="165" name="직사각형 164">
-            <a:extLst>
-              <a:ext uri="{FF2B5EF4-FFF2-40B4-BE49-F238E27FC236}">
-                <a16:creationId xmlns:a16="http://schemas.microsoft.com/office/drawing/2014/main" id="{B210E820-D21D-4D8E-B898-AE2626E67F32}"/>
-              </a:ext>
-            </a:extLst>
-          </p:cNvPr>
-          <p:cNvSpPr/>
-          <p:nvPr/>
-        </p:nvSpPr>
-        <p:spPr>
-          <a:xfrm>
-            <a:off x="6769555" y="5283539"/>
-            <a:ext cx="1025434" cy="237546"/>
-          </a:xfrm>
-          <a:prstGeom prst="rect">
-            <a:avLst/>
-          </a:prstGeom>
-          <a:solidFill>
-            <a:schemeClr val="bg1"/>
-          </a:solidFill>
+          <a:ln>
+            <a:solidFill>
+              <a:schemeClr val="tx1"/>
+            </a:solidFill>
+          </a:ln>
         </p:spPr>
         <p:style>
           <a:lnRef idx="2">
@@ -9305,6 +9377,11 @@
           <a:solidFill>
             <a:schemeClr val="bg1"/>
           </a:solidFill>
+          <a:ln>
+            <a:solidFill>
+              <a:srgbClr val="FF0000"/>
+            </a:solidFill>
+          </a:ln>
         </p:spPr>
         <p:style>
           <a:lnRef idx="2">
@@ -9361,6 +9438,11 @@
           <a:solidFill>
             <a:schemeClr val="bg1"/>
           </a:solidFill>
+          <a:ln>
+            <a:solidFill>
+              <a:srgbClr val="FF0000"/>
+            </a:solidFill>
+          </a:ln>
         </p:spPr>
         <p:style>
           <a:lnRef idx="2">
@@ -9417,6 +9499,11 @@
           <a:solidFill>
             <a:schemeClr val="bg1"/>
           </a:solidFill>
+          <a:ln>
+            <a:solidFill>
+              <a:srgbClr val="FF0000"/>
+            </a:solidFill>
+          </a:ln>
         </p:spPr>
         <p:style>
           <a:lnRef idx="2">
@@ -9781,6 +9868,11 @@
           <a:solidFill>
             <a:schemeClr val="bg1"/>
           </a:solidFill>
+          <a:ln>
+            <a:solidFill>
+              <a:schemeClr val="tx1"/>
+            </a:solidFill>
+          </a:ln>
         </p:spPr>
         <p:style>
           <a:lnRef idx="2">
@@ -9898,6 +9990,11 @@
           <a:solidFill>
             <a:schemeClr val="bg1"/>
           </a:solidFill>
+          <a:ln>
+            <a:solidFill>
+              <a:schemeClr val="tx1"/>
+            </a:solidFill>
+          </a:ln>
         </p:spPr>
         <p:style>
           <a:lnRef idx="2">
@@ -9954,6 +10051,11 @@
           <a:solidFill>
             <a:schemeClr val="bg1"/>
           </a:solidFill>
+          <a:ln>
+            <a:solidFill>
+              <a:schemeClr val="tx1"/>
+            </a:solidFill>
+          </a:ln>
         </p:spPr>
         <p:style>
           <a:lnRef idx="2">
@@ -10023,6 +10125,11 @@
           <a:solidFill>
             <a:schemeClr val="bg1"/>
           </a:solidFill>
+          <a:ln>
+            <a:solidFill>
+              <a:schemeClr val="tx1"/>
+            </a:solidFill>
+          </a:ln>
         </p:spPr>
         <p:style>
           <a:lnRef idx="2">
@@ -10079,6 +10186,11 @@
           <a:solidFill>
             <a:schemeClr val="bg1"/>
           </a:solidFill>
+          <a:ln>
+            <a:solidFill>
+              <a:schemeClr val="tx1"/>
+            </a:solidFill>
+          </a:ln>
         </p:spPr>
         <p:style>
           <a:lnRef idx="2">

--- a/프로젝트/조별과제 카테고리 분류 방안(예시).pptx
+++ b/프로젝트/조별과제 카테고리 분류 방안(예시).pptx
@@ -10,7 +10,6 @@
     <p:sldId id="260" r:id="rId4"/>
     <p:sldId id="259" r:id="rId5"/>
     <p:sldId id="258" r:id="rId6"/>
-    <p:sldId id="257" r:id="rId7"/>
   </p:sldIdLst>
   <p:sldSz cx="12192000" cy="6858000"/>
   <p:notesSz cx="6858000" cy="9144000"/>
@@ -264,7 +263,7 @@
           <a:p>
             <a:fld id="{72D06881-E12F-4FB7-8DFB-2CFD27D570A7}" type="datetimeFigureOut">
               <a:rPr lang="ko-KR" altLang="en-US" smtClean="0"/>
-              <a:t>2021-10-09</a:t>
+              <a:t>2021-10-12</a:t>
             </a:fld>
             <a:endParaRPr lang="ko-KR" altLang="en-US"/>
           </a:p>
@@ -462,7 +461,7 @@
           <a:p>
             <a:fld id="{72D06881-E12F-4FB7-8DFB-2CFD27D570A7}" type="datetimeFigureOut">
               <a:rPr lang="ko-KR" altLang="en-US" smtClean="0"/>
-              <a:t>2021-10-09</a:t>
+              <a:t>2021-10-12</a:t>
             </a:fld>
             <a:endParaRPr lang="ko-KR" altLang="en-US"/>
           </a:p>
@@ -670,7 +669,7 @@
           <a:p>
             <a:fld id="{72D06881-E12F-4FB7-8DFB-2CFD27D570A7}" type="datetimeFigureOut">
               <a:rPr lang="ko-KR" altLang="en-US" smtClean="0"/>
-              <a:t>2021-10-09</a:t>
+              <a:t>2021-10-12</a:t>
             </a:fld>
             <a:endParaRPr lang="ko-KR" altLang="en-US"/>
           </a:p>
@@ -868,7 +867,7 @@
           <a:p>
             <a:fld id="{72D06881-E12F-4FB7-8DFB-2CFD27D570A7}" type="datetimeFigureOut">
               <a:rPr lang="ko-KR" altLang="en-US" smtClean="0"/>
-              <a:t>2021-10-09</a:t>
+              <a:t>2021-10-12</a:t>
             </a:fld>
             <a:endParaRPr lang="ko-KR" altLang="en-US"/>
           </a:p>
@@ -1143,7 +1142,7 @@
           <a:p>
             <a:fld id="{72D06881-E12F-4FB7-8DFB-2CFD27D570A7}" type="datetimeFigureOut">
               <a:rPr lang="ko-KR" altLang="en-US" smtClean="0"/>
-              <a:t>2021-10-09</a:t>
+              <a:t>2021-10-12</a:t>
             </a:fld>
             <a:endParaRPr lang="ko-KR" altLang="en-US"/>
           </a:p>
@@ -1408,7 +1407,7 @@
           <a:p>
             <a:fld id="{72D06881-E12F-4FB7-8DFB-2CFD27D570A7}" type="datetimeFigureOut">
               <a:rPr lang="ko-KR" altLang="en-US" smtClean="0"/>
-              <a:t>2021-10-09</a:t>
+              <a:t>2021-10-12</a:t>
             </a:fld>
             <a:endParaRPr lang="ko-KR" altLang="en-US"/>
           </a:p>
@@ -1820,7 +1819,7 @@
           <a:p>
             <a:fld id="{72D06881-E12F-4FB7-8DFB-2CFD27D570A7}" type="datetimeFigureOut">
               <a:rPr lang="ko-KR" altLang="en-US" smtClean="0"/>
-              <a:t>2021-10-09</a:t>
+              <a:t>2021-10-12</a:t>
             </a:fld>
             <a:endParaRPr lang="ko-KR" altLang="en-US"/>
           </a:p>
@@ -1961,7 +1960,7 @@
           <a:p>
             <a:fld id="{72D06881-E12F-4FB7-8DFB-2CFD27D570A7}" type="datetimeFigureOut">
               <a:rPr lang="ko-KR" altLang="en-US" smtClean="0"/>
-              <a:t>2021-10-09</a:t>
+              <a:t>2021-10-12</a:t>
             </a:fld>
             <a:endParaRPr lang="ko-KR" altLang="en-US"/>
           </a:p>
@@ -2074,7 +2073,7 @@
           <a:p>
             <a:fld id="{72D06881-E12F-4FB7-8DFB-2CFD27D570A7}" type="datetimeFigureOut">
               <a:rPr lang="ko-KR" altLang="en-US" smtClean="0"/>
-              <a:t>2021-10-09</a:t>
+              <a:t>2021-10-12</a:t>
             </a:fld>
             <a:endParaRPr lang="ko-KR" altLang="en-US"/>
           </a:p>
@@ -2385,7 +2384,7 @@
           <a:p>
             <a:fld id="{72D06881-E12F-4FB7-8DFB-2CFD27D570A7}" type="datetimeFigureOut">
               <a:rPr lang="ko-KR" altLang="en-US" smtClean="0"/>
-              <a:t>2021-10-09</a:t>
+              <a:t>2021-10-12</a:t>
             </a:fld>
             <a:endParaRPr lang="ko-KR" altLang="en-US"/>
           </a:p>
@@ -2673,7 +2672,7 @@
           <a:p>
             <a:fld id="{72D06881-E12F-4FB7-8DFB-2CFD27D570A7}" type="datetimeFigureOut">
               <a:rPr lang="ko-KR" altLang="en-US" smtClean="0"/>
-              <a:t>2021-10-09</a:t>
+              <a:t>2021-10-12</a:t>
             </a:fld>
             <a:endParaRPr lang="ko-KR" altLang="en-US"/>
           </a:p>
@@ -2914,7 +2913,7 @@
           <a:p>
             <a:fld id="{72D06881-E12F-4FB7-8DFB-2CFD27D570A7}" type="datetimeFigureOut">
               <a:rPr lang="ko-KR" altLang="en-US" smtClean="0"/>
-              <a:t>2021-10-09</a:t>
+              <a:t>2021-10-12</a:t>
             </a:fld>
             <a:endParaRPr lang="ko-KR" altLang="en-US"/>
           </a:p>
@@ -11244,86 +11243,6 @@
 </p:sld>
 </file>
 
-<file path=ppt/slides/slide6.xml><?xml version="1.0" encoding="utf-8"?>
-<p:sld xmlns:a="http://schemas.openxmlformats.org/drawingml/2006/main" xmlns:r="http://schemas.openxmlformats.org/officeDocument/2006/relationships" xmlns:p="http://schemas.openxmlformats.org/presentationml/2006/main">
-  <p:cSld>
-    <p:spTree>
-      <p:nvGrpSpPr>
-        <p:cNvPr id="1" name=""/>
-        <p:cNvGrpSpPr/>
-        <p:nvPr/>
-      </p:nvGrpSpPr>
-      <p:grpSpPr>
-        <a:xfrm>
-          <a:off x="0" y="0"/>
-          <a:ext cx="0" cy="0"/>
-          <a:chOff x="0" y="0"/>
-          <a:chExt cx="0" cy="0"/>
-        </a:xfrm>
-      </p:grpSpPr>
-      <p:sp>
-        <p:nvSpPr>
-          <p:cNvPr id="2" name="제목 1">
-            <a:extLst>
-              <a:ext uri="{FF2B5EF4-FFF2-40B4-BE49-F238E27FC236}">
-                <a16:creationId xmlns:a16="http://schemas.microsoft.com/office/drawing/2014/main" id="{BD3A2EC4-3D1A-4A29-8FE2-A49AE0E78730}"/>
-              </a:ext>
-            </a:extLst>
-          </p:cNvPr>
-          <p:cNvSpPr>
-            <a:spLocks noGrp="1"/>
-          </p:cNvSpPr>
-          <p:nvPr>
-            <p:ph type="title"/>
-          </p:nvPr>
-        </p:nvSpPr>
-        <p:spPr/>
-        <p:txBody>
-          <a:bodyPr/>
-          <a:lstStyle/>
-          <a:p>
-            <a:endParaRPr lang="ko-KR" altLang="en-US"/>
-          </a:p>
-        </p:txBody>
-      </p:sp>
-      <p:sp>
-        <p:nvSpPr>
-          <p:cNvPr id="3" name="내용 개체 틀 2">
-            <a:extLst>
-              <a:ext uri="{FF2B5EF4-FFF2-40B4-BE49-F238E27FC236}">
-                <a16:creationId xmlns:a16="http://schemas.microsoft.com/office/drawing/2014/main" id="{FEB091C7-61BD-4D2F-909E-D442ABB8937F}"/>
-              </a:ext>
-            </a:extLst>
-          </p:cNvPr>
-          <p:cNvSpPr>
-            <a:spLocks noGrp="1"/>
-          </p:cNvSpPr>
-          <p:nvPr>
-            <p:ph idx="1"/>
-          </p:nvPr>
-        </p:nvSpPr>
-        <p:spPr/>
-        <p:txBody>
-          <a:bodyPr/>
-          <a:lstStyle/>
-          <a:p>
-            <a:endParaRPr lang="ko-KR" altLang="en-US"/>
-          </a:p>
-        </p:txBody>
-      </p:sp>
-    </p:spTree>
-    <p:extLst>
-      <p:ext uri="{BB962C8B-B14F-4D97-AF65-F5344CB8AC3E}">
-        <p14:creationId xmlns:p14="http://schemas.microsoft.com/office/powerpoint/2010/main" val="4052458919"/>
-      </p:ext>
-    </p:extLst>
-  </p:cSld>
-  <p:clrMapOvr>
-    <a:masterClrMapping/>
-  </p:clrMapOvr>
-</p:sld>
-</file>
-
 <file path=ppt/theme/theme1.xml><?xml version="1.0" encoding="utf-8"?>
 <a:theme xmlns:a="http://schemas.openxmlformats.org/drawingml/2006/main" name="Office 테마">
   <a:themeElements>
